--- a/presentations/Presentation2.pptx
+++ b/presentations/Presentation2.pptx
@@ -21,6 +21,7 @@
     <p:sldId id="266" r:id="rId18"/>
     <p:sldId id="267" r:id="rId19"/>
     <p:sldId id="268" r:id="rId20"/>
+    <p:sldId id="269" r:id="rId21"/>
   </p:sldIdLst>
   <p:sldSz cx="13004800" cy="9753600"/>
   <p:notesSz cx="6858000" cy="9144000"/>
@@ -7284,7 +7285,7 @@
       </p:grpSpPr>
       <p:sp>
         <p:nvSpPr>
-          <p:cNvPr id="167" name="Next Steps"/>
+          <p:cNvPr id="167" name="Window Size Effect…"/>
           <p:cNvSpPr txBox="1"/>
           <p:nvPr>
             <p:ph type="title"/>
@@ -7301,14 +7302,219 @@
           <a:p>
             <a:pPr/>
             <a:r>
-              <a:t>Next Steps</a:t>
+              <a:t>Window Size Effect</a:t>
+            </a:r>
+          </a:p>
+          <a:p>
+            <a:pPr>
+              <a:defRPr sz="3600">
+                <a:solidFill>
+                  <a:schemeClr val="accent4">
+                    <a:hueOff val="468000"/>
+                    <a:satOff val="-4761"/>
+                    <a:lumOff val="10196"/>
+                  </a:schemeClr>
+                </a:solidFill>
+              </a:defRPr>
+            </a:pPr>
+            <a:r>
+              <a:t>Random Forest</a:t>
+            </a:r>
+          </a:p>
+        </p:txBody>
+      </p:sp>
+      <p:pic>
+        <p:nvPicPr>
+          <p:cNvPr id="168" name="ic-nonlinear.png" descr="ic-nonlinear.png"/>
+          <p:cNvPicPr>
+            <a:picLocks noChangeAspect="1"/>
+          </p:cNvPicPr>
+          <p:nvPr/>
+        </p:nvPicPr>
+        <p:blipFill>
+          <a:blip r:embed="rId3">
+            <a:extLst/>
+          </a:blip>
+          <a:stretch>
+            <a:fillRect/>
+          </a:stretch>
+        </p:blipFill>
+        <p:spPr>
+          <a:xfrm>
+            <a:off x="4240014" y="1752600"/>
+            <a:ext cx="457201" cy="457200"/>
+          </a:xfrm>
+          <a:prstGeom prst="rect">
+            <a:avLst/>
+          </a:prstGeom>
+          <a:ln w="12700">
+            <a:miter lim="400000"/>
+          </a:ln>
+        </p:spPr>
+      </p:pic>
+      <p:pic>
+        <p:nvPicPr>
+          <p:cNvPr id="169" name="window_accuracy_plot.png" descr="window_accuracy_plot.png"/>
+          <p:cNvPicPr>
+            <a:picLocks noChangeAspect="1"/>
+          </p:cNvPicPr>
+          <p:nvPr/>
+        </p:nvPicPr>
+        <p:blipFill>
+          <a:blip r:embed="rId4">
+            <a:extLst/>
+          </a:blip>
+          <a:stretch>
+            <a:fillRect/>
+          </a:stretch>
+        </p:blipFill>
+        <p:spPr>
+          <a:xfrm>
+            <a:off x="2844800" y="2082800"/>
+            <a:ext cx="7315200" cy="7315200"/>
+          </a:xfrm>
+          <a:prstGeom prst="rect">
+            <a:avLst/>
+          </a:prstGeom>
+          <a:ln w="12700">
+            <a:miter lim="400000"/>
+          </a:ln>
+        </p:spPr>
+      </p:pic>
+      <p:sp>
+        <p:nvSpPr>
+          <p:cNvPr id="170" name="accuracy"/>
+          <p:cNvSpPr txBox="1"/>
+          <p:nvPr/>
+        </p:nvSpPr>
+        <p:spPr>
+          <a:xfrm rot="16200000">
+            <a:off x="1842109" y="5509870"/>
+            <a:ext cx="1446582" cy="461060"/>
+          </a:xfrm>
+          <a:prstGeom prst="rect">
+            <a:avLst/>
+          </a:prstGeom>
+          <a:ln w="12700">
+            <a:miter lim="400000"/>
+          </a:ln>
+          <a:extLst>
+            <a:ext uri="{C572A759-6A51-4108-AA02-DFA0A04FC94B}">
+              <ma14:wrappingTextBoxFlag xmlns:ma14="http://schemas.microsoft.com/office/mac/drawingml/2011/main" val="1"/>
+            </a:ext>
+          </a:extLst>
+        </p:spPr>
+        <p:txBody>
+          <a:bodyPr wrap="none" lIns="50800" tIns="50800" rIns="50800" bIns="50800" anchor="ctr">
+            <a:spAutoFit/>
+          </a:bodyPr>
+          <a:lstStyle/>
+          <a:p>
+            <a:pPr/>
+            <a:r>
+              <a:t>accuracy</a:t>
             </a:r>
           </a:p>
         </p:txBody>
       </p:sp>
       <p:sp>
         <p:nvSpPr>
-          <p:cNvPr id="168" name="Increase the accuracy by adding/changing features and fine tuning of the model’s hyper parameters…"/>
+          <p:cNvPr id="171" name="window size"/>
+          <p:cNvSpPr txBox="1"/>
+          <p:nvPr/>
+        </p:nvSpPr>
+        <p:spPr>
+          <a:xfrm>
+            <a:off x="5551119" y="8888070"/>
+            <a:ext cx="1902562" cy="461060"/>
+          </a:xfrm>
+          <a:prstGeom prst="rect">
+            <a:avLst/>
+          </a:prstGeom>
+          <a:ln w="12700">
+            <a:miter lim="400000"/>
+          </a:ln>
+          <a:extLst>
+            <a:ext uri="{C572A759-6A51-4108-AA02-DFA0A04FC94B}">
+              <ma14:wrappingTextBoxFlag xmlns:ma14="http://schemas.microsoft.com/office/mac/drawingml/2011/main" val="1"/>
+            </a:ext>
+          </a:extLst>
+        </p:spPr>
+        <p:txBody>
+          <a:bodyPr wrap="none" lIns="50800" tIns="50800" rIns="50800" bIns="50800" anchor="ctr">
+            <a:spAutoFit/>
+          </a:bodyPr>
+          <a:lstStyle/>
+          <a:p>
+            <a:pPr/>
+            <a:r>
+              <a:t>window size</a:t>
+            </a:r>
+          </a:p>
+        </p:txBody>
+      </p:sp>
+    </p:spTree>
+  </p:cSld>
+  <p:clrMapOvr>
+    <a:masterClrMapping/>
+  </p:clrMapOvr>
+  <p:transition xmlns:p14="http://schemas.microsoft.com/office/powerpoint/2010/main" spd="med" advClick="1"/>
+</p:sld>
+</file>
+
+<file path=ppt/slides/slide13.xml><?xml version="1.0" encoding="utf-8"?>
+<p:sld xmlns:a="http://schemas.openxmlformats.org/drawingml/2006/main" xmlns:r="http://schemas.openxmlformats.org/officeDocument/2006/relationships" xmlns:p="http://schemas.openxmlformats.org/presentationml/2006/main" showMasterSp="1" showMasterPhAnim="1">
+  <p:cSld>
+    <p:bg>
+      <p:bgPr>
+        <a:blipFill rotWithShape="1">
+          <a:blip r:embed="rId2"/>
+          <a:srcRect l="0" t="0" r="0" b="0"/>
+          <a:tile tx="0" ty="0" sx="100000" sy="100000" flip="none" algn="tl"/>
+        </a:blipFill>
+      </p:bgPr>
+    </p:bg>
+    <p:spTree>
+      <p:nvGrpSpPr>
+        <p:cNvPr id="1" name=""/>
+        <p:cNvGrpSpPr/>
+        <p:nvPr/>
+      </p:nvGrpSpPr>
+      <p:grpSpPr>
+        <a:xfrm>
+          <a:off x="0" y="0"/>
+          <a:ext cx="0" cy="0"/>
+          <a:chOff x="0" y="0"/>
+          <a:chExt cx="0" cy="0"/>
+        </a:xfrm>
+      </p:grpSpPr>
+      <p:sp>
+        <p:nvSpPr>
+          <p:cNvPr id="173" name="Next Steps"/>
+          <p:cNvSpPr txBox="1"/>
+          <p:nvPr>
+            <p:ph type="title"/>
+          </p:nvPr>
+        </p:nvSpPr>
+        <p:spPr>
+          <a:prstGeom prst="rect">
+            <a:avLst/>
+          </a:prstGeom>
+        </p:spPr>
+        <p:txBody>
+          <a:bodyPr/>
+          <a:lstStyle/>
+          <a:p>
+            <a:pPr/>
+            <a:r>
+              <a:t>Next Steps</a:t>
+            </a:r>
+          </a:p>
+        </p:txBody>
+      </p:sp>
+      <p:sp>
+        <p:nvSpPr>
+          <p:cNvPr id="174" name="Increase the accuracy by adding/changing features and fine tuning of the model’s hyper parameters…"/>
           <p:cNvSpPr txBox="1"/>
           <p:nvPr>
             <p:ph type="body" idx="1"/>
@@ -7456,7 +7662,7 @@
                                       <p:cBhvr>
                                         <p:cTn id="6" fill="hold"/>
                                         <p:tgtEl>
-                                          <p:spTgt spid="168">
+                                          <p:spTgt spid="174">
                                             <p:bg/>
                                           </p:spTgt>
                                         </p:tgtEl>
@@ -7484,7 +7690,7 @@
                                       <p:cBhvr>
                                         <p:cTn id="8" fill="hold"/>
                                         <p:tgtEl>
-                                          <p:spTgt spid="168">
+                                          <p:spTgt spid="174">
                                             <p:txEl>
                                               <p:pRg st="0" end="0"/>
                                             </p:txEl>
@@ -7532,7 +7738,7 @@
                                       <p:cBhvr>
                                         <p:cTn id="12" fill="hold"/>
                                         <p:tgtEl>
-                                          <p:spTgt spid="168">
+                                          <p:spTgt spid="174">
                                             <p:txEl>
                                               <p:pRg st="1" end="1"/>
                                             </p:txEl>
@@ -7580,7 +7786,7 @@
                                       <p:cBhvr>
                                         <p:cTn id="16" fill="hold"/>
                                         <p:tgtEl>
-                                          <p:spTgt spid="168">
+                                          <p:spTgt spid="174">
                                             <p:txEl>
                                               <p:pRg st="2" end="2"/>
                                             </p:txEl>
@@ -7628,7 +7834,7 @@
                                       <p:cBhvr>
                                         <p:cTn id="20" fill="hold"/>
                                         <p:tgtEl>
-                                          <p:spTgt spid="168">
+                                          <p:spTgt spid="174">
                                             <p:txEl>
                                               <p:pRg st="3" end="3"/>
                                             </p:txEl>
@@ -7673,13 +7879,13 @@
       </p:par>
     </p:tnLst>
     <p:bldLst>
-      <p:bldP build="p" bldLvl="5" animBg="1" rev="0" advAuto="0" spid="168" grpId="1"/>
+      <p:bldP build="p" bldLvl="5" animBg="1" rev="0" advAuto="0" spid="174" grpId="1"/>
     </p:bldLst>
   </p:timing>
 </p:sld>
 </file>
 
-<file path=ppt/slides/slide13.xml><?xml version="1.0" encoding="utf-8"?>
+<file path=ppt/slides/slide14.xml><?xml version="1.0" encoding="utf-8"?>
 <p:sld xmlns:a="http://schemas.openxmlformats.org/drawingml/2006/main" xmlns:r="http://schemas.openxmlformats.org/officeDocument/2006/relationships" xmlns:p="http://schemas.openxmlformats.org/presentationml/2006/main" showMasterSp="1" showMasterPhAnim="1">
   <p:cSld>
     <p:bg>
@@ -7707,7 +7913,7 @@
       </p:grpSpPr>
       <p:sp>
         <p:nvSpPr>
-          <p:cNvPr id="170" name="Thank You!"/>
+          <p:cNvPr id="176" name="Thank You!"/>
           <p:cNvSpPr txBox="1"/>
           <p:nvPr>
             <p:ph type="title"/>
@@ -7735,7 +7941,7 @@
       </p:sp>
       <p:sp>
         <p:nvSpPr>
-          <p:cNvPr id="171" name="For more information: https://github.com/idocal/workshop/blob/master/MotionSenese/initial-analysis.ipynb"/>
+          <p:cNvPr id="177" name="For more information: https://github.com/idocal/workshop/blob/master/MotionSenese/initial-analysis.ipynb"/>
           <p:cNvSpPr txBox="1"/>
           <p:nvPr>
             <p:ph type="body" idx="1"/>
@@ -9177,7 +9383,7 @@
         <p:spPr>
           <a:xfrm>
             <a:off x="3073400" y="4648200"/>
-            <a:ext cx="1625600" cy="1625601"/>
+            <a:ext cx="1625600" cy="1625600"/>
           </a:xfrm>
           <a:prstGeom prst="rect">
             <a:avLst/>
@@ -9632,11 +9838,11 @@
       </p:par>
     </p:tnLst>
     <p:bldLst>
+      <p:bldP build="whole" bldLvl="1" animBg="1" rev="0" advAuto="0" spid="139" grpId="3"/>
+      <p:bldP build="whole" bldLvl="1" animBg="1" rev="0" advAuto="0" spid="141" grpId="4"/>
+      <p:bldP build="whole" bldLvl="1" animBg="1" rev="0" advAuto="0" spid="140" grpId="6"/>
       <p:bldP build="p" bldLvl="5" animBg="1" rev="0" advAuto="0" spid="138" grpId="1"/>
-      <p:bldP build="whole" bldLvl="1" animBg="1" rev="0" advAuto="0" spid="140" grpId="6"/>
-      <p:bldP build="whole" bldLvl="1" animBg="1" rev="0" advAuto="0" spid="139" grpId="3"/>
       <p:bldP build="whole" bldLvl="1" animBg="1" rev="0" advAuto="0" spid="142" grpId="2"/>
-      <p:bldP build="whole" bldLvl="1" animBg="1" rev="0" advAuto="0" spid="141" grpId="4"/>
       <p:bldP build="whole" bldLvl="1" animBg="1" rev="0" advAuto="0" spid="143" grpId="5"/>
     </p:bldLst>
   </p:timing>
@@ -10843,9 +11049,9 @@
       </p:par>
     </p:tnLst>
     <p:bldLst>
-      <p:bldP build="whole" bldLvl="1" animBg="1" rev="0" advAuto="0" spid="150" grpId="2"/>
       <p:bldP build="whole" bldLvl="1" animBg="1" rev="0" advAuto="0" spid="151" grpId="3"/>
       <p:bldP build="p" bldLvl="5" animBg="1" rev="0" advAuto="0" spid="149" grpId="1"/>
+      <p:bldP build="whole" bldLvl="1" animBg="1" rev="0" advAuto="0" spid="150" grpId="2"/>
     </p:bldLst>
   </p:timing>
 </p:sld>

--- a/presentations/Presentation2.pptx
+++ b/presentations/Presentation2.pptx
@@ -3058,7 +3058,9 @@
         <a:blipFill rotWithShape="1">
           <a:blip r:embed="rId2"/>
           <a:srcRect l="0" t="0" r="0" b="0"/>
-          <a:tile tx="0" ty="0" sx="100000" sy="100000" flip="none" algn="tl"/>
+          <a:stretch>
+            <a:fillRect/>
+          </a:stretch>
         </a:blipFill>
       </p:bgPr>
     </p:bg>
@@ -5186,6 +5188,78 @@
           </a:ln>
         </p:spPr>
       </p:pic>
+      <p:sp>
+        <p:nvSpPr>
+          <p:cNvPr id="159" name="10"/>
+          <p:cNvSpPr txBox="1"/>
+          <p:nvPr/>
+        </p:nvSpPr>
+        <p:spPr>
+          <a:xfrm>
+            <a:off x="3456381" y="8356600"/>
+            <a:ext cx="453238" cy="461059"/>
+          </a:xfrm>
+          <a:prstGeom prst="rect">
+            <a:avLst/>
+          </a:prstGeom>
+          <a:ln w="12700">
+            <a:miter lim="400000"/>
+          </a:ln>
+          <a:extLst>
+            <a:ext uri="{C572A759-6A51-4108-AA02-DFA0A04FC94B}">
+              <ma14:wrappingTextBoxFlag xmlns:ma14="http://schemas.microsoft.com/office/mac/drawingml/2011/main" val="1"/>
+            </a:ext>
+          </a:extLst>
+        </p:spPr>
+        <p:txBody>
+          <a:bodyPr wrap="none" lIns="50800" tIns="50800" rIns="50800" bIns="50800" anchor="ctr">
+            <a:spAutoFit/>
+          </a:bodyPr>
+          <a:lstStyle/>
+          <a:p>
+            <a:pPr/>
+            <a:r>
+              <a:t>10</a:t>
+            </a:r>
+          </a:p>
+        </p:txBody>
+      </p:sp>
+      <p:sp>
+        <p:nvSpPr>
+          <p:cNvPr id="160" name="10"/>
+          <p:cNvSpPr txBox="1"/>
+          <p:nvPr/>
+        </p:nvSpPr>
+        <p:spPr>
+          <a:xfrm>
+            <a:off x="10250881" y="8356599"/>
+            <a:ext cx="453238" cy="461060"/>
+          </a:xfrm>
+          <a:prstGeom prst="rect">
+            <a:avLst/>
+          </a:prstGeom>
+          <a:ln w="12700">
+            <a:miter lim="400000"/>
+          </a:ln>
+          <a:extLst>
+            <a:ext uri="{C572A759-6A51-4108-AA02-DFA0A04FC94B}">
+              <ma14:wrappingTextBoxFlag xmlns:ma14="http://schemas.microsoft.com/office/mac/drawingml/2011/main" val="1"/>
+            </a:ext>
+          </a:extLst>
+        </p:spPr>
+        <p:txBody>
+          <a:bodyPr wrap="none" lIns="50800" tIns="50800" rIns="50800" bIns="50800" anchor="ctr">
+            <a:spAutoFit/>
+          </a:bodyPr>
+          <a:lstStyle/>
+          <a:p>
+            <a:pPr/>
+            <a:r>
+              <a:t>10</a:t>
+            </a:r>
+          </a:p>
+        </p:txBody>
+      </p:sp>
     </p:spTree>
   </p:cSld>
   <p:clrMapOvr>
@@ -5223,7 +5297,7 @@
       </p:grpSpPr>
       <p:sp>
         <p:nvSpPr>
-          <p:cNvPr id="160" name="Initial Results…"/>
+          <p:cNvPr id="162" name="Initial Results…"/>
           <p:cNvSpPr txBox="1"/>
           <p:nvPr>
             <p:ph type="title"/>
@@ -5263,7 +5337,7 @@
       </p:sp>
       <p:graphicFrame>
         <p:nvGraphicFramePr>
-          <p:cNvPr id="161" name="Table"/>
+          <p:cNvPr id="163" name="Table"/>
           <p:cNvGraphicFramePr/>
           <p:nvPr/>
         </p:nvGraphicFramePr>
@@ -6213,7 +6287,7 @@
       </p:graphicFrame>
       <p:pic>
         <p:nvPicPr>
-          <p:cNvPr id="162" name="ic-history.png" descr="ic-history.png"/>
+          <p:cNvPr id="164" name="ic-history.png" descr="ic-history.png"/>
           <p:cNvPicPr>
             <a:picLocks noChangeAspect="1"/>
           </p:cNvPicPr>
@@ -6242,7 +6316,7 @@
       </p:pic>
       <p:graphicFrame>
         <p:nvGraphicFramePr>
-          <p:cNvPr id="163" name="Table"/>
+          <p:cNvPr id="165" name="Table"/>
           <p:cNvGraphicFramePr/>
           <p:nvPr/>
         </p:nvGraphicFramePr>
@@ -7192,7 +7266,7 @@
       </p:graphicFrame>
       <p:pic>
         <p:nvPicPr>
-          <p:cNvPr id="164" name="ic-sliding-window.png" descr="ic-sliding-window.png"/>
+          <p:cNvPr id="166" name="ic-sliding-window.png" descr="ic-sliding-window.png"/>
           <p:cNvPicPr>
             <a:picLocks noChangeAspect="1"/>
           </p:cNvPicPr>
@@ -7221,7 +7295,7 @@
       </p:pic>
       <p:pic>
         <p:nvPicPr>
-          <p:cNvPr id="165" name="ic-nonlinear.png" descr="ic-nonlinear.png"/>
+          <p:cNvPr id="167" name="ic-nonlinear.png" descr="ic-nonlinear.png"/>
           <p:cNvPicPr>
             <a:picLocks noChangeAspect="1"/>
           </p:cNvPicPr>
@@ -7248,6 +7322,78 @@
           </a:ln>
         </p:spPr>
       </p:pic>
+      <p:sp>
+        <p:nvSpPr>
+          <p:cNvPr id="168" name="10"/>
+          <p:cNvSpPr txBox="1"/>
+          <p:nvPr/>
+        </p:nvSpPr>
+        <p:spPr>
+          <a:xfrm>
+            <a:off x="3456381" y="8356599"/>
+            <a:ext cx="453238" cy="461060"/>
+          </a:xfrm>
+          <a:prstGeom prst="rect">
+            <a:avLst/>
+          </a:prstGeom>
+          <a:ln w="12700">
+            <a:miter lim="400000"/>
+          </a:ln>
+          <a:extLst>
+            <a:ext uri="{C572A759-6A51-4108-AA02-DFA0A04FC94B}">
+              <ma14:wrappingTextBoxFlag xmlns:ma14="http://schemas.microsoft.com/office/mac/drawingml/2011/main" val="1"/>
+            </a:ext>
+          </a:extLst>
+        </p:spPr>
+        <p:txBody>
+          <a:bodyPr wrap="none" lIns="50800" tIns="50800" rIns="50800" bIns="50800" anchor="ctr">
+            <a:spAutoFit/>
+          </a:bodyPr>
+          <a:lstStyle/>
+          <a:p>
+            <a:pPr/>
+            <a:r>
+              <a:t>10</a:t>
+            </a:r>
+          </a:p>
+        </p:txBody>
+      </p:sp>
+      <p:sp>
+        <p:nvSpPr>
+          <p:cNvPr id="169" name="10"/>
+          <p:cNvSpPr txBox="1"/>
+          <p:nvPr/>
+        </p:nvSpPr>
+        <p:spPr>
+          <a:xfrm>
+            <a:off x="10250881" y="8356599"/>
+            <a:ext cx="453238" cy="461060"/>
+          </a:xfrm>
+          <a:prstGeom prst="rect">
+            <a:avLst/>
+          </a:prstGeom>
+          <a:ln w="12700">
+            <a:miter lim="400000"/>
+          </a:ln>
+          <a:extLst>
+            <a:ext uri="{C572A759-6A51-4108-AA02-DFA0A04FC94B}">
+              <ma14:wrappingTextBoxFlag xmlns:ma14="http://schemas.microsoft.com/office/mac/drawingml/2011/main" val="1"/>
+            </a:ext>
+          </a:extLst>
+        </p:spPr>
+        <p:txBody>
+          <a:bodyPr wrap="none" lIns="50800" tIns="50800" rIns="50800" bIns="50800" anchor="ctr">
+            <a:spAutoFit/>
+          </a:bodyPr>
+          <a:lstStyle/>
+          <a:p>
+            <a:pPr/>
+            <a:r>
+              <a:t>10</a:t>
+            </a:r>
+          </a:p>
+        </p:txBody>
+      </p:sp>
     </p:spTree>
   </p:cSld>
   <p:clrMapOvr>
@@ -7285,7 +7431,7 @@
       </p:grpSpPr>
       <p:sp>
         <p:nvSpPr>
-          <p:cNvPr id="167" name="Window Size Effect…"/>
+          <p:cNvPr id="171" name="Window Size Effect…"/>
           <p:cNvSpPr txBox="1"/>
           <p:nvPr>
             <p:ph type="title"/>
@@ -7325,7 +7471,7 @@
       </p:sp>
       <p:pic>
         <p:nvPicPr>
-          <p:cNvPr id="168" name="ic-nonlinear.png" descr="ic-nonlinear.png"/>
+          <p:cNvPr id="172" name="ic-nonlinear.png" descr="ic-nonlinear.png"/>
           <p:cNvPicPr>
             <a:picLocks noChangeAspect="1"/>
           </p:cNvPicPr>
@@ -7354,7 +7500,7 @@
       </p:pic>
       <p:pic>
         <p:nvPicPr>
-          <p:cNvPr id="169" name="window_accuracy_plot.png" descr="window_accuracy_plot.png"/>
+          <p:cNvPr id="173" name="window_accuracy_plot.png" descr="window_accuracy_plot.png"/>
           <p:cNvPicPr>
             <a:picLocks noChangeAspect="1"/>
           </p:cNvPicPr>
@@ -7383,7 +7529,7 @@
       </p:pic>
       <p:sp>
         <p:nvSpPr>
-          <p:cNvPr id="170" name="accuracy"/>
+          <p:cNvPr id="174" name="accuracy"/>
           <p:cNvSpPr txBox="1"/>
           <p:nvPr/>
         </p:nvSpPr>
@@ -7419,7 +7565,7 @@
       </p:sp>
       <p:sp>
         <p:nvSpPr>
-          <p:cNvPr id="171" name="window size"/>
+          <p:cNvPr id="175" name="window size"/>
           <p:cNvSpPr txBox="1"/>
           <p:nvPr/>
         </p:nvSpPr>
@@ -7490,7 +7636,7 @@
       </p:grpSpPr>
       <p:sp>
         <p:nvSpPr>
-          <p:cNvPr id="173" name="Next Steps"/>
+          <p:cNvPr id="177" name="Next Steps"/>
           <p:cNvSpPr txBox="1"/>
           <p:nvPr>
             <p:ph type="title"/>
@@ -7514,7 +7660,7 @@
       </p:sp>
       <p:sp>
         <p:nvSpPr>
-          <p:cNvPr id="174" name="Increase the accuracy by adding/changing features and fine tuning of the model’s hyper parameters…"/>
+          <p:cNvPr id="178" name="Increase the accuracy by adding / modifying features and fine tuning of the model’s hyper parameters…"/>
           <p:cNvSpPr txBox="1"/>
           <p:nvPr>
             <p:ph type="body" idx="1"/>
@@ -7531,7 +7677,7 @@
           <a:p>
             <a:pPr/>
             <a:r>
-              <a:t>Increase the accuracy by adding/changing features and fine tuning of the model’s hyper parameters</a:t>
+              <a:t>Increase the accuracy by adding / modifying features and fine tuning of the model’s hyper parameters</a:t>
             </a:r>
           </a:p>
           <a:p>
@@ -7549,10 +7695,7 @@
                   </a:schemeClr>
                 </a:solidFill>
               </a:rPr>
-              <a:t>less samples</a:t>
-            </a:r>
-            <a:r>
-              <a:t>.</a:t>
+              <a:t>less time samples</a:t>
             </a:r>
             <a:endParaRPr>
               <a:solidFill>
@@ -7662,7 +7805,7 @@
                                       <p:cBhvr>
                                         <p:cTn id="6" fill="hold"/>
                                         <p:tgtEl>
-                                          <p:spTgt spid="174">
+                                          <p:spTgt spid="178">
                                             <p:bg/>
                                           </p:spTgt>
                                         </p:tgtEl>
@@ -7690,7 +7833,7 @@
                                       <p:cBhvr>
                                         <p:cTn id="8" fill="hold"/>
                                         <p:tgtEl>
-                                          <p:spTgt spid="174">
+                                          <p:spTgt spid="178">
                                             <p:txEl>
                                               <p:pRg st="0" end="0"/>
                                             </p:txEl>
@@ -7738,7 +7881,7 @@
                                       <p:cBhvr>
                                         <p:cTn id="12" fill="hold"/>
                                         <p:tgtEl>
-                                          <p:spTgt spid="174">
+                                          <p:spTgt spid="178">
                                             <p:txEl>
                                               <p:pRg st="1" end="1"/>
                                             </p:txEl>
@@ -7786,7 +7929,7 @@
                                       <p:cBhvr>
                                         <p:cTn id="16" fill="hold"/>
                                         <p:tgtEl>
-                                          <p:spTgt spid="174">
+                                          <p:spTgt spid="178">
                                             <p:txEl>
                                               <p:pRg st="2" end="2"/>
                                             </p:txEl>
@@ -7834,7 +7977,7 @@
                                       <p:cBhvr>
                                         <p:cTn id="20" fill="hold"/>
                                         <p:tgtEl>
-                                          <p:spTgt spid="174">
+                                          <p:spTgt spid="178">
                                             <p:txEl>
                                               <p:pRg st="3" end="3"/>
                                             </p:txEl>
@@ -7879,7 +8022,7 @@
       </p:par>
     </p:tnLst>
     <p:bldLst>
-      <p:bldP build="p" bldLvl="5" animBg="1" rev="0" advAuto="0" spid="174" grpId="1"/>
+      <p:bldP build="p" bldLvl="5" animBg="1" rev="0" advAuto="0" spid="178" grpId="1"/>
     </p:bldLst>
   </p:timing>
 </p:sld>
@@ -7893,7 +8036,9 @@
         <a:blipFill rotWithShape="1">
           <a:blip r:embed="rId2"/>
           <a:srcRect l="0" t="0" r="0" b="0"/>
-          <a:tile tx="0" ty="0" sx="100000" sy="100000" flip="none" algn="tl"/>
+          <a:stretch>
+            <a:fillRect/>
+          </a:stretch>
         </a:blipFill>
       </p:bgPr>
     </p:bg>
@@ -7913,7 +8058,7 @@
       </p:grpSpPr>
       <p:sp>
         <p:nvSpPr>
-          <p:cNvPr id="176" name="Thank You!"/>
+          <p:cNvPr id="180" name="Thank You!"/>
           <p:cNvSpPr txBox="1"/>
           <p:nvPr>
             <p:ph type="title"/>
@@ -7935,40 +8080,6 @@
             <a:pPr/>
             <a:r>
               <a:t>Thank You!</a:t>
-            </a:r>
-          </a:p>
-        </p:txBody>
-      </p:sp>
-      <p:sp>
-        <p:nvSpPr>
-          <p:cNvPr id="177" name="For more information: https://github.com/idocal/workshop/blob/master/MotionSenese/initial-analysis.ipynb"/>
-          <p:cNvSpPr txBox="1"/>
-          <p:nvPr>
-            <p:ph type="body" idx="1"/>
-          </p:nvPr>
-        </p:nvSpPr>
-        <p:spPr>
-          <a:prstGeom prst="rect">
-            <a:avLst/>
-          </a:prstGeom>
-        </p:spPr>
-        <p:txBody>
-          <a:bodyPr anchor="b"/>
-          <a:lstStyle/>
-          <a:p>
-            <a:pPr/>
-            <a:r>
-              <a:t>For more information:</a:t>
-            </a:r>
-            <a:br/>
-            <a:r>
-              <a:rPr u="sng">
-                <a:solidFill>
-                  <a:srgbClr val="A9A9A9"/>
-                </a:solidFill>
-                <a:hlinkClick r:id="rId3" invalidUrl="" action="" tgtFrame="" tooltip="" history="1" highlightClick="0" endSnd="0"/>
-              </a:rPr>
-              <a:t>https://github.com/idocal/workshop/blob/master/MotionSenese/initial-analysis.ipynb</a:t>
             </a:r>
           </a:p>
         </p:txBody>
@@ -9838,12 +9949,12 @@
       </p:par>
     </p:tnLst>
     <p:bldLst>
+      <p:bldP build="whole" bldLvl="1" animBg="1" rev="0" advAuto="0" spid="142" grpId="2"/>
+      <p:bldP build="p" bldLvl="5" animBg="1" rev="0" advAuto="0" spid="138" grpId="1"/>
+      <p:bldP build="whole" bldLvl="1" animBg="1" rev="0" advAuto="0" spid="143" grpId="5"/>
       <p:bldP build="whole" bldLvl="1" animBg="1" rev="0" advAuto="0" spid="139" grpId="3"/>
       <p:bldP build="whole" bldLvl="1" animBg="1" rev="0" advAuto="0" spid="141" grpId="4"/>
       <p:bldP build="whole" bldLvl="1" animBg="1" rev="0" advAuto="0" spid="140" grpId="6"/>
-      <p:bldP build="p" bldLvl="5" animBg="1" rev="0" advAuto="0" spid="138" grpId="1"/>
-      <p:bldP build="whole" bldLvl="1" animBg="1" rev="0" advAuto="0" spid="142" grpId="2"/>
-      <p:bldP build="whole" bldLvl="1" animBg="1" rev="0" advAuto="0" spid="143" grpId="5"/>
     </p:bldLst>
   </p:timing>
 </p:sld>
@@ -9936,7 +10047,7 @@
               <a:defRPr sz="2560"/>
             </a:pPr>
             <a:r>
-              <a:t>How long should the window be?</a:t>
+              <a:t>How long should the window / history be?</a:t>
             </a:r>
           </a:p>
           <a:p>
@@ -10648,6 +10759,48 @@
           <a:p>
             <a:pPr/>
             <a:r>
+              <a:t>Results over </a:t>
+            </a:r>
+            <a:r>
+              <a:rPr>
+                <a:solidFill>
+                  <a:schemeClr val="accent4">
+                    <a:hueOff val="468000"/>
+                    <a:satOff val="-4761"/>
+                    <a:lumOff val="10196"/>
+                  </a:schemeClr>
+                </a:solidFill>
+              </a:rPr>
+              <a:t>10</a:t>
+            </a:r>
+            <a:r>
+              <a:t> sized window / history ~ </a:t>
+            </a:r>
+            <a:r>
+              <a:rPr>
+                <a:solidFill>
+                  <a:schemeClr val="accent4">
+                    <a:hueOff val="468000"/>
+                    <a:satOff val="-4761"/>
+                    <a:lumOff val="10196"/>
+                  </a:schemeClr>
+                </a:solidFill>
+              </a:rPr>
+              <a:t>1sec</a:t>
+            </a:r>
+            <a:endParaRPr>
+              <a:solidFill>
+                <a:schemeClr val="accent4">
+                  <a:hueOff val="468000"/>
+                  <a:satOff val="-4761"/>
+                  <a:lumOff val="10196"/>
+                </a:schemeClr>
+              </a:solidFill>
+            </a:endParaRPr>
+          </a:p>
+          <a:p>
+            <a:pPr/>
+            <a:r>
               <a:t>Logistic Regression did not achieve good results on validation set</a:t>
             </a:r>
           </a:p>
@@ -10683,7 +10836,7 @@
         </p:blipFill>
         <p:spPr>
           <a:xfrm>
-            <a:off x="1727844" y="2676673"/>
+            <a:off x="1727844" y="2168673"/>
             <a:ext cx="812801" cy="812801"/>
           </a:xfrm>
           <a:prstGeom prst="rect">
@@ -10712,7 +10865,7 @@
         </p:blipFill>
         <p:spPr>
           <a:xfrm>
-            <a:off x="3782814" y="2676673"/>
+            <a:off x="3782814" y="2168673"/>
             <a:ext cx="812801" cy="812801"/>
           </a:xfrm>
           <a:prstGeom prst="rect">
@@ -11027,6 +11180,54 @@
                       </p:childTnLst>
                     </p:cTn>
                   </p:par>
+                  <p:par>
+                    <p:cTn id="27" fill="hold">
+                      <p:stCondLst>
+                        <p:cond delay="indefinite"/>
+                      </p:stCondLst>
+                      <p:childTnLst>
+                        <p:par>
+                          <p:cTn id="28" fill="hold">
+                            <p:stCondLst>
+                              <p:cond delay="0"/>
+                            </p:stCondLst>
+                            <p:childTnLst>
+                              <p:par>
+                                <p:cTn id="29" presetClass="entr" nodeType="clickEffect" presetSubtype="0" presetID="1" grpId="1" fill="hold">
+                                  <p:stCondLst>
+                                    <p:cond delay="0"/>
+                                  </p:stCondLst>
+                                  <p:iterate type="el" backwards="0">
+                                    <p:tmAbs val="0"/>
+                                  </p:iterate>
+                                  <p:childTnLst>
+                                    <p:set>
+                                      <p:cBhvr>
+                                        <p:cTn id="30" fill="hold"/>
+                                        <p:tgtEl>
+                                          <p:spTgt spid="149">
+                                            <p:txEl>
+                                              <p:pRg st="4" end="4"/>
+                                            </p:txEl>
+                                          </p:spTgt>
+                                        </p:tgtEl>
+                                        <p:attrNameLst>
+                                          <p:attrName>style.visibility</p:attrName>
+                                        </p:attrNameLst>
+                                      </p:cBhvr>
+                                      <p:to>
+                                        <p:strVal val="visible"/>
+                                      </p:to>
+                                    </p:set>
+                                  </p:childTnLst>
+                                </p:cTn>
+                              </p:par>
+                            </p:childTnLst>
+                          </p:cTn>
+                        </p:par>
+                      </p:childTnLst>
+                    </p:cTn>
+                  </p:par>
                 </p:childTnLst>
               </p:cTn>
               <p:prevCondLst>
@@ -11049,9 +11250,9 @@
       </p:par>
     </p:tnLst>
     <p:bldLst>
+      <p:bldP build="whole" bldLvl="1" animBg="1" rev="0" advAuto="0" spid="150" grpId="2"/>
+      <p:bldP build="p" bldLvl="5" animBg="1" rev="0" advAuto="0" spid="149" grpId="1"/>
       <p:bldP build="whole" bldLvl="1" animBg="1" rev="0" advAuto="0" spid="151" grpId="3"/>
-      <p:bldP build="p" bldLvl="5" animBg="1" rev="0" advAuto="0" spid="149" grpId="1"/>
-      <p:bldP build="whole" bldLvl="1" animBg="1" rev="0" advAuto="0" spid="150" grpId="2"/>
     </p:bldLst>
   </p:timing>
 </p:sld>

--- a/presentations/Presentation2.pptx
+++ b/presentations/Presentation2.pptx
@@ -2,26 +2,26 @@
 <file path=ppt/presentation.xml><?xml version="1.0" encoding="utf-8"?>
 <p:presentation xmlns:a="http://schemas.openxmlformats.org/drawingml/2006/main" xmlns:r="http://schemas.openxmlformats.org/officeDocument/2006/relationships" xmlns:p="http://schemas.openxmlformats.org/presentationml/2006/main">
   <p:sldMasterIdLst>
-    <p:sldMasterId id="2147483648" r:id="rId5"/>
+    <p:sldMasterId id="2147483648" r:id="rId1"/>
   </p:sldMasterIdLst>
   <p:notesMasterIdLst>
-    <p:notesMasterId r:id="rId7"/>
+    <p:notesMasterId r:id="rId16"/>
   </p:notesMasterIdLst>
   <p:sldIdLst>
-    <p:sldId id="256" r:id="rId8"/>
-    <p:sldId id="257" r:id="rId9"/>
-    <p:sldId id="258" r:id="rId10"/>
-    <p:sldId id="259" r:id="rId11"/>
-    <p:sldId id="260" r:id="rId12"/>
-    <p:sldId id="261" r:id="rId13"/>
-    <p:sldId id="262" r:id="rId14"/>
-    <p:sldId id="263" r:id="rId15"/>
-    <p:sldId id="264" r:id="rId16"/>
-    <p:sldId id="265" r:id="rId17"/>
-    <p:sldId id="266" r:id="rId18"/>
-    <p:sldId id="267" r:id="rId19"/>
-    <p:sldId id="268" r:id="rId20"/>
-    <p:sldId id="269" r:id="rId21"/>
+    <p:sldId id="256" r:id="rId2"/>
+    <p:sldId id="257" r:id="rId3"/>
+    <p:sldId id="258" r:id="rId4"/>
+    <p:sldId id="259" r:id="rId5"/>
+    <p:sldId id="260" r:id="rId6"/>
+    <p:sldId id="261" r:id="rId7"/>
+    <p:sldId id="262" r:id="rId8"/>
+    <p:sldId id="263" r:id="rId9"/>
+    <p:sldId id="264" r:id="rId10"/>
+    <p:sldId id="265" r:id="rId11"/>
+    <p:sldId id="266" r:id="rId12"/>
+    <p:sldId id="267" r:id="rId13"/>
+    <p:sldId id="268" r:id="rId14"/>
+    <p:sldId id="269" r:id="rId15"/>
   </p:sldIdLst>
   <p:sldSz cx="13004800" cy="9753600"/>
   <p:notesSz cx="6858000" cy="9144000"/>
@@ -41,7 +41,7 @@
       <a:buFontTx/>
       <a:buNone/>
       <a:tabLst/>
-      <a:defRPr b="0" baseline="0" cap="none" i="0" spc="0" strike="noStrike" sz="1800" u="none" kumimoji="0" normalizeH="0">
+      <a:defRPr kumimoji="0" sz="1800" b="0" i="0" u="none" strike="noStrike" cap="none" spc="0" normalizeH="0" baseline="0">
         <a:ln>
           <a:noFill/>
         </a:ln>
@@ -67,7 +67,7 @@
       <a:buFontTx/>
       <a:buNone/>
       <a:tabLst/>
-      <a:defRPr b="1" baseline="0" cap="none" i="0" spc="0" strike="noStrike" sz="2400" u="none" kumimoji="0" normalizeH="0">
+      <a:defRPr kumimoji="0" sz="2400" b="1" i="0" u="none" strike="noStrike" cap="none" spc="0" normalizeH="0" baseline="0">
         <a:ln>
           <a:noFill/>
         </a:ln>
@@ -97,7 +97,7 @@
       <a:buFontTx/>
       <a:buNone/>
       <a:tabLst/>
-      <a:defRPr b="1" baseline="0" cap="none" i="0" spc="0" strike="noStrike" sz="2400" u="none" kumimoji="0" normalizeH="0">
+      <a:defRPr kumimoji="0" sz="2400" b="1" i="0" u="none" strike="noStrike" cap="none" spc="0" normalizeH="0" baseline="0">
         <a:ln>
           <a:noFill/>
         </a:ln>
@@ -127,7 +127,7 @@
       <a:buFontTx/>
       <a:buNone/>
       <a:tabLst/>
-      <a:defRPr b="1" baseline="0" cap="none" i="0" spc="0" strike="noStrike" sz="2400" u="none" kumimoji="0" normalizeH="0">
+      <a:defRPr kumimoji="0" sz="2400" b="1" i="0" u="none" strike="noStrike" cap="none" spc="0" normalizeH="0" baseline="0">
         <a:ln>
           <a:noFill/>
         </a:ln>
@@ -157,7 +157,7 @@
       <a:buFontTx/>
       <a:buNone/>
       <a:tabLst/>
-      <a:defRPr b="1" baseline="0" cap="none" i="0" spc="0" strike="noStrike" sz="2400" u="none" kumimoji="0" normalizeH="0">
+      <a:defRPr kumimoji="0" sz="2400" b="1" i="0" u="none" strike="noStrike" cap="none" spc="0" normalizeH="0" baseline="0">
         <a:ln>
           <a:noFill/>
         </a:ln>
@@ -187,7 +187,7 @@
       <a:buFontTx/>
       <a:buNone/>
       <a:tabLst/>
-      <a:defRPr b="1" baseline="0" cap="none" i="0" spc="0" strike="noStrike" sz="2400" u="none" kumimoji="0" normalizeH="0">
+      <a:defRPr kumimoji="0" sz="2400" b="1" i="0" u="none" strike="noStrike" cap="none" spc="0" normalizeH="0" baseline="0">
         <a:ln>
           <a:noFill/>
         </a:ln>
@@ -217,7 +217,7 @@
       <a:buFontTx/>
       <a:buNone/>
       <a:tabLst/>
-      <a:defRPr b="1" baseline="0" cap="none" i="0" spc="0" strike="noStrike" sz="2400" u="none" kumimoji="0" normalizeH="0">
+      <a:defRPr kumimoji="0" sz="2400" b="1" i="0" u="none" strike="noStrike" cap="none" spc="0" normalizeH="0" baseline="0">
         <a:ln>
           <a:noFill/>
         </a:ln>
@@ -247,7 +247,7 @@
       <a:buFontTx/>
       <a:buNone/>
       <a:tabLst/>
-      <a:defRPr b="1" baseline="0" cap="none" i="0" spc="0" strike="noStrike" sz="2400" u="none" kumimoji="0" normalizeH="0">
+      <a:defRPr kumimoji="0" sz="2400" b="1" i="0" u="none" strike="noStrike" cap="none" spc="0" normalizeH="0" baseline="0">
         <a:ln>
           <a:noFill/>
         </a:ln>
@@ -277,7 +277,7 @@
       <a:buFontTx/>
       <a:buNone/>
       <a:tabLst/>
-      <a:defRPr b="1" baseline="0" cap="none" i="0" spc="0" strike="noStrike" sz="2400" u="none" kumimoji="0" normalizeH="0">
+      <a:defRPr kumimoji="0" sz="2400" b="1" i="0" u="none" strike="noStrike" cap="none" spc="0" normalizeH="0" baseline="0">
         <a:ln>
           <a:noFill/>
         </a:ln>
@@ -307,7 +307,7 @@
       <a:buFontTx/>
       <a:buNone/>
       <a:tabLst/>
-      <a:defRPr b="1" baseline="0" cap="none" i="0" spc="0" strike="noStrike" sz="2400" u="none" kumimoji="0" normalizeH="0">
+      <a:defRPr kumimoji="0" sz="2400" b="1" i="0" u="none" strike="noStrike" cap="none" spc="0" normalizeH="0" baseline="0">
         <a:ln>
           <a:noFill/>
         </a:ln>
@@ -326,13 +326,14 @@
 </p:presentation>
 </file>
 
-<file path=ppt/commentAuthors.xml><?xml version="1.0" encoding="utf-8"?>
-<p:cmAuthorLst xmlns:a="http://schemas.openxmlformats.org/drawingml/2006/main" xmlns:r="http://schemas.openxmlformats.org/officeDocument/2006/relationships" xmlns:p="http://schemas.openxmlformats.org/presentationml/2006/main"/>
-</file>
-
 <file path=ppt/notesMasters/notesMaster1.xml><?xml version="1.0" encoding="utf-8"?>
 <p:notesMaster xmlns:a="http://schemas.openxmlformats.org/drawingml/2006/main" xmlns:r="http://schemas.openxmlformats.org/officeDocument/2006/relationships" xmlns:p="http://schemas.openxmlformats.org/presentationml/2006/main">
   <p:cSld>
+    <p:bg>
+      <p:bgRef idx="1001">
+        <a:schemeClr val="bg1"/>
+      </p:bgRef>
+    </p:bg>
     <p:spTree>
       <p:nvGrpSpPr>
         <p:cNvPr id="1" name=""/>
@@ -350,7 +351,9 @@
       <p:sp>
         <p:nvSpPr>
           <p:cNvPr id="116" name="Shape 116"/>
-          <p:cNvSpPr/>
+          <p:cNvSpPr>
+            <a:spLocks noGrp="1" noRot="1" noChangeAspect="1"/>
+          </p:cNvSpPr>
           <p:nvPr>
             <p:ph type="sldImg"/>
           </p:nvPr>
@@ -368,14 +371,16 @@
           <a:bodyPr/>
           <a:lstStyle/>
           <a:p>
-            <a:pPr/>
+            <a:endParaRPr/>
           </a:p>
         </p:txBody>
       </p:sp>
       <p:sp>
         <p:nvSpPr>
           <p:cNvPr id="117" name="Shape 117"/>
-          <p:cNvSpPr/>
+          <p:cNvSpPr>
+            <a:spLocks noGrp="1"/>
+          </p:cNvSpPr>
           <p:nvPr>
             <p:ph type="body" sz="quarter" idx="1"/>
           </p:nvPr>
@@ -393,7 +398,7 @@
           <a:bodyPr/>
           <a:lstStyle/>
           <a:p>
-            <a:pPr/>
+            <a:endParaRPr/>
           </a:p>
         </p:txBody>
       </p:sp>
@@ -505,7 +510,7 @@
 </file>
 
 <file path=ppt/slideLayouts/slideLayout1.xml><?xml version="1.0" encoding="utf-8"?>
-<p:sldLayout xmlns:a="http://schemas.openxmlformats.org/drawingml/2006/main" xmlns:r="http://schemas.openxmlformats.org/officeDocument/2006/relationships" xmlns:p="http://schemas.openxmlformats.org/presentationml/2006/main" type="title" showMasterSp="1" showMasterPhAnim="1">
+<p:sldLayout xmlns:a="http://schemas.openxmlformats.org/drawingml/2006/main" xmlns:r="http://schemas.openxmlformats.org/officeDocument/2006/relationships" xmlns:p="http://schemas.openxmlformats.org/presentationml/2006/main" type="title">
   <p:cSld name="Title &amp; Subtitle">
     <p:spTree>
       <p:nvGrpSpPr>
@@ -524,7 +529,9 @@
       <p:sp>
         <p:nvSpPr>
           <p:cNvPr id="11" name="Title Text"/>
-          <p:cNvSpPr txBox="1"/>
+          <p:cNvSpPr txBox="1">
+            <a:spLocks noGrp="1"/>
+          </p:cNvSpPr>
           <p:nvPr>
             <p:ph type="title"/>
           </p:nvPr>
@@ -542,7 +549,6 @@
           <a:bodyPr anchor="b"/>
           <a:lstStyle/>
           <a:p>
-            <a:pPr/>
             <a:r>
               <a:t>Title Text</a:t>
             </a:r>
@@ -552,7 +558,9 @@
       <p:sp>
         <p:nvSpPr>
           <p:cNvPr id="12" name="Body Level One…"/>
-          <p:cNvSpPr txBox="1"/>
+          <p:cNvSpPr txBox="1">
+            <a:spLocks noGrp="1"/>
+          </p:cNvSpPr>
           <p:nvPr>
             <p:ph type="body" sz="quarter" idx="1"/>
           </p:nvPr>
@@ -616,7 +624,6 @@
             </a:lvl5pPr>
           </a:lstStyle>
           <a:p>
-            <a:pPr/>
             <a:r>
               <a:t>Body Level One</a:t>
             </a:r>
@@ -650,7 +657,9 @@
       <p:sp>
         <p:nvSpPr>
           <p:cNvPr id="13" name="Slide Number"/>
-          <p:cNvSpPr txBox="1"/>
+          <p:cNvSpPr txBox="1">
+            <a:spLocks noGrp="1"/>
+          </p:cNvSpPr>
           <p:nvPr>
             <p:ph type="sldNum" sz="quarter" idx="2"/>
           </p:nvPr>
@@ -664,8 +673,10 @@
           <a:bodyPr/>
           <a:lstStyle/>
           <a:p>
-            <a:pPr/>
-            <a:fld id="{86CB4B4D-7CA3-9044-876B-883B54F8677D}" type="slidenum"/>
+            <a:fld id="{86CB4B4D-7CA3-9044-876B-883B54F8677D}" type="slidenum">
+              <a:t>‹#›</a:t>
+            </a:fld>
+            <a:endParaRPr/>
           </a:p>
         </p:txBody>
       </p:sp>
@@ -674,12 +685,12 @@
   <p:clrMapOvr>
     <a:masterClrMapping/>
   </p:clrMapOvr>
-  <p:transition xmlns:p14="http://schemas.microsoft.com/office/powerpoint/2010/main" spd="med" advClick="1"/>
+  <p:transition spd="med"/>
 </p:sldLayout>
 </file>
 
 <file path=ppt/slideLayouts/slideLayout10.xml><?xml version="1.0" encoding="utf-8"?>
-<p:sldLayout xmlns:a="http://schemas.openxmlformats.org/drawingml/2006/main" xmlns:r="http://schemas.openxmlformats.org/officeDocument/2006/relationships" xmlns:p="http://schemas.openxmlformats.org/presentationml/2006/main" type="tx" showMasterSp="1" showMasterPhAnim="1">
+<p:sldLayout xmlns:a="http://schemas.openxmlformats.org/drawingml/2006/main" xmlns:r="http://schemas.openxmlformats.org/officeDocument/2006/relationships" xmlns:p="http://schemas.openxmlformats.org/presentationml/2006/main" type="tx">
   <p:cSld name="Quote">
     <p:spTree>
       <p:nvGrpSpPr>
@@ -698,7 +709,9 @@
       <p:sp>
         <p:nvSpPr>
           <p:cNvPr id="93" name="–Johnny Appleseed"/>
-          <p:cNvSpPr txBox="1"/>
+          <p:cNvSpPr txBox="1">
+            <a:spLocks noGrp="1"/>
+          </p:cNvSpPr>
           <p:nvPr>
             <p:ph type="body" sz="quarter" idx="13"/>
           </p:nvPr>
@@ -724,11 +737,10 @@
               <a:buClrTx/>
               <a:buSzTx/>
               <a:buNone/>
-              <a:defRPr i="1" sz="2400"/>
+              <a:defRPr sz="2400" i="1"/>
             </a:lvl1pPr>
           </a:lstStyle>
           <a:p>
-            <a:pPr/>
             <a:r>
               <a:t>–Johnny Appleseed</a:t>
             </a:r>
@@ -738,7 +750,9 @@
       <p:sp>
         <p:nvSpPr>
           <p:cNvPr id="94" name="“Type a quote here.”"/>
-          <p:cNvSpPr txBox="1"/>
+          <p:cNvSpPr txBox="1">
+            <a:spLocks noGrp="1"/>
+          </p:cNvSpPr>
           <p:nvPr>
             <p:ph type="body" sz="quarter" idx="14"/>
           </p:nvPr>
@@ -773,7 +787,6 @@
             </a:lvl1pPr>
           </a:lstStyle>
           <a:p>
-            <a:pPr/>
             <a:r>
               <a:t>“Type a quote here.” </a:t>
             </a:r>
@@ -783,7 +796,9 @@
       <p:sp>
         <p:nvSpPr>
           <p:cNvPr id="95" name="Slide Number"/>
-          <p:cNvSpPr txBox="1"/>
+          <p:cNvSpPr txBox="1">
+            <a:spLocks noGrp="1"/>
+          </p:cNvSpPr>
           <p:nvPr>
             <p:ph type="sldNum" sz="quarter" idx="2"/>
           </p:nvPr>
@@ -797,8 +812,10 @@
           <a:bodyPr/>
           <a:lstStyle/>
           <a:p>
-            <a:pPr/>
-            <a:fld id="{86CB4B4D-7CA3-9044-876B-883B54F8677D}" type="slidenum"/>
+            <a:fld id="{86CB4B4D-7CA3-9044-876B-883B54F8677D}" type="slidenum">
+              <a:t>‹#›</a:t>
+            </a:fld>
+            <a:endParaRPr/>
           </a:p>
         </p:txBody>
       </p:sp>
@@ -807,12 +824,12 @@
   <p:clrMapOvr>
     <a:masterClrMapping/>
   </p:clrMapOvr>
-  <p:transition xmlns:p14="http://schemas.microsoft.com/office/powerpoint/2010/main" spd="med" advClick="1"/>
+  <p:transition spd="med"/>
 </p:sldLayout>
 </file>
 
 <file path=ppt/slideLayouts/slideLayout11.xml><?xml version="1.0" encoding="utf-8"?>
-<p:sldLayout xmlns:a="http://schemas.openxmlformats.org/drawingml/2006/main" xmlns:r="http://schemas.openxmlformats.org/officeDocument/2006/relationships" xmlns:p="http://schemas.openxmlformats.org/presentationml/2006/main" type="tx" showMasterSp="1" showMasterPhAnim="1">
+<p:sldLayout xmlns:a="http://schemas.openxmlformats.org/drawingml/2006/main" xmlns:r="http://schemas.openxmlformats.org/officeDocument/2006/relationships" xmlns:p="http://schemas.openxmlformats.org/presentationml/2006/main" type="tx">
   <p:cSld name="Photo">
     <p:spTree>
       <p:nvGrpSpPr>
@@ -831,7 +848,9 @@
       <p:sp>
         <p:nvSpPr>
           <p:cNvPr id="102" name="Image"/>
-          <p:cNvSpPr/>
+          <p:cNvSpPr>
+            <a:spLocks noGrp="1"/>
+          </p:cNvSpPr>
           <p:nvPr>
             <p:ph type="pic" idx="13"/>
           </p:nvPr>
@@ -851,14 +870,16 @@
           </a:bodyPr>
           <a:lstStyle/>
           <a:p>
-            <a:pPr/>
+            <a:endParaRPr/>
           </a:p>
         </p:txBody>
       </p:sp>
       <p:sp>
         <p:nvSpPr>
           <p:cNvPr id="103" name="Slide Number"/>
-          <p:cNvSpPr txBox="1"/>
+          <p:cNvSpPr txBox="1">
+            <a:spLocks noGrp="1"/>
+          </p:cNvSpPr>
           <p:nvPr>
             <p:ph type="sldNum" sz="quarter" idx="2"/>
           </p:nvPr>
@@ -872,8 +893,10 @@
           <a:bodyPr/>
           <a:lstStyle/>
           <a:p>
-            <a:pPr/>
-            <a:fld id="{86CB4B4D-7CA3-9044-876B-883B54F8677D}" type="slidenum"/>
+            <a:fld id="{86CB4B4D-7CA3-9044-876B-883B54F8677D}" type="slidenum">
+              <a:t>‹#›</a:t>
+            </a:fld>
+            <a:endParaRPr/>
           </a:p>
         </p:txBody>
       </p:sp>
@@ -882,12 +905,12 @@
   <p:clrMapOvr>
     <a:masterClrMapping/>
   </p:clrMapOvr>
-  <p:transition xmlns:p14="http://schemas.microsoft.com/office/powerpoint/2010/main" spd="med" advClick="1"/>
+  <p:transition spd="med"/>
 </p:sldLayout>
 </file>
 
 <file path=ppt/slideLayouts/slideLayout12.xml><?xml version="1.0" encoding="utf-8"?>
-<p:sldLayout xmlns:a="http://schemas.openxmlformats.org/drawingml/2006/main" xmlns:r="http://schemas.openxmlformats.org/officeDocument/2006/relationships" xmlns:p="http://schemas.openxmlformats.org/presentationml/2006/main" type="tx" showMasterSp="1" showMasterPhAnim="1">
+<p:sldLayout xmlns:a="http://schemas.openxmlformats.org/drawingml/2006/main" xmlns:r="http://schemas.openxmlformats.org/officeDocument/2006/relationships" xmlns:p="http://schemas.openxmlformats.org/presentationml/2006/main" type="tx">
   <p:cSld name="Blank">
     <p:spTree>
       <p:nvGrpSpPr>
@@ -906,7 +929,9 @@
       <p:sp>
         <p:nvSpPr>
           <p:cNvPr id="110" name="Slide Number"/>
-          <p:cNvSpPr txBox="1"/>
+          <p:cNvSpPr txBox="1">
+            <a:spLocks noGrp="1"/>
+          </p:cNvSpPr>
           <p:nvPr>
             <p:ph type="sldNum" sz="quarter" idx="2"/>
           </p:nvPr>
@@ -920,8 +945,10 @@
           <a:bodyPr/>
           <a:lstStyle/>
           <a:p>
-            <a:pPr/>
-            <a:fld id="{86CB4B4D-7CA3-9044-876B-883B54F8677D}" type="slidenum"/>
+            <a:fld id="{86CB4B4D-7CA3-9044-876B-883B54F8677D}" type="slidenum">
+              <a:t>‹#›</a:t>
+            </a:fld>
+            <a:endParaRPr/>
           </a:p>
         </p:txBody>
       </p:sp>
@@ -930,12 +957,12 @@
   <p:clrMapOvr>
     <a:masterClrMapping/>
   </p:clrMapOvr>
-  <p:transition xmlns:p14="http://schemas.microsoft.com/office/powerpoint/2010/main" spd="med" advClick="1"/>
+  <p:transition spd="med"/>
 </p:sldLayout>
 </file>
 
 <file path=ppt/slideLayouts/slideLayout2.xml><?xml version="1.0" encoding="utf-8"?>
-<p:sldLayout xmlns:a="http://schemas.openxmlformats.org/drawingml/2006/main" xmlns:r="http://schemas.openxmlformats.org/officeDocument/2006/relationships" xmlns:p="http://schemas.openxmlformats.org/presentationml/2006/main" type="tx" showMasterSp="1" showMasterPhAnim="1">
+<p:sldLayout xmlns:a="http://schemas.openxmlformats.org/drawingml/2006/main" xmlns:r="http://schemas.openxmlformats.org/officeDocument/2006/relationships" xmlns:p="http://schemas.openxmlformats.org/presentationml/2006/main" type="tx">
   <p:cSld name="Photo - Horizontal">
     <p:spTree>
       <p:nvGrpSpPr>
@@ -954,7 +981,9 @@
       <p:sp>
         <p:nvSpPr>
           <p:cNvPr id="20" name="Image"/>
-          <p:cNvSpPr/>
+          <p:cNvSpPr>
+            <a:spLocks noGrp="1"/>
+          </p:cNvSpPr>
           <p:nvPr>
             <p:ph type="pic" idx="13"/>
           </p:nvPr>
@@ -974,14 +1003,16 @@
           </a:bodyPr>
           <a:lstStyle/>
           <a:p>
-            <a:pPr/>
+            <a:endParaRPr/>
           </a:p>
         </p:txBody>
       </p:sp>
       <p:sp>
         <p:nvSpPr>
           <p:cNvPr id="21" name="Title Text"/>
-          <p:cNvSpPr txBox="1"/>
+          <p:cNvSpPr txBox="1">
+            <a:spLocks noGrp="1"/>
+          </p:cNvSpPr>
           <p:nvPr>
             <p:ph type="title"/>
           </p:nvPr>
@@ -999,7 +1030,6 @@
           <a:bodyPr/>
           <a:lstStyle/>
           <a:p>
-            <a:pPr/>
             <a:r>
               <a:t>Title Text</a:t>
             </a:r>
@@ -1009,7 +1039,9 @@
       <p:sp>
         <p:nvSpPr>
           <p:cNvPr id="22" name="Body Level One…"/>
-          <p:cNvSpPr txBox="1"/>
+          <p:cNvSpPr txBox="1">
+            <a:spLocks noGrp="1"/>
+          </p:cNvSpPr>
           <p:nvPr>
             <p:ph type="body" sz="quarter" idx="1"/>
           </p:nvPr>
@@ -1073,7 +1105,6 @@
             </a:lvl5pPr>
           </a:lstStyle>
           <a:p>
-            <a:pPr/>
             <a:r>
               <a:t>Body Level One</a:t>
             </a:r>
@@ -1107,7 +1138,9 @@
       <p:sp>
         <p:nvSpPr>
           <p:cNvPr id="23" name="Slide Number"/>
-          <p:cNvSpPr txBox="1"/>
+          <p:cNvSpPr txBox="1">
+            <a:spLocks noGrp="1"/>
+          </p:cNvSpPr>
           <p:nvPr>
             <p:ph type="sldNum" sz="quarter" idx="2"/>
           </p:nvPr>
@@ -1121,8 +1154,10 @@
           <a:bodyPr/>
           <a:lstStyle/>
           <a:p>
-            <a:pPr/>
-            <a:fld id="{86CB4B4D-7CA3-9044-876B-883B54F8677D}" type="slidenum"/>
+            <a:fld id="{86CB4B4D-7CA3-9044-876B-883B54F8677D}" type="slidenum">
+              <a:t>‹#›</a:t>
+            </a:fld>
+            <a:endParaRPr/>
           </a:p>
         </p:txBody>
       </p:sp>
@@ -1131,12 +1166,12 @@
   <p:clrMapOvr>
     <a:masterClrMapping/>
   </p:clrMapOvr>
-  <p:transition xmlns:p14="http://schemas.microsoft.com/office/powerpoint/2010/main" spd="med" advClick="1"/>
+  <p:transition spd="med"/>
 </p:sldLayout>
 </file>
 
 <file path=ppt/slideLayouts/slideLayout3.xml><?xml version="1.0" encoding="utf-8"?>
-<p:sldLayout xmlns:a="http://schemas.openxmlformats.org/drawingml/2006/main" xmlns:r="http://schemas.openxmlformats.org/officeDocument/2006/relationships" xmlns:p="http://schemas.openxmlformats.org/presentationml/2006/main" type="tx" showMasterSp="1" showMasterPhAnim="1">
+<p:sldLayout xmlns:a="http://schemas.openxmlformats.org/drawingml/2006/main" xmlns:r="http://schemas.openxmlformats.org/officeDocument/2006/relationships" xmlns:p="http://schemas.openxmlformats.org/presentationml/2006/main" type="tx">
   <p:cSld name="Title - Center">
     <p:spTree>
       <p:nvGrpSpPr>
@@ -1155,7 +1190,9 @@
       <p:sp>
         <p:nvSpPr>
           <p:cNvPr id="30" name="Title Text"/>
-          <p:cNvSpPr txBox="1"/>
+          <p:cNvSpPr txBox="1">
+            <a:spLocks noGrp="1"/>
+          </p:cNvSpPr>
           <p:nvPr>
             <p:ph type="title"/>
           </p:nvPr>
@@ -1173,7 +1210,6 @@
           <a:bodyPr/>
           <a:lstStyle/>
           <a:p>
-            <a:pPr/>
             <a:r>
               <a:t>Title Text</a:t>
             </a:r>
@@ -1183,7 +1219,9 @@
       <p:sp>
         <p:nvSpPr>
           <p:cNvPr id="31" name="Slide Number"/>
-          <p:cNvSpPr txBox="1"/>
+          <p:cNvSpPr txBox="1">
+            <a:spLocks noGrp="1"/>
+          </p:cNvSpPr>
           <p:nvPr>
             <p:ph type="sldNum" sz="quarter" idx="2"/>
           </p:nvPr>
@@ -1197,8 +1235,10 @@
           <a:bodyPr/>
           <a:lstStyle/>
           <a:p>
-            <a:pPr/>
-            <a:fld id="{86CB4B4D-7CA3-9044-876B-883B54F8677D}" type="slidenum"/>
+            <a:fld id="{86CB4B4D-7CA3-9044-876B-883B54F8677D}" type="slidenum">
+              <a:t>‹#›</a:t>
+            </a:fld>
+            <a:endParaRPr/>
           </a:p>
         </p:txBody>
       </p:sp>
@@ -1207,12 +1247,12 @@
   <p:clrMapOvr>
     <a:masterClrMapping/>
   </p:clrMapOvr>
-  <p:transition xmlns:p14="http://schemas.microsoft.com/office/powerpoint/2010/main" spd="med" advClick="1"/>
+  <p:transition spd="med"/>
 </p:sldLayout>
 </file>
 
 <file path=ppt/slideLayouts/slideLayout4.xml><?xml version="1.0" encoding="utf-8"?>
-<p:sldLayout xmlns:a="http://schemas.openxmlformats.org/drawingml/2006/main" xmlns:r="http://schemas.openxmlformats.org/officeDocument/2006/relationships" xmlns:p="http://schemas.openxmlformats.org/presentationml/2006/main" type="tx" showMasterSp="1" showMasterPhAnim="1">
+<p:sldLayout xmlns:a="http://schemas.openxmlformats.org/drawingml/2006/main" xmlns:r="http://schemas.openxmlformats.org/officeDocument/2006/relationships" xmlns:p="http://schemas.openxmlformats.org/presentationml/2006/main" type="tx">
   <p:cSld name="Photo - Vertical">
     <p:spTree>
       <p:nvGrpSpPr>
@@ -1231,7 +1271,9 @@
       <p:sp>
         <p:nvSpPr>
           <p:cNvPr id="38" name="Image"/>
-          <p:cNvSpPr/>
+          <p:cNvSpPr>
+            <a:spLocks noGrp="1"/>
+          </p:cNvSpPr>
           <p:nvPr>
             <p:ph type="pic" sz="half" idx="13"/>
           </p:nvPr>
@@ -1251,14 +1293,16 @@
           </a:bodyPr>
           <a:lstStyle/>
           <a:p>
-            <a:pPr/>
+            <a:endParaRPr/>
           </a:p>
         </p:txBody>
       </p:sp>
       <p:sp>
         <p:nvSpPr>
           <p:cNvPr id="39" name="Title Text"/>
-          <p:cNvSpPr txBox="1"/>
+          <p:cNvSpPr txBox="1">
+            <a:spLocks noGrp="1"/>
+          </p:cNvSpPr>
           <p:nvPr>
             <p:ph type="title"/>
           </p:nvPr>
@@ -1280,7 +1324,6 @@
             </a:lvl1pPr>
           </a:lstStyle>
           <a:p>
-            <a:pPr/>
             <a:r>
               <a:t>Title Text</a:t>
             </a:r>
@@ -1290,7 +1333,9 @@
       <p:sp>
         <p:nvSpPr>
           <p:cNvPr id="40" name="Body Level One…"/>
-          <p:cNvSpPr txBox="1"/>
+          <p:cNvSpPr txBox="1">
+            <a:spLocks noGrp="1"/>
+          </p:cNvSpPr>
           <p:nvPr>
             <p:ph type="body" sz="quarter" idx="1"/>
           </p:nvPr>
@@ -1354,7 +1399,6 @@
             </a:lvl5pPr>
           </a:lstStyle>
           <a:p>
-            <a:pPr/>
             <a:r>
               <a:t>Body Level One</a:t>
             </a:r>
@@ -1388,7 +1432,9 @@
       <p:sp>
         <p:nvSpPr>
           <p:cNvPr id="41" name="Slide Number"/>
-          <p:cNvSpPr txBox="1"/>
+          <p:cNvSpPr txBox="1">
+            <a:spLocks noGrp="1"/>
+          </p:cNvSpPr>
           <p:nvPr>
             <p:ph type="sldNum" sz="quarter" idx="2"/>
           </p:nvPr>
@@ -1402,8 +1448,10 @@
           <a:bodyPr/>
           <a:lstStyle/>
           <a:p>
-            <a:pPr/>
-            <a:fld id="{86CB4B4D-7CA3-9044-876B-883B54F8677D}" type="slidenum"/>
+            <a:fld id="{86CB4B4D-7CA3-9044-876B-883B54F8677D}" type="slidenum">
+              <a:t>‹#›</a:t>
+            </a:fld>
+            <a:endParaRPr/>
           </a:p>
         </p:txBody>
       </p:sp>
@@ -1412,12 +1460,12 @@
   <p:clrMapOvr>
     <a:masterClrMapping/>
   </p:clrMapOvr>
-  <p:transition xmlns:p14="http://schemas.microsoft.com/office/powerpoint/2010/main" spd="med" advClick="1"/>
+  <p:transition spd="med"/>
 </p:sldLayout>
 </file>
 
 <file path=ppt/slideLayouts/slideLayout5.xml><?xml version="1.0" encoding="utf-8"?>
-<p:sldLayout xmlns:a="http://schemas.openxmlformats.org/drawingml/2006/main" xmlns:r="http://schemas.openxmlformats.org/officeDocument/2006/relationships" xmlns:p="http://schemas.openxmlformats.org/presentationml/2006/main" type="tx" showMasterSp="1" showMasterPhAnim="1">
+<p:sldLayout xmlns:a="http://schemas.openxmlformats.org/drawingml/2006/main" xmlns:r="http://schemas.openxmlformats.org/officeDocument/2006/relationships" xmlns:p="http://schemas.openxmlformats.org/presentationml/2006/main" type="tx">
   <p:cSld name="Title - Top">
     <p:spTree>
       <p:nvGrpSpPr>
@@ -1436,7 +1484,9 @@
       <p:sp>
         <p:nvSpPr>
           <p:cNvPr id="48" name="Title Text"/>
-          <p:cNvSpPr txBox="1"/>
+          <p:cNvSpPr txBox="1">
+            <a:spLocks noGrp="1"/>
+          </p:cNvSpPr>
           <p:nvPr>
             <p:ph type="title"/>
           </p:nvPr>
@@ -1450,7 +1500,6 @@
           <a:bodyPr/>
           <a:lstStyle/>
           <a:p>
-            <a:pPr/>
             <a:r>
               <a:t>Title Text</a:t>
             </a:r>
@@ -1460,7 +1509,9 @@
       <p:sp>
         <p:nvSpPr>
           <p:cNvPr id="49" name="Slide Number"/>
-          <p:cNvSpPr txBox="1"/>
+          <p:cNvSpPr txBox="1">
+            <a:spLocks noGrp="1"/>
+          </p:cNvSpPr>
           <p:nvPr>
             <p:ph type="sldNum" sz="quarter" idx="2"/>
           </p:nvPr>
@@ -1474,8 +1525,10 @@
           <a:bodyPr/>
           <a:lstStyle/>
           <a:p>
-            <a:pPr/>
-            <a:fld id="{86CB4B4D-7CA3-9044-876B-883B54F8677D}" type="slidenum"/>
+            <a:fld id="{86CB4B4D-7CA3-9044-876B-883B54F8677D}" type="slidenum">
+              <a:t>‹#›</a:t>
+            </a:fld>
+            <a:endParaRPr/>
           </a:p>
         </p:txBody>
       </p:sp>
@@ -1484,12 +1537,12 @@
   <p:clrMapOvr>
     <a:masterClrMapping/>
   </p:clrMapOvr>
-  <p:transition xmlns:p14="http://schemas.microsoft.com/office/powerpoint/2010/main" spd="med" advClick="1"/>
+  <p:transition spd="med"/>
 </p:sldLayout>
 </file>
 
 <file path=ppt/slideLayouts/slideLayout6.xml><?xml version="1.0" encoding="utf-8"?>
-<p:sldLayout xmlns:a="http://schemas.openxmlformats.org/drawingml/2006/main" xmlns:r="http://schemas.openxmlformats.org/officeDocument/2006/relationships" xmlns:p="http://schemas.openxmlformats.org/presentationml/2006/main" type="tx" showMasterSp="1" showMasterPhAnim="1">
+<p:sldLayout xmlns:a="http://schemas.openxmlformats.org/drawingml/2006/main" xmlns:r="http://schemas.openxmlformats.org/officeDocument/2006/relationships" xmlns:p="http://schemas.openxmlformats.org/presentationml/2006/main" type="tx">
   <p:cSld name="Title &amp; Bullets">
     <p:spTree>
       <p:nvGrpSpPr>
@@ -1508,7 +1561,9 @@
       <p:sp>
         <p:nvSpPr>
           <p:cNvPr id="56" name="Title Text"/>
-          <p:cNvSpPr txBox="1"/>
+          <p:cNvSpPr txBox="1">
+            <a:spLocks noGrp="1"/>
+          </p:cNvSpPr>
           <p:nvPr>
             <p:ph type="title"/>
           </p:nvPr>
@@ -1522,7 +1577,6 @@
           <a:bodyPr/>
           <a:lstStyle/>
           <a:p>
-            <a:pPr/>
             <a:r>
               <a:t>Title Text</a:t>
             </a:r>
@@ -1532,7 +1586,9 @@
       <p:sp>
         <p:nvSpPr>
           <p:cNvPr id="57" name="Body Level One…"/>
-          <p:cNvSpPr txBox="1"/>
+          <p:cNvSpPr txBox="1">
+            <a:spLocks noGrp="1"/>
+          </p:cNvSpPr>
           <p:nvPr>
             <p:ph type="body" idx="1"/>
           </p:nvPr>
@@ -1562,7 +1618,6 @@
             </a:lvl5pPr>
           </a:lstStyle>
           <a:p>
-            <a:pPr/>
             <a:r>
               <a:t>Body Level One</a:t>
             </a:r>
@@ -1596,7 +1651,9 @@
       <p:sp>
         <p:nvSpPr>
           <p:cNvPr id="58" name="Slide Number"/>
-          <p:cNvSpPr txBox="1"/>
+          <p:cNvSpPr txBox="1">
+            <a:spLocks noGrp="1"/>
+          </p:cNvSpPr>
           <p:nvPr>
             <p:ph type="sldNum" sz="quarter" idx="2"/>
           </p:nvPr>
@@ -1610,8 +1667,10 @@
           <a:bodyPr/>
           <a:lstStyle/>
           <a:p>
-            <a:pPr/>
-            <a:fld id="{86CB4B4D-7CA3-9044-876B-883B54F8677D}" type="slidenum"/>
+            <a:fld id="{86CB4B4D-7CA3-9044-876B-883B54F8677D}" type="slidenum">
+              <a:t>‹#›</a:t>
+            </a:fld>
+            <a:endParaRPr/>
           </a:p>
         </p:txBody>
       </p:sp>
@@ -1620,12 +1679,12 @@
   <p:clrMapOvr>
     <a:masterClrMapping/>
   </p:clrMapOvr>
-  <p:transition xmlns:p14="http://schemas.microsoft.com/office/powerpoint/2010/main" spd="med" advClick="1"/>
+  <p:transition spd="med"/>
 </p:sldLayout>
 </file>
 
 <file path=ppt/slideLayouts/slideLayout7.xml><?xml version="1.0" encoding="utf-8"?>
-<p:sldLayout xmlns:a="http://schemas.openxmlformats.org/drawingml/2006/main" xmlns:r="http://schemas.openxmlformats.org/officeDocument/2006/relationships" xmlns:p="http://schemas.openxmlformats.org/presentationml/2006/main" type="tx" showMasterSp="1" showMasterPhAnim="1">
+<p:sldLayout xmlns:a="http://schemas.openxmlformats.org/drawingml/2006/main" xmlns:r="http://schemas.openxmlformats.org/officeDocument/2006/relationships" xmlns:p="http://schemas.openxmlformats.org/presentationml/2006/main" type="tx">
   <p:cSld name="Title, Bullets &amp; Photo">
     <p:spTree>
       <p:nvGrpSpPr>
@@ -1644,7 +1703,9 @@
       <p:sp>
         <p:nvSpPr>
           <p:cNvPr id="65" name="Image"/>
-          <p:cNvSpPr/>
+          <p:cNvSpPr>
+            <a:spLocks noGrp="1"/>
+          </p:cNvSpPr>
           <p:nvPr>
             <p:ph type="pic" sz="half" idx="13"/>
           </p:nvPr>
@@ -1664,14 +1725,16 @@
           </a:bodyPr>
           <a:lstStyle/>
           <a:p>
-            <a:pPr/>
+            <a:endParaRPr/>
           </a:p>
         </p:txBody>
       </p:sp>
       <p:sp>
         <p:nvSpPr>
           <p:cNvPr id="66" name="Title Text"/>
-          <p:cNvSpPr txBox="1"/>
+          <p:cNvSpPr txBox="1">
+            <a:spLocks noGrp="1"/>
+          </p:cNvSpPr>
           <p:nvPr>
             <p:ph type="title"/>
           </p:nvPr>
@@ -1685,7 +1748,6 @@
           <a:bodyPr/>
           <a:lstStyle/>
           <a:p>
-            <a:pPr/>
             <a:r>
               <a:t>Title Text</a:t>
             </a:r>
@@ -1695,7 +1757,9 @@
       <p:sp>
         <p:nvSpPr>
           <p:cNvPr id="67" name="Body Level One…"/>
-          <p:cNvSpPr txBox="1"/>
+          <p:cNvSpPr txBox="1">
+            <a:spLocks noGrp="1"/>
+          </p:cNvSpPr>
           <p:nvPr>
             <p:ph type="body" sz="half" idx="1"/>
           </p:nvPr>
@@ -1749,7 +1813,6 @@
             </a:lvl5pPr>
           </a:lstStyle>
           <a:p>
-            <a:pPr/>
             <a:r>
               <a:t>Body Level One</a:t>
             </a:r>
@@ -1783,7 +1846,9 @@
       <p:sp>
         <p:nvSpPr>
           <p:cNvPr id="68" name="Slide Number"/>
-          <p:cNvSpPr txBox="1"/>
+          <p:cNvSpPr txBox="1">
+            <a:spLocks noGrp="1"/>
+          </p:cNvSpPr>
           <p:nvPr>
             <p:ph type="sldNum" sz="quarter" idx="2"/>
           </p:nvPr>
@@ -1797,8 +1862,10 @@
           <a:bodyPr/>
           <a:lstStyle/>
           <a:p>
-            <a:pPr/>
-            <a:fld id="{86CB4B4D-7CA3-9044-876B-883B54F8677D}" type="slidenum"/>
+            <a:fld id="{86CB4B4D-7CA3-9044-876B-883B54F8677D}" type="slidenum">
+              <a:t>‹#›</a:t>
+            </a:fld>
+            <a:endParaRPr/>
           </a:p>
         </p:txBody>
       </p:sp>
@@ -1807,12 +1874,12 @@
   <p:clrMapOvr>
     <a:masterClrMapping/>
   </p:clrMapOvr>
-  <p:transition xmlns:p14="http://schemas.microsoft.com/office/powerpoint/2010/main" spd="med" advClick="1"/>
+  <p:transition spd="med"/>
 </p:sldLayout>
 </file>
 
 <file path=ppt/slideLayouts/slideLayout8.xml><?xml version="1.0" encoding="utf-8"?>
-<p:sldLayout xmlns:a="http://schemas.openxmlformats.org/drawingml/2006/main" xmlns:r="http://schemas.openxmlformats.org/officeDocument/2006/relationships" xmlns:p="http://schemas.openxmlformats.org/presentationml/2006/main" type="tx" showMasterSp="1" showMasterPhAnim="1">
+<p:sldLayout xmlns:a="http://schemas.openxmlformats.org/drawingml/2006/main" xmlns:r="http://schemas.openxmlformats.org/officeDocument/2006/relationships" xmlns:p="http://schemas.openxmlformats.org/presentationml/2006/main" type="tx">
   <p:cSld name="Bullets">
     <p:spTree>
       <p:nvGrpSpPr>
@@ -1831,7 +1898,9 @@
       <p:sp>
         <p:nvSpPr>
           <p:cNvPr id="75" name="Body Level One…"/>
-          <p:cNvSpPr txBox="1"/>
+          <p:cNvSpPr txBox="1">
+            <a:spLocks noGrp="1"/>
+          </p:cNvSpPr>
           <p:nvPr>
             <p:ph type="body" idx="1"/>
           </p:nvPr>
@@ -1865,7 +1934,6 @@
             </a:lvl5pPr>
           </a:lstStyle>
           <a:p>
-            <a:pPr/>
             <a:r>
               <a:t>Body Level One</a:t>
             </a:r>
@@ -1899,7 +1967,9 @@
       <p:sp>
         <p:nvSpPr>
           <p:cNvPr id="76" name="Slide Number"/>
-          <p:cNvSpPr txBox="1"/>
+          <p:cNvSpPr txBox="1">
+            <a:spLocks noGrp="1"/>
+          </p:cNvSpPr>
           <p:nvPr>
             <p:ph type="sldNum" sz="quarter" idx="2"/>
           </p:nvPr>
@@ -1913,8 +1983,10 @@
           <a:bodyPr/>
           <a:lstStyle/>
           <a:p>
-            <a:pPr/>
-            <a:fld id="{86CB4B4D-7CA3-9044-876B-883B54F8677D}" type="slidenum"/>
+            <a:fld id="{86CB4B4D-7CA3-9044-876B-883B54F8677D}" type="slidenum">
+              <a:t>‹#›</a:t>
+            </a:fld>
+            <a:endParaRPr/>
           </a:p>
         </p:txBody>
       </p:sp>
@@ -1923,12 +1995,12 @@
   <p:clrMapOvr>
     <a:masterClrMapping/>
   </p:clrMapOvr>
-  <p:transition xmlns:p14="http://schemas.microsoft.com/office/powerpoint/2010/main" spd="med" advClick="1"/>
+  <p:transition spd="med"/>
 </p:sldLayout>
 </file>
 
 <file path=ppt/slideLayouts/slideLayout9.xml><?xml version="1.0" encoding="utf-8"?>
-<p:sldLayout xmlns:a="http://schemas.openxmlformats.org/drawingml/2006/main" xmlns:r="http://schemas.openxmlformats.org/officeDocument/2006/relationships" xmlns:p="http://schemas.openxmlformats.org/presentationml/2006/main" type="tx" showMasterSp="1" showMasterPhAnim="1">
+<p:sldLayout xmlns:a="http://schemas.openxmlformats.org/drawingml/2006/main" xmlns:r="http://schemas.openxmlformats.org/officeDocument/2006/relationships" xmlns:p="http://schemas.openxmlformats.org/presentationml/2006/main" type="tx">
   <p:cSld name="Photo - 3 Up">
     <p:spTree>
       <p:nvGrpSpPr>
@@ -1947,7 +2019,9 @@
       <p:sp>
         <p:nvSpPr>
           <p:cNvPr id="83" name="Image"/>
-          <p:cNvSpPr/>
+          <p:cNvSpPr>
+            <a:spLocks noGrp="1"/>
+          </p:cNvSpPr>
           <p:nvPr>
             <p:ph type="pic" sz="quarter" idx="13"/>
           </p:nvPr>
@@ -1967,14 +2041,16 @@
           </a:bodyPr>
           <a:lstStyle/>
           <a:p>
-            <a:pPr/>
+            <a:endParaRPr/>
           </a:p>
         </p:txBody>
       </p:sp>
       <p:sp>
         <p:nvSpPr>
           <p:cNvPr id="84" name="Image"/>
-          <p:cNvSpPr/>
+          <p:cNvSpPr>
+            <a:spLocks noGrp="1"/>
+          </p:cNvSpPr>
           <p:nvPr>
             <p:ph type="pic" sz="quarter" idx="14"/>
           </p:nvPr>
@@ -1994,14 +2070,16 @@
           </a:bodyPr>
           <a:lstStyle/>
           <a:p>
-            <a:pPr/>
+            <a:endParaRPr/>
           </a:p>
         </p:txBody>
       </p:sp>
       <p:sp>
         <p:nvSpPr>
           <p:cNvPr id="85" name="Image"/>
-          <p:cNvSpPr/>
+          <p:cNvSpPr>
+            <a:spLocks noGrp="1"/>
+          </p:cNvSpPr>
           <p:nvPr>
             <p:ph type="pic" sz="half" idx="15"/>
           </p:nvPr>
@@ -2021,14 +2099,16 @@
           </a:bodyPr>
           <a:lstStyle/>
           <a:p>
-            <a:pPr/>
+            <a:endParaRPr/>
           </a:p>
         </p:txBody>
       </p:sp>
       <p:sp>
         <p:nvSpPr>
           <p:cNvPr id="86" name="Slide Number"/>
-          <p:cNvSpPr txBox="1"/>
+          <p:cNvSpPr txBox="1">
+            <a:spLocks noGrp="1"/>
+          </p:cNvSpPr>
           <p:nvPr>
             <p:ph type="sldNum" sz="quarter" idx="2"/>
           </p:nvPr>
@@ -2042,8 +2122,10 @@
           <a:bodyPr/>
           <a:lstStyle/>
           <a:p>
-            <a:pPr/>
-            <a:fld id="{86CB4B4D-7CA3-9044-876B-883B54F8677D}" type="slidenum"/>
+            <a:fld id="{86CB4B4D-7CA3-9044-876B-883B54F8677D}" type="slidenum">
+              <a:t>‹#›</a:t>
+            </a:fld>
+            <a:endParaRPr/>
           </a:p>
         </p:txBody>
       </p:sp>
@@ -2052,7 +2134,7 @@
   <p:clrMapOvr>
     <a:masterClrMapping/>
   </p:clrMapOvr>
-  <p:transition xmlns:p14="http://schemas.microsoft.com/office/powerpoint/2010/main" spd="med" advClick="1"/>
+  <p:transition spd="med"/>
 </p:sldLayout>
 </file>
 
@@ -2064,6 +2146,7 @@
         <a:solidFill>
           <a:srgbClr val="000000"/>
         </a:solidFill>
+        <a:effectLst/>
       </p:bgPr>
     </p:bg>
     <p:spTree>
@@ -2083,7 +2166,9 @@
       <p:sp>
         <p:nvSpPr>
           <p:cNvPr id="2" name="Title Text"/>
-          <p:cNvSpPr txBox="1"/>
+          <p:cNvSpPr txBox="1">
+            <a:spLocks noGrp="1"/>
+          </p:cNvSpPr>
           <p:nvPr>
             <p:ph type="title"/>
           </p:nvPr>
@@ -2101,17 +2186,16 @@
           </a:ln>
           <a:extLst>
             <a:ext uri="{C572A759-6A51-4108-AA02-DFA0A04FC94B}">
-              <ma14:wrappingTextBoxFlag xmlns:ma14="http://schemas.microsoft.com/office/mac/drawingml/2011/main" val="1"/>
+              <ma14:wrappingTextBoxFlag xmlns:ma14="http://schemas.microsoft.com/office/mac/drawingml/2011/main" xmlns="" val="1"/>
             </a:ext>
           </a:extLst>
         </p:spPr>
         <p:txBody>
           <a:bodyPr lIns="50800" tIns="50800" rIns="50800" bIns="50800" anchor="ctr">
-            <a:normAutofit fontScale="100000" lnSpcReduction="0"/>
+            <a:normAutofit/>
           </a:bodyPr>
           <a:lstStyle/>
           <a:p>
-            <a:pPr/>
             <a:r>
               <a:t>Title Text</a:t>
             </a:r>
@@ -2121,7 +2205,9 @@
       <p:sp>
         <p:nvSpPr>
           <p:cNvPr id="3" name="Body Level One…"/>
-          <p:cNvSpPr txBox="1"/>
+          <p:cNvSpPr txBox="1">
+            <a:spLocks noGrp="1"/>
+          </p:cNvSpPr>
           <p:nvPr>
             <p:ph type="body" idx="1"/>
           </p:nvPr>
@@ -2139,17 +2225,16 @@
           </a:ln>
           <a:extLst>
             <a:ext uri="{C572A759-6A51-4108-AA02-DFA0A04FC94B}">
-              <ma14:wrappingTextBoxFlag xmlns:ma14="http://schemas.microsoft.com/office/mac/drawingml/2011/main" val="1"/>
+              <ma14:wrappingTextBoxFlag xmlns:ma14="http://schemas.microsoft.com/office/mac/drawingml/2011/main" xmlns="" val="1"/>
             </a:ext>
           </a:extLst>
         </p:spPr>
         <p:txBody>
           <a:bodyPr lIns="50800" tIns="50800" rIns="50800" bIns="50800" anchor="ctr">
-            <a:normAutofit fontScale="100000" lnSpcReduction="0"/>
+            <a:normAutofit/>
           </a:bodyPr>
           <a:lstStyle/>
           <a:p>
-            <a:pPr/>
             <a:r>
               <a:t>Body Level One</a:t>
             </a:r>
@@ -2183,7 +2268,9 @@
       <p:sp>
         <p:nvSpPr>
           <p:cNvPr id="4" name="Slide Number"/>
-          <p:cNvSpPr txBox="1"/>
+          <p:cNvSpPr txBox="1">
+            <a:spLocks noGrp="1"/>
+          </p:cNvSpPr>
           <p:nvPr>
             <p:ph type="sldNum" sz="quarter" idx="2"/>
           </p:nvPr>
@@ -2206,7 +2293,7 @@
           </a:bodyPr>
           <a:lstStyle>
             <a:lvl1pPr>
-              <a:defRPr b="0" sz="1600">
+              <a:defRPr sz="1600" b="0">
                 <a:latin typeface="Helvetica Neue Light"/>
                 <a:ea typeface="Helvetica Neue Light"/>
                 <a:cs typeface="Helvetica Neue Light"/>
@@ -2215,8 +2302,10 @@
             </a:lvl1pPr>
           </a:lstStyle>
           <a:p>
-            <a:pPr/>
-            <a:fld id="{86CB4B4D-7CA3-9044-876B-883B54F8677D}" type="slidenum"/>
+            <a:fld id="{86CB4B4D-7CA3-9044-876B-883B54F8677D}" type="slidenum">
+              <a:t>‹#›</a:t>
+            </a:fld>
+            <a:endParaRPr/>
           </a:p>
         </p:txBody>
       </p:sp>
@@ -2224,20 +2313,20 @@
   </p:cSld>
   <p:clrMap bg1="dk1" tx1="lt1" bg2="dk2" tx2="lt2" accent1="accent1" accent2="accent2" accent3="accent3" accent4="accent4" accent5="accent5" accent6="accent6" hlink="hlink" folHlink="folHlink"/>
   <p:sldLayoutIdLst>
-    <p:sldLayoutId id="2147483649" r:id="rId2"/>
-    <p:sldLayoutId id="2147483650" r:id="rId3"/>
-    <p:sldLayoutId id="2147483651" r:id="rId4"/>
-    <p:sldLayoutId id="2147483652" r:id="rId5"/>
-    <p:sldLayoutId id="2147483653" r:id="rId6"/>
-    <p:sldLayoutId id="2147483654" r:id="rId7"/>
-    <p:sldLayoutId id="2147483655" r:id="rId8"/>
-    <p:sldLayoutId id="2147483656" r:id="rId9"/>
-    <p:sldLayoutId id="2147483657" r:id="rId10"/>
-    <p:sldLayoutId id="2147483658" r:id="rId11"/>
-    <p:sldLayoutId id="2147483659" r:id="rId12"/>
-    <p:sldLayoutId id="2147483660" r:id="rId13"/>
+    <p:sldLayoutId id="2147483649" r:id="rId1"/>
+    <p:sldLayoutId id="2147483650" r:id="rId2"/>
+    <p:sldLayoutId id="2147483651" r:id="rId3"/>
+    <p:sldLayoutId id="2147483652" r:id="rId4"/>
+    <p:sldLayoutId id="2147483653" r:id="rId5"/>
+    <p:sldLayoutId id="2147483654" r:id="rId6"/>
+    <p:sldLayoutId id="2147483655" r:id="rId7"/>
+    <p:sldLayoutId id="2147483656" r:id="rId8"/>
+    <p:sldLayoutId id="2147483657" r:id="rId9"/>
+    <p:sldLayoutId id="2147483658" r:id="rId10"/>
+    <p:sldLayoutId id="2147483659" r:id="rId11"/>
+    <p:sldLayoutId id="2147483660" r:id="rId12"/>
   </p:sldLayoutIdLst>
-  <p:transition xmlns:p14="http://schemas.microsoft.com/office/powerpoint/2010/main" spd="med" advClick="1"/>
+  <p:transition spd="med"/>
   <p:txStyles>
     <p:titleStyle>
       <a:lvl1pPr marL="0" marR="0" indent="0" algn="ctr" defTabSz="584200" rtl="0" latinLnBrk="0">
@@ -2255,7 +2344,7 @@
         <a:buFontTx/>
         <a:buNone/>
         <a:tabLst/>
-        <a:defRPr b="0" baseline="0" cap="none" i="0" spc="0" strike="noStrike" sz="8000" u="none">
+        <a:defRPr sz="8000" b="0" i="0" u="none" strike="noStrike" cap="none" spc="0" baseline="0">
           <a:ln>
             <a:noFill/>
           </a:ln>
@@ -2284,7 +2373,7 @@
         <a:buFontTx/>
         <a:buNone/>
         <a:tabLst/>
-        <a:defRPr b="0" baseline="0" cap="none" i="0" spc="0" strike="noStrike" sz="8000" u="none">
+        <a:defRPr sz="8000" b="0" i="0" u="none" strike="noStrike" cap="none" spc="0" baseline="0">
           <a:ln>
             <a:noFill/>
           </a:ln>
@@ -2313,7 +2402,7 @@
         <a:buFontTx/>
         <a:buNone/>
         <a:tabLst/>
-        <a:defRPr b="0" baseline="0" cap="none" i="0" spc="0" strike="noStrike" sz="8000" u="none">
+        <a:defRPr sz="8000" b="0" i="0" u="none" strike="noStrike" cap="none" spc="0" baseline="0">
           <a:ln>
             <a:noFill/>
           </a:ln>
@@ -2342,7 +2431,7 @@
         <a:buFontTx/>
         <a:buNone/>
         <a:tabLst/>
-        <a:defRPr b="0" baseline="0" cap="none" i="0" spc="0" strike="noStrike" sz="8000" u="none">
+        <a:defRPr sz="8000" b="0" i="0" u="none" strike="noStrike" cap="none" spc="0" baseline="0">
           <a:ln>
             <a:noFill/>
           </a:ln>
@@ -2371,7 +2460,7 @@
         <a:buFontTx/>
         <a:buNone/>
         <a:tabLst/>
-        <a:defRPr b="0" baseline="0" cap="none" i="0" spc="0" strike="noStrike" sz="8000" u="none">
+        <a:defRPr sz="8000" b="0" i="0" u="none" strike="noStrike" cap="none" spc="0" baseline="0">
           <a:ln>
             <a:noFill/>
           </a:ln>
@@ -2400,7 +2489,7 @@
         <a:buFontTx/>
         <a:buNone/>
         <a:tabLst/>
-        <a:defRPr b="0" baseline="0" cap="none" i="0" spc="0" strike="noStrike" sz="8000" u="none">
+        <a:defRPr sz="8000" b="0" i="0" u="none" strike="noStrike" cap="none" spc="0" baseline="0">
           <a:ln>
             <a:noFill/>
           </a:ln>
@@ -2429,7 +2518,7 @@
         <a:buFontTx/>
         <a:buNone/>
         <a:tabLst/>
-        <a:defRPr b="0" baseline="0" cap="none" i="0" spc="0" strike="noStrike" sz="8000" u="none">
+        <a:defRPr sz="8000" b="0" i="0" u="none" strike="noStrike" cap="none" spc="0" baseline="0">
           <a:ln>
             <a:noFill/>
           </a:ln>
@@ -2458,7 +2547,7 @@
         <a:buFontTx/>
         <a:buNone/>
         <a:tabLst/>
-        <a:defRPr b="0" baseline="0" cap="none" i="0" spc="0" strike="noStrike" sz="8000" u="none">
+        <a:defRPr sz="8000" b="0" i="0" u="none" strike="noStrike" cap="none" spc="0" baseline="0">
           <a:ln>
             <a:noFill/>
           </a:ln>
@@ -2487,7 +2576,7 @@
         <a:buFontTx/>
         <a:buNone/>
         <a:tabLst/>
-        <a:defRPr b="0" baseline="0" cap="none" i="0" spc="0" strike="noStrike" sz="8000" u="none">
+        <a:defRPr sz="8000" b="0" i="0" u="none" strike="noStrike" cap="none" spc="0" baseline="0">
           <a:ln>
             <a:noFill/>
           </a:ln>
@@ -2520,7 +2609,7 @@
         <a:buFontTx/>
         <a:buChar char="•"/>
         <a:tabLst/>
-        <a:defRPr b="0" baseline="0" cap="none" i="0" spc="0" strike="noStrike" sz="3200" u="none">
+        <a:defRPr sz="3200" b="0" i="0" u="none" strike="noStrike" cap="none" spc="0" baseline="0">
           <a:ln>
             <a:noFill/>
           </a:ln>
@@ -2551,7 +2640,7 @@
         <a:buFontTx/>
         <a:buChar char="•"/>
         <a:tabLst/>
-        <a:defRPr b="0" baseline="0" cap="none" i="0" spc="0" strike="noStrike" sz="3200" u="none">
+        <a:defRPr sz="3200" b="0" i="0" u="none" strike="noStrike" cap="none" spc="0" baseline="0">
           <a:ln>
             <a:noFill/>
           </a:ln>
@@ -2582,7 +2671,7 @@
         <a:buFontTx/>
         <a:buChar char="•"/>
         <a:tabLst/>
-        <a:defRPr b="0" baseline="0" cap="none" i="0" spc="0" strike="noStrike" sz="3200" u="none">
+        <a:defRPr sz="3200" b="0" i="0" u="none" strike="noStrike" cap="none" spc="0" baseline="0">
           <a:ln>
             <a:noFill/>
           </a:ln>
@@ -2613,7 +2702,7 @@
         <a:buFontTx/>
         <a:buChar char="•"/>
         <a:tabLst/>
-        <a:defRPr b="0" baseline="0" cap="none" i="0" spc="0" strike="noStrike" sz="3200" u="none">
+        <a:defRPr sz="3200" b="0" i="0" u="none" strike="noStrike" cap="none" spc="0" baseline="0">
           <a:ln>
             <a:noFill/>
           </a:ln>
@@ -2644,7 +2733,7 @@
         <a:buFontTx/>
         <a:buChar char="•"/>
         <a:tabLst/>
-        <a:defRPr b="0" baseline="0" cap="none" i="0" spc="0" strike="noStrike" sz="3200" u="none">
+        <a:defRPr sz="3200" b="0" i="0" u="none" strike="noStrike" cap="none" spc="0" baseline="0">
           <a:ln>
             <a:noFill/>
           </a:ln>
@@ -2675,7 +2764,7 @@
         <a:buFontTx/>
         <a:buChar char="•"/>
         <a:tabLst/>
-        <a:defRPr b="0" baseline="0" cap="none" i="0" spc="0" strike="noStrike" sz="3200" u="none">
+        <a:defRPr sz="3200" b="0" i="0" u="none" strike="noStrike" cap="none" spc="0" baseline="0">
           <a:ln>
             <a:noFill/>
           </a:ln>
@@ -2706,7 +2795,7 @@
         <a:buFontTx/>
         <a:buChar char="•"/>
         <a:tabLst/>
-        <a:defRPr b="0" baseline="0" cap="none" i="0" spc="0" strike="noStrike" sz="3200" u="none">
+        <a:defRPr sz="3200" b="0" i="0" u="none" strike="noStrike" cap="none" spc="0" baseline="0">
           <a:ln>
             <a:noFill/>
           </a:ln>
@@ -2737,7 +2826,7 @@
         <a:buFontTx/>
         <a:buChar char="•"/>
         <a:tabLst/>
-        <a:defRPr b="0" baseline="0" cap="none" i="0" spc="0" strike="noStrike" sz="3200" u="none">
+        <a:defRPr sz="3200" b="0" i="0" u="none" strike="noStrike" cap="none" spc="0" baseline="0">
           <a:ln>
             <a:noFill/>
           </a:ln>
@@ -2768,7 +2857,7 @@
         <a:buFontTx/>
         <a:buChar char="•"/>
         <a:tabLst/>
-        <a:defRPr b="0" baseline="0" cap="none" i="0" spc="0" strike="noStrike" sz="3200" u="none">
+        <a:defRPr sz="3200" b="0" i="0" u="none" strike="noStrike" cap="none" spc="0" baseline="0">
           <a:ln>
             <a:noFill/>
           </a:ln>
@@ -2799,7 +2888,7 @@
         <a:buFontTx/>
         <a:buNone/>
         <a:tabLst/>
-        <a:defRPr b="0" baseline="0" cap="none" i="0" spc="0" strike="noStrike" sz="1600" u="none">
+        <a:defRPr sz="1600" b="0" i="0" u="none" strike="noStrike" cap="none" spc="0" baseline="0">
           <a:ln>
             <a:noFill/>
           </a:ln>
@@ -2828,7 +2917,7 @@
         <a:buFontTx/>
         <a:buNone/>
         <a:tabLst/>
-        <a:defRPr b="0" baseline="0" cap="none" i="0" spc="0" strike="noStrike" sz="1600" u="none">
+        <a:defRPr sz="1600" b="0" i="0" u="none" strike="noStrike" cap="none" spc="0" baseline="0">
           <a:ln>
             <a:noFill/>
           </a:ln>
@@ -2857,7 +2946,7 @@
         <a:buFontTx/>
         <a:buNone/>
         <a:tabLst/>
-        <a:defRPr b="0" baseline="0" cap="none" i="0" spc="0" strike="noStrike" sz="1600" u="none">
+        <a:defRPr sz="1600" b="0" i="0" u="none" strike="noStrike" cap="none" spc="0" baseline="0">
           <a:ln>
             <a:noFill/>
           </a:ln>
@@ -2886,7 +2975,7 @@
         <a:buFontTx/>
         <a:buNone/>
         <a:tabLst/>
-        <a:defRPr b="0" baseline="0" cap="none" i="0" spc="0" strike="noStrike" sz="1600" u="none">
+        <a:defRPr sz="1600" b="0" i="0" u="none" strike="noStrike" cap="none" spc="0" baseline="0">
           <a:ln>
             <a:noFill/>
           </a:ln>
@@ -2915,7 +3004,7 @@
         <a:buFontTx/>
         <a:buNone/>
         <a:tabLst/>
-        <a:defRPr b="0" baseline="0" cap="none" i="0" spc="0" strike="noStrike" sz="1600" u="none">
+        <a:defRPr sz="1600" b="0" i="0" u="none" strike="noStrike" cap="none" spc="0" baseline="0">
           <a:ln>
             <a:noFill/>
           </a:ln>
@@ -2944,7 +3033,7 @@
         <a:buFontTx/>
         <a:buNone/>
         <a:tabLst/>
-        <a:defRPr b="0" baseline="0" cap="none" i="0" spc="0" strike="noStrike" sz="1600" u="none">
+        <a:defRPr sz="1600" b="0" i="0" u="none" strike="noStrike" cap="none" spc="0" baseline="0">
           <a:ln>
             <a:noFill/>
           </a:ln>
@@ -2973,7 +3062,7 @@
         <a:buFontTx/>
         <a:buNone/>
         <a:tabLst/>
-        <a:defRPr b="0" baseline="0" cap="none" i="0" spc="0" strike="noStrike" sz="1600" u="none">
+        <a:defRPr sz="1600" b="0" i="0" u="none" strike="noStrike" cap="none" spc="0" baseline="0">
           <a:ln>
             <a:noFill/>
           </a:ln>
@@ -3002,7 +3091,7 @@
         <a:buFontTx/>
         <a:buNone/>
         <a:tabLst/>
-        <a:defRPr b="0" baseline="0" cap="none" i="0" spc="0" strike="noStrike" sz="1600" u="none">
+        <a:defRPr sz="1600" b="0" i="0" u="none" strike="noStrike" cap="none" spc="0" baseline="0">
           <a:ln>
             <a:noFill/>
           </a:ln>
@@ -3031,7 +3120,7 @@
         <a:buFontTx/>
         <a:buNone/>
         <a:tabLst/>
-        <a:defRPr b="0" baseline="0" cap="none" i="0" spc="0" strike="noStrike" sz="1600" u="none">
+        <a:defRPr sz="1600" b="0" i="0" u="none" strike="noStrike" cap="none" spc="0" baseline="0">
           <a:ln>
             <a:noFill/>
           </a:ln>
@@ -3051,17 +3140,18 @@
 </file>
 
 <file path=ppt/slides/slide1.xml><?xml version="1.0" encoding="utf-8"?>
-<p:sld xmlns:a="http://schemas.openxmlformats.org/drawingml/2006/main" xmlns:r="http://schemas.openxmlformats.org/officeDocument/2006/relationships" xmlns:p="http://schemas.openxmlformats.org/presentationml/2006/main" showMasterSp="1" showMasterPhAnim="1">
+<p:sld xmlns:a="http://schemas.openxmlformats.org/drawingml/2006/main" xmlns:r="http://schemas.openxmlformats.org/officeDocument/2006/relationships" xmlns:p="http://schemas.openxmlformats.org/presentationml/2006/main">
   <p:cSld>
     <p:bg>
       <p:bgPr>
         <a:blipFill rotWithShape="1">
           <a:blip r:embed="rId2"/>
-          <a:srcRect l="0" t="0" r="0" b="0"/>
+          <a:srcRect/>
           <a:stretch>
             <a:fillRect/>
           </a:stretch>
         </a:blipFill>
+        <a:effectLst/>
       </p:bgPr>
     </p:bg>
     <p:spTree>
@@ -3081,7 +3171,9 @@
       <p:sp>
         <p:nvSpPr>
           <p:cNvPr id="119" name="MotionSense"/>
-          <p:cNvSpPr txBox="1"/>
+          <p:cNvSpPr txBox="1">
+            <a:spLocks noGrp="1"/>
+          </p:cNvSpPr>
           <p:nvPr>
             <p:ph type="ctrTitle"/>
           </p:nvPr>
@@ -3095,7 +3187,6 @@
           <a:bodyPr/>
           <a:lstStyle/>
           <a:p>
-            <a:pPr/>
             <a:r>
               <a:t>MotionSense</a:t>
             </a:r>
@@ -3105,7 +3196,9 @@
       <p:sp>
         <p:nvSpPr>
           <p:cNvPr id="120" name="Shachar Hirshberg, Ido Calman &amp; Ofri Kleinfeld"/>
-          <p:cNvSpPr txBox="1"/>
+          <p:cNvSpPr txBox="1">
+            <a:spLocks noGrp="1"/>
+          </p:cNvSpPr>
           <p:nvPr>
             <p:ph type="subTitle" sz="quarter" idx="1"/>
           </p:nvPr>
@@ -3119,7 +3212,6 @@
           <a:bodyPr/>
           <a:lstStyle/>
           <a:p>
-            <a:pPr/>
             <a:r>
               <a:t>Shachar Hirshberg, Ido Calman &amp; Ofri Kleinfeld</a:t>
             </a:r>
@@ -3131,20 +3223,25 @@
   <p:clrMapOvr>
     <a:masterClrMapping/>
   </p:clrMapOvr>
-  <p:transition xmlns:p14="http://schemas.microsoft.com/office/powerpoint/2010/main" spd="med" advClick="1"/>
+  <p:transition spd="med"/>
 </p:sld>
 </file>
 
 <file path=ppt/slides/slide10.xml><?xml version="1.0" encoding="utf-8"?>
-<p:sld xmlns:a="http://schemas.openxmlformats.org/drawingml/2006/main" xmlns:r="http://schemas.openxmlformats.org/officeDocument/2006/relationships" xmlns:p="http://schemas.openxmlformats.org/presentationml/2006/main" showMasterSp="1" showMasterPhAnim="1">
+<p:sld xmlns:a="http://schemas.openxmlformats.org/drawingml/2006/main" xmlns:r="http://schemas.openxmlformats.org/officeDocument/2006/relationships" xmlns:p="http://schemas.openxmlformats.org/presentationml/2006/main">
   <p:cSld>
     <p:bg>
       <p:bgPr>
-        <a:blipFill rotWithShape="1">
-          <a:blip r:embed="rId2"/>
-          <a:srcRect l="0" t="0" r="0" b="0"/>
-          <a:tile tx="0" ty="0" sx="100000" sy="100000" flip="none" algn="tl"/>
+        <a:blipFill dpi="0" rotWithShape="1">
+          <a:blip r:embed="rId2">
+            <a:lum/>
+          </a:blip>
+          <a:srcRect/>
+          <a:stretch>
+            <a:fillRect/>
+          </a:stretch>
         </a:blipFill>
+        <a:effectLst/>
       </p:bgPr>
     </p:bg>
     <p:spTree>
@@ -3164,7 +3261,9 @@
       <p:sp>
         <p:nvSpPr>
           <p:cNvPr id="153" name="Initial Results…"/>
-          <p:cNvSpPr txBox="1"/>
+          <p:cNvSpPr txBox="1">
+            <a:spLocks noGrp="1"/>
+          </p:cNvSpPr>
           <p:nvPr>
             <p:ph type="title"/>
           </p:nvPr>
@@ -3178,7 +3277,6 @@
           <a:bodyPr/>
           <a:lstStyle/>
           <a:p>
-            <a:pPr/>
             <a:r>
               <a:t>Initial Results</a:t>
             </a:r>
@@ -3209,19 +3307,43 @@
         </p:nvGraphicFramePr>
         <p:xfrm>
           <a:off x="520700" y="2647950"/>
-          <a:ext cx="5252046" cy="5473700"/>
+          <a:ext cx="5252044" cy="5500684"/>
         </p:xfrm>
-        <a:graphic xmlns:a="http://schemas.openxmlformats.org/drawingml/2006/main">
+        <a:graphic>
           <a:graphicData uri="http://schemas.openxmlformats.org/drawingml/2006/table">
             <a:tbl>
-              <a:tblPr firstCol="0" firstRow="0" lastCol="0" lastRow="0" bandCol="0" bandRow="0" rtl="0">
+              <a:tblPr>
                 <a:tableStyleId>{33BA23B1-9221-436E-865A-0063620EA4FD}</a:tableStyleId>
               </a:tblPr>
               <a:tblGrid>
-                <a:gridCol w="1313011"/>
-                <a:gridCol w="1313011"/>
-                <a:gridCol w="1313011"/>
-                <a:gridCol w="1313011"/>
+                <a:gridCol w="1313011">
+                  <a:extLst>
+                    <a:ext uri="{9D8B030D-6E8A-4147-A177-3AD203B41FA5}">
+                      <a16:colId xmlns:a16="http://schemas.microsoft.com/office/drawing/2014/main" val="20000"/>
+                    </a:ext>
+                  </a:extLst>
+                </a:gridCol>
+                <a:gridCol w="1313011">
+                  <a:extLst>
+                    <a:ext uri="{9D8B030D-6E8A-4147-A177-3AD203B41FA5}">
+                      <a16:colId xmlns:a16="http://schemas.microsoft.com/office/drawing/2014/main" val="20001"/>
+                    </a:ext>
+                  </a:extLst>
+                </a:gridCol>
+                <a:gridCol w="1313011">
+                  <a:extLst>
+                    <a:ext uri="{9D8B030D-6E8A-4147-A177-3AD203B41FA5}">
+                      <a16:colId xmlns:a16="http://schemas.microsoft.com/office/drawing/2014/main" val="20002"/>
+                    </a:ext>
+                  </a:extLst>
+                </a:gridCol>
+                <a:gridCol w="1313011">
+                  <a:extLst>
+                    <a:ext uri="{9D8B030D-6E8A-4147-A177-3AD203B41FA5}">
+                      <a16:colId xmlns:a16="http://schemas.microsoft.com/office/drawing/2014/main" val="20003"/>
+                    </a:ext>
+                  </a:extLst>
+                </a:gridCol>
               </a:tblGrid>
               <a:tr h="684212">
                 <a:tc>
@@ -3237,7 +3359,7 @@
                         </a:defRPr>
                       </a:pPr>
                       <a:r>
-                        <a:rPr b="1" sz="2000">
+                        <a:rPr sz="2000" b="1">
                           <a:solidFill>
                             <a:srgbClr val="FFFFFF"/>
                           </a:solidFill>
@@ -3247,7 +3369,7 @@
                       </a:r>
                     </a:p>
                   </a:txBody>
-                  <a:tcPr marL="50800" marR="50800" marT="50800" marB="50800" anchor="ctr" anchorCtr="0" horzOverflow="overflow">
+                  <a:tcPr marL="50800" marR="50800" marT="50800" marB="50800" anchor="ctr" horzOverflow="overflow">
                     <a:lnL w="12700">
                       <a:miter lim="400000"/>
                     </a:lnL>
@@ -3269,7 +3391,7 @@
                         </a:defRPr>
                       </a:pPr>
                       <a:r>
-                        <a:rPr b="1" sz="2000">
+                        <a:rPr sz="2000" b="1">
                           <a:solidFill>
                             <a:srgbClr val="FFFFFF"/>
                           </a:solidFill>
@@ -3279,7 +3401,7 @@
                       </a:r>
                     </a:p>
                   </a:txBody>
-                  <a:tcPr marL="50800" marR="50800" marT="50800" marB="50800" anchor="ctr" anchorCtr="0" horzOverflow="overflow">
+                  <a:tcPr marL="50800" marR="50800" marT="50800" marB="50800" anchor="ctr" horzOverflow="overflow">
                     <a:lnT w="12700">
                       <a:miter lim="400000"/>
                     </a:lnT>
@@ -3298,7 +3420,7 @@
                         </a:defRPr>
                       </a:pPr>
                       <a:r>
-                        <a:rPr b="1" sz="2000">
+                        <a:rPr sz="2000" b="1">
                           <a:solidFill>
                             <a:srgbClr val="FFFFFF"/>
                           </a:solidFill>
@@ -3308,7 +3430,7 @@
                       </a:r>
                     </a:p>
                   </a:txBody>
-                  <a:tcPr marL="50800" marR="50800" marT="50800" marB="50800" anchor="ctr" anchorCtr="0" horzOverflow="overflow">
+                  <a:tcPr marL="50800" marR="50800" marT="50800" marB="50800" anchor="ctr" horzOverflow="overflow">
                     <a:lnT w="12700">
                       <a:miter lim="400000"/>
                     </a:lnT>
@@ -3327,7 +3449,7 @@
                         </a:defRPr>
                       </a:pPr>
                       <a:r>
-                        <a:rPr b="1" sz="2000">
+                        <a:rPr sz="2000" b="1">
                           <a:solidFill>
                             <a:srgbClr val="FFFFFF"/>
                           </a:solidFill>
@@ -3337,7 +3459,7 @@
                       </a:r>
                     </a:p>
                   </a:txBody>
-                  <a:tcPr marL="50800" marR="50800" marT="50800" marB="50800" anchor="ctr" anchorCtr="0" horzOverflow="overflow">
+                  <a:tcPr marL="50800" marR="50800" marT="50800" marB="50800" anchor="ctr" horzOverflow="overflow">
                     <a:lnR w="12700">
                       <a:miter lim="400000"/>
                     </a:lnR>
@@ -3346,6 +3468,11 @@
                     </a:lnT>
                   </a:tcPr>
                 </a:tc>
+                <a:extLst>
+                  <a:ext uri="{0D108BD9-81ED-4DB2-BD59-A6C34878D82A}">
+                    <a16:rowId xmlns:a16="http://schemas.microsoft.com/office/drawing/2014/main" val="10000"/>
+                  </a:ext>
+                </a:extLst>
               </a:tr>
               <a:tr h="684212">
                 <a:tc>
@@ -3371,7 +3498,7 @@
                       </a:r>
                     </a:p>
                   </a:txBody>
-                  <a:tcPr marL="50800" marR="50800" marT="50800" marB="50800" anchor="ctr" anchorCtr="0" horzOverflow="overflow">
+                  <a:tcPr marL="50800" marR="50800" marT="50800" marB="50800" anchor="ctr" horzOverflow="overflow">
                     <a:lnL w="12700">
                       <a:miter lim="400000"/>
                     </a:lnL>
@@ -3400,7 +3527,7 @@
                       </a:r>
                     </a:p>
                   </a:txBody>
-                  <a:tcPr marL="50800" marR="50800" marT="50800" marB="50800" anchor="ctr" anchorCtr="0" horzOverflow="overflow"/>
+                  <a:tcPr marL="50800" marR="50800" marT="50800" marB="50800" anchor="ctr" horzOverflow="overflow"/>
                 </a:tc>
                 <a:tc>
                   <a:txBody>
@@ -3425,7 +3552,7 @@
                       </a:r>
                     </a:p>
                   </a:txBody>
-                  <a:tcPr marL="50800" marR="50800" marT="50800" marB="50800" anchor="ctr" anchorCtr="0" horzOverflow="overflow"/>
+                  <a:tcPr marL="50800" marR="50800" marT="50800" marB="50800" anchor="ctr" horzOverflow="overflow"/>
                 </a:tc>
                 <a:tc>
                   <a:txBody>
@@ -3450,12 +3577,17 @@
                       </a:r>
                     </a:p>
                   </a:txBody>
-                  <a:tcPr marL="50800" marR="50800" marT="50800" marB="50800" anchor="ctr" anchorCtr="0" horzOverflow="overflow">
+                  <a:tcPr marL="50800" marR="50800" marT="50800" marB="50800" anchor="ctr" horzOverflow="overflow">
                     <a:lnR w="12700">
                       <a:miter lim="400000"/>
                     </a:lnR>
                   </a:tcPr>
                 </a:tc>
+                <a:extLst>
+                  <a:ext uri="{0D108BD9-81ED-4DB2-BD59-A6C34878D82A}">
+                    <a16:rowId xmlns:a16="http://schemas.microsoft.com/office/drawing/2014/main" val="10001"/>
+                  </a:ext>
+                </a:extLst>
               </a:tr>
               <a:tr h="684212">
                 <a:tc>
@@ -3481,7 +3613,7 @@
                       </a:r>
                     </a:p>
                   </a:txBody>
-                  <a:tcPr marL="50800" marR="50800" marT="50800" marB="50800" anchor="ctr" anchorCtr="0" horzOverflow="overflow">
+                  <a:tcPr marL="50800" marR="50800" marT="50800" marB="50800" anchor="ctr" horzOverflow="overflow">
                     <a:lnL w="12700">
                       <a:miter lim="400000"/>
                     </a:lnL>
@@ -3510,7 +3642,7 @@
                       </a:r>
                     </a:p>
                   </a:txBody>
-                  <a:tcPr marL="50800" marR="50800" marT="50800" marB="50800" anchor="ctr" anchorCtr="0" horzOverflow="overflow"/>
+                  <a:tcPr marL="50800" marR="50800" marT="50800" marB="50800" anchor="ctr" horzOverflow="overflow"/>
                 </a:tc>
                 <a:tc>
                   <a:txBody>
@@ -3535,7 +3667,7 @@
                       </a:r>
                     </a:p>
                   </a:txBody>
-                  <a:tcPr marL="50800" marR="50800" marT="50800" marB="50800" anchor="ctr" anchorCtr="0" horzOverflow="overflow"/>
+                  <a:tcPr marL="50800" marR="50800" marT="50800" marB="50800" anchor="ctr" horzOverflow="overflow"/>
                 </a:tc>
                 <a:tc>
                   <a:txBody>
@@ -3560,12 +3692,17 @@
                       </a:r>
                     </a:p>
                   </a:txBody>
-                  <a:tcPr marL="50800" marR="50800" marT="50800" marB="50800" anchor="ctr" anchorCtr="0" horzOverflow="overflow">
+                  <a:tcPr marL="50800" marR="50800" marT="50800" marB="50800" anchor="ctr" horzOverflow="overflow">
                     <a:lnR w="12700">
                       <a:miter lim="400000"/>
                     </a:lnR>
                   </a:tcPr>
                 </a:tc>
+                <a:extLst>
+                  <a:ext uri="{0D108BD9-81ED-4DB2-BD59-A6C34878D82A}">
+                    <a16:rowId xmlns:a16="http://schemas.microsoft.com/office/drawing/2014/main" val="10002"/>
+                  </a:ext>
+                </a:extLst>
               </a:tr>
               <a:tr h="684212">
                 <a:tc>
@@ -3591,7 +3728,7 @@
                       </a:r>
                     </a:p>
                   </a:txBody>
-                  <a:tcPr marL="50800" marR="50800" marT="50800" marB="50800" anchor="ctr" anchorCtr="0" horzOverflow="overflow">
+                  <a:tcPr marL="50800" marR="50800" marT="50800" marB="50800" anchor="ctr" horzOverflow="overflow">
                     <a:lnL w="12700">
                       <a:miter lim="400000"/>
                     </a:lnL>
@@ -3620,7 +3757,7 @@
                       </a:r>
                     </a:p>
                   </a:txBody>
-                  <a:tcPr marL="50800" marR="50800" marT="50800" marB="50800" anchor="ctr" anchorCtr="0" horzOverflow="overflow"/>
+                  <a:tcPr marL="50800" marR="50800" marT="50800" marB="50800" anchor="ctr" horzOverflow="overflow"/>
                 </a:tc>
                 <a:tc>
                   <a:txBody>
@@ -3645,7 +3782,7 @@
                       </a:r>
                     </a:p>
                   </a:txBody>
-                  <a:tcPr marL="50800" marR="50800" marT="50800" marB="50800" anchor="ctr" anchorCtr="0" horzOverflow="overflow"/>
+                  <a:tcPr marL="50800" marR="50800" marT="50800" marB="50800" anchor="ctr" horzOverflow="overflow"/>
                 </a:tc>
                 <a:tc>
                   <a:txBody>
@@ -3670,12 +3807,17 @@
                       </a:r>
                     </a:p>
                   </a:txBody>
-                  <a:tcPr marL="50800" marR="50800" marT="50800" marB="50800" anchor="ctr" anchorCtr="0" horzOverflow="overflow">
+                  <a:tcPr marL="50800" marR="50800" marT="50800" marB="50800" anchor="ctr" horzOverflow="overflow">
                     <a:lnR w="12700">
                       <a:miter lim="400000"/>
                     </a:lnR>
                   </a:tcPr>
                 </a:tc>
+                <a:extLst>
+                  <a:ext uri="{0D108BD9-81ED-4DB2-BD59-A6C34878D82A}">
+                    <a16:rowId xmlns:a16="http://schemas.microsoft.com/office/drawing/2014/main" val="10003"/>
+                  </a:ext>
+                </a:extLst>
               </a:tr>
               <a:tr h="684212">
                 <a:tc>
@@ -3701,7 +3843,7 @@
                       </a:r>
                     </a:p>
                   </a:txBody>
-                  <a:tcPr marL="50800" marR="50800" marT="50800" marB="50800" anchor="ctr" anchorCtr="0" horzOverflow="overflow">
+                  <a:tcPr marL="50800" marR="50800" marT="50800" marB="50800" anchor="ctr" horzOverflow="overflow">
                     <a:lnL w="12700">
                       <a:miter lim="400000"/>
                     </a:lnL>
@@ -3730,7 +3872,7 @@
                       </a:r>
                     </a:p>
                   </a:txBody>
-                  <a:tcPr marL="50800" marR="50800" marT="50800" marB="50800" anchor="ctr" anchorCtr="0" horzOverflow="overflow"/>
+                  <a:tcPr marL="50800" marR="50800" marT="50800" marB="50800" anchor="ctr" horzOverflow="overflow"/>
                 </a:tc>
                 <a:tc>
                   <a:txBody>
@@ -3755,7 +3897,7 @@
                       </a:r>
                     </a:p>
                   </a:txBody>
-                  <a:tcPr marL="50800" marR="50800" marT="50800" marB="50800" anchor="ctr" anchorCtr="0" horzOverflow="overflow"/>
+                  <a:tcPr marL="50800" marR="50800" marT="50800" marB="50800" anchor="ctr" horzOverflow="overflow"/>
                 </a:tc>
                 <a:tc>
                   <a:txBody>
@@ -3780,12 +3922,17 @@
                       </a:r>
                     </a:p>
                   </a:txBody>
-                  <a:tcPr marL="50800" marR="50800" marT="50800" marB="50800" anchor="ctr" anchorCtr="0" horzOverflow="overflow">
+                  <a:tcPr marL="50800" marR="50800" marT="50800" marB="50800" anchor="ctr" horzOverflow="overflow">
                     <a:lnR w="12700">
                       <a:miter lim="400000"/>
                     </a:lnR>
                   </a:tcPr>
                 </a:tc>
+                <a:extLst>
+                  <a:ext uri="{0D108BD9-81ED-4DB2-BD59-A6C34878D82A}">
+                    <a16:rowId xmlns:a16="http://schemas.microsoft.com/office/drawing/2014/main" val="10004"/>
+                  </a:ext>
+                </a:extLst>
               </a:tr>
               <a:tr h="684212">
                 <a:tc>
@@ -3811,7 +3958,7 @@
                       </a:r>
                     </a:p>
                   </a:txBody>
-                  <a:tcPr marL="50800" marR="50800" marT="50800" marB="50800" anchor="ctr" anchorCtr="0" horzOverflow="overflow">
+                  <a:tcPr marL="50800" marR="50800" marT="50800" marB="50800" anchor="ctr" horzOverflow="overflow">
                     <a:lnL w="12700">
                       <a:miter lim="400000"/>
                     </a:lnL>
@@ -3840,7 +3987,7 @@
                       </a:r>
                     </a:p>
                   </a:txBody>
-                  <a:tcPr marL="50800" marR="50800" marT="50800" marB="50800" anchor="ctr" anchorCtr="0" horzOverflow="overflow"/>
+                  <a:tcPr marL="50800" marR="50800" marT="50800" marB="50800" anchor="ctr" horzOverflow="overflow"/>
                 </a:tc>
                 <a:tc>
                   <a:txBody>
@@ -3865,7 +4012,7 @@
                       </a:r>
                     </a:p>
                   </a:txBody>
-                  <a:tcPr marL="50800" marR="50800" marT="50800" marB="50800" anchor="ctr" anchorCtr="0" horzOverflow="overflow"/>
+                  <a:tcPr marL="50800" marR="50800" marT="50800" marB="50800" anchor="ctr" horzOverflow="overflow"/>
                 </a:tc>
                 <a:tc>
                   <a:txBody>
@@ -3890,12 +4037,17 @@
                       </a:r>
                     </a:p>
                   </a:txBody>
-                  <a:tcPr marL="50800" marR="50800" marT="50800" marB="50800" anchor="ctr" anchorCtr="0" horzOverflow="overflow">
+                  <a:tcPr marL="50800" marR="50800" marT="50800" marB="50800" anchor="ctr" horzOverflow="overflow">
                     <a:lnR w="12700">
                       <a:miter lim="400000"/>
                     </a:lnR>
                   </a:tcPr>
                 </a:tc>
+                <a:extLst>
+                  <a:ext uri="{0D108BD9-81ED-4DB2-BD59-A6C34878D82A}">
+                    <a16:rowId xmlns:a16="http://schemas.microsoft.com/office/drawing/2014/main" val="10005"/>
+                  </a:ext>
+                </a:extLst>
               </a:tr>
               <a:tr h="684212">
                 <a:tc>
@@ -3921,7 +4073,7 @@
                       </a:r>
                     </a:p>
                   </a:txBody>
-                  <a:tcPr marL="50800" marR="50800" marT="50800" marB="50800" anchor="ctr" anchorCtr="0" horzOverflow="overflow">
+                  <a:tcPr marL="50800" marR="50800" marT="50800" marB="50800" anchor="ctr" horzOverflow="overflow">
                     <a:lnL w="12700">
                       <a:miter lim="400000"/>
                     </a:lnL>
@@ -3950,7 +4102,7 @@
                       </a:r>
                     </a:p>
                   </a:txBody>
-                  <a:tcPr marL="50800" marR="50800" marT="50800" marB="50800" anchor="ctr" anchorCtr="0" horzOverflow="overflow"/>
+                  <a:tcPr marL="50800" marR="50800" marT="50800" marB="50800" anchor="ctr" horzOverflow="overflow"/>
                 </a:tc>
                 <a:tc>
                   <a:txBody>
@@ -3975,7 +4127,7 @@
                       </a:r>
                     </a:p>
                   </a:txBody>
-                  <a:tcPr marL="50800" marR="50800" marT="50800" marB="50800" anchor="ctr" anchorCtr="0" horzOverflow="overflow"/>
+                  <a:tcPr marL="50800" marR="50800" marT="50800" marB="50800" anchor="ctr" horzOverflow="overflow"/>
                 </a:tc>
                 <a:tc>
                   <a:txBody>
@@ -4000,12 +4152,17 @@
                       </a:r>
                     </a:p>
                   </a:txBody>
-                  <a:tcPr marL="50800" marR="50800" marT="50800" marB="50800" anchor="ctr" anchorCtr="0" horzOverflow="overflow">
+                  <a:tcPr marL="50800" marR="50800" marT="50800" marB="50800" anchor="ctr" horzOverflow="overflow">
                     <a:lnR w="12700">
                       <a:miter lim="400000"/>
                     </a:lnR>
                   </a:tcPr>
                 </a:tc>
+                <a:extLst>
+                  <a:ext uri="{0D108BD9-81ED-4DB2-BD59-A6C34878D82A}">
+                    <a16:rowId xmlns:a16="http://schemas.microsoft.com/office/drawing/2014/main" val="10006"/>
+                  </a:ext>
+                </a:extLst>
               </a:tr>
               <a:tr h="684212">
                 <a:tc>
@@ -4035,7 +4192,7 @@
                       </a:r>
                     </a:p>
                   </a:txBody>
-                  <a:tcPr marL="50800" marR="50800" marT="50800" marB="50800" anchor="ctr" anchorCtr="0" horzOverflow="overflow">
+                  <a:tcPr marL="50800" marR="50800" marT="50800" marB="50800" anchor="ctr" horzOverflow="overflow">
                     <a:lnL w="12700">
                       <a:miter lim="400000"/>
                     </a:lnL>
@@ -4071,7 +4228,7 @@
                       </a:r>
                     </a:p>
                   </a:txBody>
-                  <a:tcPr marL="50800" marR="50800" marT="50800" marB="50800" anchor="ctr" anchorCtr="0" horzOverflow="overflow">
+                  <a:tcPr marL="50800" marR="50800" marT="50800" marB="50800" anchor="ctr" horzOverflow="overflow">
                     <a:lnB w="12700">
                       <a:miter lim="400000"/>
                     </a:lnB>
@@ -4104,7 +4261,7 @@
                       </a:r>
                     </a:p>
                   </a:txBody>
-                  <a:tcPr marL="50800" marR="50800" marT="50800" marB="50800" anchor="ctr" anchorCtr="0" horzOverflow="overflow">
+                  <a:tcPr marL="50800" marR="50800" marT="50800" marB="50800" anchor="ctr" horzOverflow="overflow">
                     <a:lnB w="12700">
                       <a:miter lim="400000"/>
                     </a:lnB>
@@ -4137,7 +4294,7 @@
                       </a:r>
                     </a:p>
                   </a:txBody>
-                  <a:tcPr marL="50800" marR="50800" marT="50800" marB="50800" anchor="ctr" anchorCtr="0" horzOverflow="overflow">
+                  <a:tcPr marL="50800" marR="50800" marT="50800" marB="50800" anchor="ctr" horzOverflow="overflow">
                     <a:lnR w="12700">
                       <a:miter lim="400000"/>
                     </a:lnR>
@@ -4146,6 +4303,11 @@
                     </a:lnB>
                   </a:tcPr>
                 </a:tc>
+                <a:extLst>
+                  <a:ext uri="{0D108BD9-81ED-4DB2-BD59-A6C34878D82A}">
+                    <a16:rowId xmlns:a16="http://schemas.microsoft.com/office/drawing/2014/main" val="10007"/>
+                  </a:ext>
+                </a:extLst>
               </a:tr>
             </a:tbl>
           </a:graphicData>
@@ -4217,19 +4379,43 @@
         </p:nvGraphicFramePr>
         <p:xfrm>
           <a:off x="7226300" y="2647950"/>
-          <a:ext cx="5252046" cy="5473700"/>
+          <a:ext cx="5252044" cy="5500684"/>
         </p:xfrm>
-        <a:graphic xmlns:a="http://schemas.openxmlformats.org/drawingml/2006/main">
+        <a:graphic>
           <a:graphicData uri="http://schemas.openxmlformats.org/drawingml/2006/table">
             <a:tbl>
-              <a:tblPr firstCol="0" firstRow="0" lastCol="0" lastRow="0" bandCol="0" bandRow="0" rtl="0">
+              <a:tblPr>
                 <a:tableStyleId>{33BA23B1-9221-436E-865A-0063620EA4FD}</a:tableStyleId>
               </a:tblPr>
               <a:tblGrid>
-                <a:gridCol w="1313011"/>
-                <a:gridCol w="1313011"/>
-                <a:gridCol w="1313011"/>
-                <a:gridCol w="1313011"/>
+                <a:gridCol w="1313011">
+                  <a:extLst>
+                    <a:ext uri="{9D8B030D-6E8A-4147-A177-3AD203B41FA5}">
+                      <a16:colId xmlns:a16="http://schemas.microsoft.com/office/drawing/2014/main" val="20000"/>
+                    </a:ext>
+                  </a:extLst>
+                </a:gridCol>
+                <a:gridCol w="1313011">
+                  <a:extLst>
+                    <a:ext uri="{9D8B030D-6E8A-4147-A177-3AD203B41FA5}">
+                      <a16:colId xmlns:a16="http://schemas.microsoft.com/office/drawing/2014/main" val="20001"/>
+                    </a:ext>
+                  </a:extLst>
+                </a:gridCol>
+                <a:gridCol w="1313011">
+                  <a:extLst>
+                    <a:ext uri="{9D8B030D-6E8A-4147-A177-3AD203B41FA5}">
+                      <a16:colId xmlns:a16="http://schemas.microsoft.com/office/drawing/2014/main" val="20002"/>
+                    </a:ext>
+                  </a:extLst>
+                </a:gridCol>
+                <a:gridCol w="1313011">
+                  <a:extLst>
+                    <a:ext uri="{9D8B030D-6E8A-4147-A177-3AD203B41FA5}">
+                      <a16:colId xmlns:a16="http://schemas.microsoft.com/office/drawing/2014/main" val="20003"/>
+                    </a:ext>
+                  </a:extLst>
+                </a:gridCol>
               </a:tblGrid>
               <a:tr h="684212">
                 <a:tc>
@@ -4245,7 +4431,7 @@
                         </a:defRPr>
                       </a:pPr>
                       <a:r>
-                        <a:rPr b="1" sz="2000">
+                        <a:rPr sz="2000" b="1">
                           <a:solidFill>
                             <a:srgbClr val="FFFFFF"/>
                           </a:solidFill>
@@ -4255,7 +4441,7 @@
                       </a:r>
                     </a:p>
                   </a:txBody>
-                  <a:tcPr marL="50800" marR="50800" marT="50800" marB="50800" anchor="ctr" anchorCtr="0" horzOverflow="overflow">
+                  <a:tcPr marL="50800" marR="50800" marT="50800" marB="50800" anchor="ctr" horzOverflow="overflow">
                     <a:lnL w="12700">
                       <a:miter lim="400000"/>
                     </a:lnL>
@@ -4277,7 +4463,7 @@
                         </a:defRPr>
                       </a:pPr>
                       <a:r>
-                        <a:rPr b="1" sz="2000">
+                        <a:rPr sz="2000" b="1">
                           <a:solidFill>
                             <a:srgbClr val="FFFFFF"/>
                           </a:solidFill>
@@ -4287,7 +4473,7 @@
                       </a:r>
                     </a:p>
                   </a:txBody>
-                  <a:tcPr marL="50800" marR="50800" marT="50800" marB="50800" anchor="ctr" anchorCtr="0" horzOverflow="overflow">
+                  <a:tcPr marL="50800" marR="50800" marT="50800" marB="50800" anchor="ctr" horzOverflow="overflow">
                     <a:lnT w="12700">
                       <a:miter lim="400000"/>
                     </a:lnT>
@@ -4306,7 +4492,7 @@
                         </a:defRPr>
                       </a:pPr>
                       <a:r>
-                        <a:rPr b="1" sz="2000">
+                        <a:rPr sz="2000" b="1">
                           <a:solidFill>
                             <a:srgbClr val="FFFFFF"/>
                           </a:solidFill>
@@ -4316,7 +4502,7 @@
                       </a:r>
                     </a:p>
                   </a:txBody>
-                  <a:tcPr marL="50800" marR="50800" marT="50800" marB="50800" anchor="ctr" anchorCtr="0" horzOverflow="overflow">
+                  <a:tcPr marL="50800" marR="50800" marT="50800" marB="50800" anchor="ctr" horzOverflow="overflow">
                     <a:lnT w="12700">
                       <a:miter lim="400000"/>
                     </a:lnT>
@@ -4335,7 +4521,7 @@
                         </a:defRPr>
                       </a:pPr>
                       <a:r>
-                        <a:rPr b="1" sz="2000">
+                        <a:rPr sz="2000" b="1">
                           <a:solidFill>
                             <a:srgbClr val="FFFFFF"/>
                           </a:solidFill>
@@ -4345,7 +4531,7 @@
                       </a:r>
                     </a:p>
                   </a:txBody>
-                  <a:tcPr marL="50800" marR="50800" marT="50800" marB="50800" anchor="ctr" anchorCtr="0" horzOverflow="overflow">
+                  <a:tcPr marL="50800" marR="50800" marT="50800" marB="50800" anchor="ctr" horzOverflow="overflow">
                     <a:lnR w="12700">
                       <a:miter lim="400000"/>
                     </a:lnR>
@@ -4354,6 +4540,11 @@
                     </a:lnT>
                   </a:tcPr>
                 </a:tc>
+                <a:extLst>
+                  <a:ext uri="{0D108BD9-81ED-4DB2-BD59-A6C34878D82A}">
+                    <a16:rowId xmlns:a16="http://schemas.microsoft.com/office/drawing/2014/main" val="10000"/>
+                  </a:ext>
+                </a:extLst>
               </a:tr>
               <a:tr h="684212">
                 <a:tc>
@@ -4379,7 +4570,7 @@
                       </a:r>
                     </a:p>
                   </a:txBody>
-                  <a:tcPr marL="50800" marR="50800" marT="50800" marB="50800" anchor="ctr" anchorCtr="0" horzOverflow="overflow">
+                  <a:tcPr marL="50800" marR="50800" marT="50800" marB="50800" anchor="ctr" horzOverflow="overflow">
                     <a:lnL w="12700">
                       <a:miter lim="400000"/>
                     </a:lnL>
@@ -4408,7 +4599,7 @@
                       </a:r>
                     </a:p>
                   </a:txBody>
-                  <a:tcPr marL="50800" marR="50800" marT="50800" marB="50800" anchor="ctr" anchorCtr="0" horzOverflow="overflow"/>
+                  <a:tcPr marL="50800" marR="50800" marT="50800" marB="50800" anchor="ctr" horzOverflow="overflow"/>
                 </a:tc>
                 <a:tc>
                   <a:txBody>
@@ -4433,7 +4624,7 @@
                       </a:r>
                     </a:p>
                   </a:txBody>
-                  <a:tcPr marL="50800" marR="50800" marT="50800" marB="50800" anchor="ctr" anchorCtr="0" horzOverflow="overflow"/>
+                  <a:tcPr marL="50800" marR="50800" marT="50800" marB="50800" anchor="ctr" horzOverflow="overflow"/>
                 </a:tc>
                 <a:tc>
                   <a:txBody>
@@ -4458,12 +4649,17 @@
                       </a:r>
                     </a:p>
                   </a:txBody>
-                  <a:tcPr marL="50800" marR="50800" marT="50800" marB="50800" anchor="ctr" anchorCtr="0" horzOverflow="overflow">
+                  <a:tcPr marL="50800" marR="50800" marT="50800" marB="50800" anchor="ctr" horzOverflow="overflow">
                     <a:lnR w="12700">
                       <a:miter lim="400000"/>
                     </a:lnR>
                   </a:tcPr>
                 </a:tc>
+                <a:extLst>
+                  <a:ext uri="{0D108BD9-81ED-4DB2-BD59-A6C34878D82A}">
+                    <a16:rowId xmlns:a16="http://schemas.microsoft.com/office/drawing/2014/main" val="10001"/>
+                  </a:ext>
+                </a:extLst>
               </a:tr>
               <a:tr h="684212">
                 <a:tc>
@@ -4489,7 +4685,7 @@
                       </a:r>
                     </a:p>
                   </a:txBody>
-                  <a:tcPr marL="50800" marR="50800" marT="50800" marB="50800" anchor="ctr" anchorCtr="0" horzOverflow="overflow">
+                  <a:tcPr marL="50800" marR="50800" marT="50800" marB="50800" anchor="ctr" horzOverflow="overflow">
                     <a:lnL w="12700">
                       <a:miter lim="400000"/>
                     </a:lnL>
@@ -4518,7 +4714,7 @@
                       </a:r>
                     </a:p>
                   </a:txBody>
-                  <a:tcPr marL="50800" marR="50800" marT="50800" marB="50800" anchor="ctr" anchorCtr="0" horzOverflow="overflow"/>
+                  <a:tcPr marL="50800" marR="50800" marT="50800" marB="50800" anchor="ctr" horzOverflow="overflow"/>
                 </a:tc>
                 <a:tc>
                   <a:txBody>
@@ -4543,7 +4739,7 @@
                       </a:r>
                     </a:p>
                   </a:txBody>
-                  <a:tcPr marL="50800" marR="50800" marT="50800" marB="50800" anchor="ctr" anchorCtr="0" horzOverflow="overflow"/>
+                  <a:tcPr marL="50800" marR="50800" marT="50800" marB="50800" anchor="ctr" horzOverflow="overflow"/>
                 </a:tc>
                 <a:tc>
                   <a:txBody>
@@ -4568,12 +4764,17 @@
                       </a:r>
                     </a:p>
                   </a:txBody>
-                  <a:tcPr marL="50800" marR="50800" marT="50800" marB="50800" anchor="ctr" anchorCtr="0" horzOverflow="overflow">
+                  <a:tcPr marL="50800" marR="50800" marT="50800" marB="50800" anchor="ctr" horzOverflow="overflow">
                     <a:lnR w="12700">
                       <a:miter lim="400000"/>
                     </a:lnR>
                   </a:tcPr>
                 </a:tc>
+                <a:extLst>
+                  <a:ext uri="{0D108BD9-81ED-4DB2-BD59-A6C34878D82A}">
+                    <a16:rowId xmlns:a16="http://schemas.microsoft.com/office/drawing/2014/main" val="10002"/>
+                  </a:ext>
+                </a:extLst>
               </a:tr>
               <a:tr h="684212">
                 <a:tc>
@@ -4599,7 +4800,7 @@
                       </a:r>
                     </a:p>
                   </a:txBody>
-                  <a:tcPr marL="50800" marR="50800" marT="50800" marB="50800" anchor="ctr" anchorCtr="0" horzOverflow="overflow">
+                  <a:tcPr marL="50800" marR="50800" marT="50800" marB="50800" anchor="ctr" horzOverflow="overflow">
                     <a:lnL w="12700">
                       <a:miter lim="400000"/>
                     </a:lnL>
@@ -4628,7 +4829,7 @@
                       </a:r>
                     </a:p>
                   </a:txBody>
-                  <a:tcPr marL="50800" marR="50800" marT="50800" marB="50800" anchor="ctr" anchorCtr="0" horzOverflow="overflow"/>
+                  <a:tcPr marL="50800" marR="50800" marT="50800" marB="50800" anchor="ctr" horzOverflow="overflow"/>
                 </a:tc>
                 <a:tc>
                   <a:txBody>
@@ -4653,7 +4854,7 @@
                       </a:r>
                     </a:p>
                   </a:txBody>
-                  <a:tcPr marL="50800" marR="50800" marT="50800" marB="50800" anchor="ctr" anchorCtr="0" horzOverflow="overflow"/>
+                  <a:tcPr marL="50800" marR="50800" marT="50800" marB="50800" anchor="ctr" horzOverflow="overflow"/>
                 </a:tc>
                 <a:tc>
                   <a:txBody>
@@ -4678,12 +4879,17 @@
                       </a:r>
                     </a:p>
                   </a:txBody>
-                  <a:tcPr marL="50800" marR="50800" marT="50800" marB="50800" anchor="ctr" anchorCtr="0" horzOverflow="overflow">
+                  <a:tcPr marL="50800" marR="50800" marT="50800" marB="50800" anchor="ctr" horzOverflow="overflow">
                     <a:lnR w="12700">
                       <a:miter lim="400000"/>
                     </a:lnR>
                   </a:tcPr>
                 </a:tc>
+                <a:extLst>
+                  <a:ext uri="{0D108BD9-81ED-4DB2-BD59-A6C34878D82A}">
+                    <a16:rowId xmlns:a16="http://schemas.microsoft.com/office/drawing/2014/main" val="10003"/>
+                  </a:ext>
+                </a:extLst>
               </a:tr>
               <a:tr h="684212">
                 <a:tc>
@@ -4709,7 +4915,7 @@
                       </a:r>
                     </a:p>
                   </a:txBody>
-                  <a:tcPr marL="50800" marR="50800" marT="50800" marB="50800" anchor="ctr" anchorCtr="0" horzOverflow="overflow">
+                  <a:tcPr marL="50800" marR="50800" marT="50800" marB="50800" anchor="ctr" horzOverflow="overflow">
                     <a:lnL w="12700">
                       <a:miter lim="400000"/>
                     </a:lnL>
@@ -4738,7 +4944,7 @@
                       </a:r>
                     </a:p>
                   </a:txBody>
-                  <a:tcPr marL="50800" marR="50800" marT="50800" marB="50800" anchor="ctr" anchorCtr="0" horzOverflow="overflow"/>
+                  <a:tcPr marL="50800" marR="50800" marT="50800" marB="50800" anchor="ctr" horzOverflow="overflow"/>
                 </a:tc>
                 <a:tc>
                   <a:txBody>
@@ -4763,7 +4969,7 @@
                       </a:r>
                     </a:p>
                   </a:txBody>
-                  <a:tcPr marL="50800" marR="50800" marT="50800" marB="50800" anchor="ctr" anchorCtr="0" horzOverflow="overflow"/>
+                  <a:tcPr marL="50800" marR="50800" marT="50800" marB="50800" anchor="ctr" horzOverflow="overflow"/>
                 </a:tc>
                 <a:tc>
                   <a:txBody>
@@ -4788,12 +4994,17 @@
                       </a:r>
                     </a:p>
                   </a:txBody>
-                  <a:tcPr marL="50800" marR="50800" marT="50800" marB="50800" anchor="ctr" anchorCtr="0" horzOverflow="overflow">
+                  <a:tcPr marL="50800" marR="50800" marT="50800" marB="50800" anchor="ctr" horzOverflow="overflow">
                     <a:lnR w="12700">
                       <a:miter lim="400000"/>
                     </a:lnR>
                   </a:tcPr>
                 </a:tc>
+                <a:extLst>
+                  <a:ext uri="{0D108BD9-81ED-4DB2-BD59-A6C34878D82A}">
+                    <a16:rowId xmlns:a16="http://schemas.microsoft.com/office/drawing/2014/main" val="10004"/>
+                  </a:ext>
+                </a:extLst>
               </a:tr>
               <a:tr h="684212">
                 <a:tc>
@@ -4819,7 +5030,7 @@
                       </a:r>
                     </a:p>
                   </a:txBody>
-                  <a:tcPr marL="50800" marR="50800" marT="50800" marB="50800" anchor="ctr" anchorCtr="0" horzOverflow="overflow">
+                  <a:tcPr marL="50800" marR="50800" marT="50800" marB="50800" anchor="ctr" horzOverflow="overflow">
                     <a:lnL w="12700">
                       <a:miter lim="400000"/>
                     </a:lnL>
@@ -4848,7 +5059,7 @@
                       </a:r>
                     </a:p>
                   </a:txBody>
-                  <a:tcPr marL="50800" marR="50800" marT="50800" marB="50800" anchor="ctr" anchorCtr="0" horzOverflow="overflow"/>
+                  <a:tcPr marL="50800" marR="50800" marT="50800" marB="50800" anchor="ctr" horzOverflow="overflow"/>
                 </a:tc>
                 <a:tc>
                   <a:txBody>
@@ -4873,7 +5084,7 @@
                       </a:r>
                     </a:p>
                   </a:txBody>
-                  <a:tcPr marL="50800" marR="50800" marT="50800" marB="50800" anchor="ctr" anchorCtr="0" horzOverflow="overflow"/>
+                  <a:tcPr marL="50800" marR="50800" marT="50800" marB="50800" anchor="ctr" horzOverflow="overflow"/>
                 </a:tc>
                 <a:tc>
                   <a:txBody>
@@ -4898,12 +5109,17 @@
                       </a:r>
                     </a:p>
                   </a:txBody>
-                  <a:tcPr marL="50800" marR="50800" marT="50800" marB="50800" anchor="ctr" anchorCtr="0" horzOverflow="overflow">
+                  <a:tcPr marL="50800" marR="50800" marT="50800" marB="50800" anchor="ctr" horzOverflow="overflow">
                     <a:lnR w="12700">
                       <a:miter lim="400000"/>
                     </a:lnR>
                   </a:tcPr>
                 </a:tc>
+                <a:extLst>
+                  <a:ext uri="{0D108BD9-81ED-4DB2-BD59-A6C34878D82A}">
+                    <a16:rowId xmlns:a16="http://schemas.microsoft.com/office/drawing/2014/main" val="10005"/>
+                  </a:ext>
+                </a:extLst>
               </a:tr>
               <a:tr h="684212">
                 <a:tc>
@@ -4929,7 +5145,7 @@
                       </a:r>
                     </a:p>
                   </a:txBody>
-                  <a:tcPr marL="50800" marR="50800" marT="50800" marB="50800" anchor="ctr" anchorCtr="0" horzOverflow="overflow">
+                  <a:tcPr marL="50800" marR="50800" marT="50800" marB="50800" anchor="ctr" horzOverflow="overflow">
                     <a:lnL w="12700">
                       <a:miter lim="400000"/>
                     </a:lnL>
@@ -4958,7 +5174,7 @@
                       </a:r>
                     </a:p>
                   </a:txBody>
-                  <a:tcPr marL="50800" marR="50800" marT="50800" marB="50800" anchor="ctr" anchorCtr="0" horzOverflow="overflow"/>
+                  <a:tcPr marL="50800" marR="50800" marT="50800" marB="50800" anchor="ctr" horzOverflow="overflow"/>
                 </a:tc>
                 <a:tc>
                   <a:txBody>
@@ -4983,7 +5199,7 @@
                       </a:r>
                     </a:p>
                   </a:txBody>
-                  <a:tcPr marL="50800" marR="50800" marT="50800" marB="50800" anchor="ctr" anchorCtr="0" horzOverflow="overflow"/>
+                  <a:tcPr marL="50800" marR="50800" marT="50800" marB="50800" anchor="ctr" horzOverflow="overflow"/>
                 </a:tc>
                 <a:tc>
                   <a:txBody>
@@ -5008,12 +5224,17 @@
                       </a:r>
                     </a:p>
                   </a:txBody>
-                  <a:tcPr marL="50800" marR="50800" marT="50800" marB="50800" anchor="ctr" anchorCtr="0" horzOverflow="overflow">
+                  <a:tcPr marL="50800" marR="50800" marT="50800" marB="50800" anchor="ctr" horzOverflow="overflow">
                     <a:lnR w="12700">
                       <a:miter lim="400000"/>
                     </a:lnR>
                   </a:tcPr>
                 </a:tc>
+                <a:extLst>
+                  <a:ext uri="{0D108BD9-81ED-4DB2-BD59-A6C34878D82A}">
+                    <a16:rowId xmlns:a16="http://schemas.microsoft.com/office/drawing/2014/main" val="10006"/>
+                  </a:ext>
+                </a:extLst>
               </a:tr>
               <a:tr h="684212">
                 <a:tc>
@@ -5043,7 +5264,7 @@
                       </a:r>
                     </a:p>
                   </a:txBody>
-                  <a:tcPr marL="50800" marR="50800" marT="50800" marB="50800" anchor="ctr" anchorCtr="0" horzOverflow="overflow">
+                  <a:tcPr marL="50800" marR="50800" marT="50800" marB="50800" anchor="ctr" horzOverflow="overflow">
                     <a:lnL w="12700">
                       <a:miter lim="400000"/>
                     </a:lnL>
@@ -5079,7 +5300,7 @@
                       </a:r>
                     </a:p>
                   </a:txBody>
-                  <a:tcPr marL="50800" marR="50800" marT="50800" marB="50800" anchor="ctr" anchorCtr="0" horzOverflow="overflow">
+                  <a:tcPr marL="50800" marR="50800" marT="50800" marB="50800" anchor="ctr" horzOverflow="overflow">
                     <a:lnB w="12700">
                       <a:miter lim="400000"/>
                     </a:lnB>
@@ -5112,7 +5333,7 @@
                       </a:r>
                     </a:p>
                   </a:txBody>
-                  <a:tcPr marL="50800" marR="50800" marT="50800" marB="50800" anchor="ctr" anchorCtr="0" horzOverflow="overflow">
+                  <a:tcPr marL="50800" marR="50800" marT="50800" marB="50800" anchor="ctr" horzOverflow="overflow">
                     <a:lnB w="12700">
                       <a:miter lim="400000"/>
                     </a:lnB>
@@ -5145,7 +5366,7 @@
                       </a:r>
                     </a:p>
                   </a:txBody>
-                  <a:tcPr marL="50800" marR="50800" marT="50800" marB="50800" anchor="ctr" anchorCtr="0" horzOverflow="overflow">
+                  <a:tcPr marL="50800" marR="50800" marT="50800" marB="50800" anchor="ctr" horzOverflow="overflow">
                     <a:lnR w="12700">
                       <a:miter lim="400000"/>
                     </a:lnR>
@@ -5154,6 +5375,11 @@
                     </a:lnB>
                   </a:tcPr>
                 </a:tc>
+                <a:extLst>
+                  <a:ext uri="{0D108BD9-81ED-4DB2-BD59-A6C34878D82A}">
+                    <a16:rowId xmlns:a16="http://schemas.microsoft.com/office/drawing/2014/main" val="10007"/>
+                  </a:ext>
+                </a:extLst>
               </a:tr>
             </a:tbl>
           </a:graphicData>
@@ -5207,7 +5433,7 @@
           </a:ln>
           <a:extLst>
             <a:ext uri="{C572A759-6A51-4108-AA02-DFA0A04FC94B}">
-              <ma14:wrappingTextBoxFlag xmlns:ma14="http://schemas.microsoft.com/office/mac/drawingml/2011/main" val="1"/>
+              <ma14:wrappingTextBoxFlag xmlns:ma14="http://schemas.microsoft.com/office/mac/drawingml/2011/main" xmlns="" val="1"/>
             </a:ext>
           </a:extLst>
         </p:spPr>
@@ -5217,7 +5443,6 @@
           </a:bodyPr>
           <a:lstStyle/>
           <a:p>
-            <a:pPr/>
             <a:r>
               <a:t>10</a:t>
             </a:r>
@@ -5243,7 +5468,7 @@
           </a:ln>
           <a:extLst>
             <a:ext uri="{C572A759-6A51-4108-AA02-DFA0A04FC94B}">
-              <ma14:wrappingTextBoxFlag xmlns:ma14="http://schemas.microsoft.com/office/mac/drawingml/2011/main" val="1"/>
+              <ma14:wrappingTextBoxFlag xmlns:ma14="http://schemas.microsoft.com/office/mac/drawingml/2011/main" xmlns="" val="1"/>
             </a:ext>
           </a:extLst>
         </p:spPr>
@@ -5253,7 +5478,6 @@
           </a:bodyPr>
           <a:lstStyle/>
           <a:p>
-            <a:pPr/>
             <a:r>
               <a:t>10</a:t>
             </a:r>
@@ -5265,20 +5489,25 @@
   <p:clrMapOvr>
     <a:masterClrMapping/>
   </p:clrMapOvr>
-  <p:transition xmlns:p14="http://schemas.microsoft.com/office/powerpoint/2010/main" spd="med" advClick="1"/>
+  <p:transition spd="med"/>
 </p:sld>
 </file>
 
 <file path=ppt/slides/slide11.xml><?xml version="1.0" encoding="utf-8"?>
-<p:sld xmlns:a="http://schemas.openxmlformats.org/drawingml/2006/main" xmlns:r="http://schemas.openxmlformats.org/officeDocument/2006/relationships" xmlns:p="http://schemas.openxmlformats.org/presentationml/2006/main" showMasterSp="1" showMasterPhAnim="1">
+<p:sld xmlns:a="http://schemas.openxmlformats.org/drawingml/2006/main" xmlns:r="http://schemas.openxmlformats.org/officeDocument/2006/relationships" xmlns:p="http://schemas.openxmlformats.org/presentationml/2006/main">
   <p:cSld>
     <p:bg>
       <p:bgPr>
-        <a:blipFill rotWithShape="1">
-          <a:blip r:embed="rId2"/>
-          <a:srcRect l="0" t="0" r="0" b="0"/>
-          <a:tile tx="0" ty="0" sx="100000" sy="100000" flip="none" algn="tl"/>
+        <a:blipFill dpi="0" rotWithShape="1">
+          <a:blip r:embed="rId2">
+            <a:lum/>
+          </a:blip>
+          <a:srcRect/>
+          <a:stretch>
+            <a:fillRect/>
+          </a:stretch>
         </a:blipFill>
+        <a:effectLst/>
       </p:bgPr>
     </p:bg>
     <p:spTree>
@@ -5298,7 +5527,9 @@
       <p:sp>
         <p:nvSpPr>
           <p:cNvPr id="162" name="Initial Results…"/>
-          <p:cNvSpPr txBox="1"/>
+          <p:cNvSpPr txBox="1">
+            <a:spLocks noGrp="1"/>
+          </p:cNvSpPr>
           <p:nvPr>
             <p:ph type="title"/>
           </p:nvPr>
@@ -5312,7 +5543,6 @@
           <a:bodyPr/>
           <a:lstStyle/>
           <a:p>
-            <a:pPr/>
             <a:r>
               <a:t>Initial Results</a:t>
             </a:r>
@@ -5343,19 +5573,43 @@
         </p:nvGraphicFramePr>
         <p:xfrm>
           <a:off x="520700" y="2647950"/>
-          <a:ext cx="5252046" cy="5473700"/>
+          <a:ext cx="5252044" cy="5500684"/>
         </p:xfrm>
-        <a:graphic xmlns:a="http://schemas.openxmlformats.org/drawingml/2006/main">
+        <a:graphic>
           <a:graphicData uri="http://schemas.openxmlformats.org/drawingml/2006/table">
             <a:tbl>
-              <a:tblPr firstCol="0" firstRow="0" lastCol="0" lastRow="0" bandCol="0" bandRow="0" rtl="0">
+              <a:tblPr>
                 <a:tableStyleId>{33BA23B1-9221-436E-865A-0063620EA4FD}</a:tableStyleId>
               </a:tblPr>
               <a:tblGrid>
-                <a:gridCol w="1313011"/>
-                <a:gridCol w="1313011"/>
-                <a:gridCol w="1313011"/>
-                <a:gridCol w="1313011"/>
+                <a:gridCol w="1313011">
+                  <a:extLst>
+                    <a:ext uri="{9D8B030D-6E8A-4147-A177-3AD203B41FA5}">
+                      <a16:colId xmlns:a16="http://schemas.microsoft.com/office/drawing/2014/main" val="20000"/>
+                    </a:ext>
+                  </a:extLst>
+                </a:gridCol>
+                <a:gridCol w="1313011">
+                  <a:extLst>
+                    <a:ext uri="{9D8B030D-6E8A-4147-A177-3AD203B41FA5}">
+                      <a16:colId xmlns:a16="http://schemas.microsoft.com/office/drawing/2014/main" val="20001"/>
+                    </a:ext>
+                  </a:extLst>
+                </a:gridCol>
+                <a:gridCol w="1313011">
+                  <a:extLst>
+                    <a:ext uri="{9D8B030D-6E8A-4147-A177-3AD203B41FA5}">
+                      <a16:colId xmlns:a16="http://schemas.microsoft.com/office/drawing/2014/main" val="20002"/>
+                    </a:ext>
+                  </a:extLst>
+                </a:gridCol>
+                <a:gridCol w="1313011">
+                  <a:extLst>
+                    <a:ext uri="{9D8B030D-6E8A-4147-A177-3AD203B41FA5}">
+                      <a16:colId xmlns:a16="http://schemas.microsoft.com/office/drawing/2014/main" val="20003"/>
+                    </a:ext>
+                  </a:extLst>
+                </a:gridCol>
               </a:tblGrid>
               <a:tr h="684212">
                 <a:tc>
@@ -5371,7 +5625,7 @@
                         </a:defRPr>
                       </a:pPr>
                       <a:r>
-                        <a:rPr b="1" sz="2000">
+                        <a:rPr sz="2000" b="1">
                           <a:solidFill>
                             <a:srgbClr val="FFFFFF"/>
                           </a:solidFill>
@@ -5381,7 +5635,7 @@
                       </a:r>
                     </a:p>
                   </a:txBody>
-                  <a:tcPr marL="50800" marR="50800" marT="50800" marB="50800" anchor="ctr" anchorCtr="0" horzOverflow="overflow">
+                  <a:tcPr marL="50800" marR="50800" marT="50800" marB="50800" anchor="ctr" horzOverflow="overflow">
                     <a:lnL w="12700">
                       <a:miter lim="400000"/>
                     </a:lnL>
@@ -5403,7 +5657,7 @@
                         </a:defRPr>
                       </a:pPr>
                       <a:r>
-                        <a:rPr b="1" sz="2000">
+                        <a:rPr sz="2000" b="1">
                           <a:solidFill>
                             <a:srgbClr val="FFFFFF"/>
                           </a:solidFill>
@@ -5413,7 +5667,7 @@
                       </a:r>
                     </a:p>
                   </a:txBody>
-                  <a:tcPr marL="50800" marR="50800" marT="50800" marB="50800" anchor="ctr" anchorCtr="0" horzOverflow="overflow">
+                  <a:tcPr marL="50800" marR="50800" marT="50800" marB="50800" anchor="ctr" horzOverflow="overflow">
                     <a:lnT w="12700">
                       <a:miter lim="400000"/>
                     </a:lnT>
@@ -5432,7 +5686,7 @@
                         </a:defRPr>
                       </a:pPr>
                       <a:r>
-                        <a:rPr b="1" sz="2000">
+                        <a:rPr sz="2000" b="1">
                           <a:solidFill>
                             <a:srgbClr val="FFFFFF"/>
                           </a:solidFill>
@@ -5442,7 +5696,7 @@
                       </a:r>
                     </a:p>
                   </a:txBody>
-                  <a:tcPr marL="50800" marR="50800" marT="50800" marB="50800" anchor="ctr" anchorCtr="0" horzOverflow="overflow">
+                  <a:tcPr marL="50800" marR="50800" marT="50800" marB="50800" anchor="ctr" horzOverflow="overflow">
                     <a:lnT w="12700">
                       <a:miter lim="400000"/>
                     </a:lnT>
@@ -5461,7 +5715,7 @@
                         </a:defRPr>
                       </a:pPr>
                       <a:r>
-                        <a:rPr b="1" sz="2000">
+                        <a:rPr sz="2000" b="1">
                           <a:solidFill>
                             <a:srgbClr val="FFFFFF"/>
                           </a:solidFill>
@@ -5471,7 +5725,7 @@
                       </a:r>
                     </a:p>
                   </a:txBody>
-                  <a:tcPr marL="50800" marR="50800" marT="50800" marB="50800" anchor="ctr" anchorCtr="0" horzOverflow="overflow">
+                  <a:tcPr marL="50800" marR="50800" marT="50800" marB="50800" anchor="ctr" horzOverflow="overflow">
                     <a:lnR w="12700">
                       <a:miter lim="400000"/>
                     </a:lnR>
@@ -5480,6 +5734,11 @@
                     </a:lnT>
                   </a:tcPr>
                 </a:tc>
+                <a:extLst>
+                  <a:ext uri="{0D108BD9-81ED-4DB2-BD59-A6C34878D82A}">
+                    <a16:rowId xmlns:a16="http://schemas.microsoft.com/office/drawing/2014/main" val="10000"/>
+                  </a:ext>
+                </a:extLst>
               </a:tr>
               <a:tr h="684212">
                 <a:tc>
@@ -5505,7 +5764,7 @@
                       </a:r>
                     </a:p>
                   </a:txBody>
-                  <a:tcPr marL="50800" marR="50800" marT="50800" marB="50800" anchor="ctr" anchorCtr="0" horzOverflow="overflow">
+                  <a:tcPr marL="50800" marR="50800" marT="50800" marB="50800" anchor="ctr" horzOverflow="overflow">
                     <a:lnL w="12700">
                       <a:miter lim="400000"/>
                     </a:lnL>
@@ -5534,7 +5793,7 @@
                       </a:r>
                     </a:p>
                   </a:txBody>
-                  <a:tcPr marL="50800" marR="50800" marT="50800" marB="50800" anchor="ctr" anchorCtr="0" horzOverflow="overflow"/>
+                  <a:tcPr marL="50800" marR="50800" marT="50800" marB="50800" anchor="ctr" horzOverflow="overflow"/>
                 </a:tc>
                 <a:tc>
                   <a:txBody>
@@ -5559,7 +5818,7 @@
                       </a:r>
                     </a:p>
                   </a:txBody>
-                  <a:tcPr marL="50800" marR="50800" marT="50800" marB="50800" anchor="ctr" anchorCtr="0" horzOverflow="overflow"/>
+                  <a:tcPr marL="50800" marR="50800" marT="50800" marB="50800" anchor="ctr" horzOverflow="overflow"/>
                 </a:tc>
                 <a:tc>
                   <a:txBody>
@@ -5584,12 +5843,17 @@
                       </a:r>
                     </a:p>
                   </a:txBody>
-                  <a:tcPr marL="50800" marR="50800" marT="50800" marB="50800" anchor="ctr" anchorCtr="0" horzOverflow="overflow">
+                  <a:tcPr marL="50800" marR="50800" marT="50800" marB="50800" anchor="ctr" horzOverflow="overflow">
                     <a:lnR w="12700">
                       <a:miter lim="400000"/>
                     </a:lnR>
                   </a:tcPr>
                 </a:tc>
+                <a:extLst>
+                  <a:ext uri="{0D108BD9-81ED-4DB2-BD59-A6C34878D82A}">
+                    <a16:rowId xmlns:a16="http://schemas.microsoft.com/office/drawing/2014/main" val="10001"/>
+                  </a:ext>
+                </a:extLst>
               </a:tr>
               <a:tr h="684212">
                 <a:tc>
@@ -5615,7 +5879,7 @@
                       </a:r>
                     </a:p>
                   </a:txBody>
-                  <a:tcPr marL="50800" marR="50800" marT="50800" marB="50800" anchor="ctr" anchorCtr="0" horzOverflow="overflow">
+                  <a:tcPr marL="50800" marR="50800" marT="50800" marB="50800" anchor="ctr" horzOverflow="overflow">
                     <a:lnL w="12700">
                       <a:miter lim="400000"/>
                     </a:lnL>
@@ -5644,7 +5908,7 @@
                       </a:r>
                     </a:p>
                   </a:txBody>
-                  <a:tcPr marL="50800" marR="50800" marT="50800" marB="50800" anchor="ctr" anchorCtr="0" horzOverflow="overflow"/>
+                  <a:tcPr marL="50800" marR="50800" marT="50800" marB="50800" anchor="ctr" horzOverflow="overflow"/>
                 </a:tc>
                 <a:tc>
                   <a:txBody>
@@ -5669,7 +5933,7 @@
                       </a:r>
                     </a:p>
                   </a:txBody>
-                  <a:tcPr marL="50800" marR="50800" marT="50800" marB="50800" anchor="ctr" anchorCtr="0" horzOverflow="overflow"/>
+                  <a:tcPr marL="50800" marR="50800" marT="50800" marB="50800" anchor="ctr" horzOverflow="overflow"/>
                 </a:tc>
                 <a:tc>
                   <a:txBody>
@@ -5694,12 +5958,17 @@
                       </a:r>
                     </a:p>
                   </a:txBody>
-                  <a:tcPr marL="50800" marR="50800" marT="50800" marB="50800" anchor="ctr" anchorCtr="0" horzOverflow="overflow">
+                  <a:tcPr marL="50800" marR="50800" marT="50800" marB="50800" anchor="ctr" horzOverflow="overflow">
                     <a:lnR w="12700">
                       <a:miter lim="400000"/>
                     </a:lnR>
                   </a:tcPr>
                 </a:tc>
+                <a:extLst>
+                  <a:ext uri="{0D108BD9-81ED-4DB2-BD59-A6C34878D82A}">
+                    <a16:rowId xmlns:a16="http://schemas.microsoft.com/office/drawing/2014/main" val="10002"/>
+                  </a:ext>
+                </a:extLst>
               </a:tr>
               <a:tr h="684212">
                 <a:tc>
@@ -5725,7 +5994,7 @@
                       </a:r>
                     </a:p>
                   </a:txBody>
-                  <a:tcPr marL="50800" marR="50800" marT="50800" marB="50800" anchor="ctr" anchorCtr="0" horzOverflow="overflow">
+                  <a:tcPr marL="50800" marR="50800" marT="50800" marB="50800" anchor="ctr" horzOverflow="overflow">
                     <a:lnL w="12700">
                       <a:miter lim="400000"/>
                     </a:lnL>
@@ -5754,7 +6023,7 @@
                       </a:r>
                     </a:p>
                   </a:txBody>
-                  <a:tcPr marL="50800" marR="50800" marT="50800" marB="50800" anchor="ctr" anchorCtr="0" horzOverflow="overflow"/>
+                  <a:tcPr marL="50800" marR="50800" marT="50800" marB="50800" anchor="ctr" horzOverflow="overflow"/>
                 </a:tc>
                 <a:tc>
                   <a:txBody>
@@ -5779,7 +6048,7 @@
                       </a:r>
                     </a:p>
                   </a:txBody>
-                  <a:tcPr marL="50800" marR="50800" marT="50800" marB="50800" anchor="ctr" anchorCtr="0" horzOverflow="overflow"/>
+                  <a:tcPr marL="50800" marR="50800" marT="50800" marB="50800" anchor="ctr" horzOverflow="overflow"/>
                 </a:tc>
                 <a:tc>
                   <a:txBody>
@@ -5804,12 +6073,17 @@
                       </a:r>
                     </a:p>
                   </a:txBody>
-                  <a:tcPr marL="50800" marR="50800" marT="50800" marB="50800" anchor="ctr" anchorCtr="0" horzOverflow="overflow">
+                  <a:tcPr marL="50800" marR="50800" marT="50800" marB="50800" anchor="ctr" horzOverflow="overflow">
                     <a:lnR w="12700">
                       <a:miter lim="400000"/>
                     </a:lnR>
                   </a:tcPr>
                 </a:tc>
+                <a:extLst>
+                  <a:ext uri="{0D108BD9-81ED-4DB2-BD59-A6C34878D82A}">
+                    <a16:rowId xmlns:a16="http://schemas.microsoft.com/office/drawing/2014/main" val="10003"/>
+                  </a:ext>
+                </a:extLst>
               </a:tr>
               <a:tr h="684212">
                 <a:tc>
@@ -5835,7 +6109,7 @@
                       </a:r>
                     </a:p>
                   </a:txBody>
-                  <a:tcPr marL="50800" marR="50800" marT="50800" marB="50800" anchor="ctr" anchorCtr="0" horzOverflow="overflow">
+                  <a:tcPr marL="50800" marR="50800" marT="50800" marB="50800" anchor="ctr" horzOverflow="overflow">
                     <a:lnL w="12700">
                       <a:miter lim="400000"/>
                     </a:lnL>
@@ -5864,7 +6138,7 @@
                       </a:r>
                     </a:p>
                   </a:txBody>
-                  <a:tcPr marL="50800" marR="50800" marT="50800" marB="50800" anchor="ctr" anchorCtr="0" horzOverflow="overflow"/>
+                  <a:tcPr marL="50800" marR="50800" marT="50800" marB="50800" anchor="ctr" horzOverflow="overflow"/>
                 </a:tc>
                 <a:tc>
                   <a:txBody>
@@ -5889,7 +6163,7 @@
                       </a:r>
                     </a:p>
                   </a:txBody>
-                  <a:tcPr marL="50800" marR="50800" marT="50800" marB="50800" anchor="ctr" anchorCtr="0" horzOverflow="overflow"/>
+                  <a:tcPr marL="50800" marR="50800" marT="50800" marB="50800" anchor="ctr" horzOverflow="overflow"/>
                 </a:tc>
                 <a:tc>
                   <a:txBody>
@@ -5914,12 +6188,17 @@
                       </a:r>
                     </a:p>
                   </a:txBody>
-                  <a:tcPr marL="50800" marR="50800" marT="50800" marB="50800" anchor="ctr" anchorCtr="0" horzOverflow="overflow">
+                  <a:tcPr marL="50800" marR="50800" marT="50800" marB="50800" anchor="ctr" horzOverflow="overflow">
                     <a:lnR w="12700">
                       <a:miter lim="400000"/>
                     </a:lnR>
                   </a:tcPr>
                 </a:tc>
+                <a:extLst>
+                  <a:ext uri="{0D108BD9-81ED-4DB2-BD59-A6C34878D82A}">
+                    <a16:rowId xmlns:a16="http://schemas.microsoft.com/office/drawing/2014/main" val="10004"/>
+                  </a:ext>
+                </a:extLst>
               </a:tr>
               <a:tr h="684212">
                 <a:tc>
@@ -5945,7 +6224,7 @@
                       </a:r>
                     </a:p>
                   </a:txBody>
-                  <a:tcPr marL="50800" marR="50800" marT="50800" marB="50800" anchor="ctr" anchorCtr="0" horzOverflow="overflow">
+                  <a:tcPr marL="50800" marR="50800" marT="50800" marB="50800" anchor="ctr" horzOverflow="overflow">
                     <a:lnL w="12700">
                       <a:miter lim="400000"/>
                     </a:lnL>
@@ -5974,7 +6253,7 @@
                       </a:r>
                     </a:p>
                   </a:txBody>
-                  <a:tcPr marL="50800" marR="50800" marT="50800" marB="50800" anchor="ctr" anchorCtr="0" horzOverflow="overflow"/>
+                  <a:tcPr marL="50800" marR="50800" marT="50800" marB="50800" anchor="ctr" horzOverflow="overflow"/>
                 </a:tc>
                 <a:tc>
                   <a:txBody>
@@ -5999,7 +6278,7 @@
                       </a:r>
                     </a:p>
                   </a:txBody>
-                  <a:tcPr marL="50800" marR="50800" marT="50800" marB="50800" anchor="ctr" anchorCtr="0" horzOverflow="overflow"/>
+                  <a:tcPr marL="50800" marR="50800" marT="50800" marB="50800" anchor="ctr" horzOverflow="overflow"/>
                 </a:tc>
                 <a:tc>
                   <a:txBody>
@@ -6024,12 +6303,17 @@
                       </a:r>
                     </a:p>
                   </a:txBody>
-                  <a:tcPr marL="50800" marR="50800" marT="50800" marB="50800" anchor="ctr" anchorCtr="0" horzOverflow="overflow">
+                  <a:tcPr marL="50800" marR="50800" marT="50800" marB="50800" anchor="ctr" horzOverflow="overflow">
                     <a:lnR w="12700">
                       <a:miter lim="400000"/>
                     </a:lnR>
                   </a:tcPr>
                 </a:tc>
+                <a:extLst>
+                  <a:ext uri="{0D108BD9-81ED-4DB2-BD59-A6C34878D82A}">
+                    <a16:rowId xmlns:a16="http://schemas.microsoft.com/office/drawing/2014/main" val="10005"/>
+                  </a:ext>
+                </a:extLst>
               </a:tr>
               <a:tr h="684212">
                 <a:tc>
@@ -6055,7 +6339,7 @@
                       </a:r>
                     </a:p>
                   </a:txBody>
-                  <a:tcPr marL="50800" marR="50800" marT="50800" marB="50800" anchor="ctr" anchorCtr="0" horzOverflow="overflow">
+                  <a:tcPr marL="50800" marR="50800" marT="50800" marB="50800" anchor="ctr" horzOverflow="overflow">
                     <a:lnL w="12700">
                       <a:miter lim="400000"/>
                     </a:lnL>
@@ -6084,7 +6368,7 @@
                       </a:r>
                     </a:p>
                   </a:txBody>
-                  <a:tcPr marL="50800" marR="50800" marT="50800" marB="50800" anchor="ctr" anchorCtr="0" horzOverflow="overflow"/>
+                  <a:tcPr marL="50800" marR="50800" marT="50800" marB="50800" anchor="ctr" horzOverflow="overflow"/>
                 </a:tc>
                 <a:tc>
                   <a:txBody>
@@ -6109,7 +6393,7 @@
                       </a:r>
                     </a:p>
                   </a:txBody>
-                  <a:tcPr marL="50800" marR="50800" marT="50800" marB="50800" anchor="ctr" anchorCtr="0" horzOverflow="overflow"/>
+                  <a:tcPr marL="50800" marR="50800" marT="50800" marB="50800" anchor="ctr" horzOverflow="overflow"/>
                 </a:tc>
                 <a:tc>
                   <a:txBody>
@@ -6134,12 +6418,17 @@
                       </a:r>
                     </a:p>
                   </a:txBody>
-                  <a:tcPr marL="50800" marR="50800" marT="50800" marB="50800" anchor="ctr" anchorCtr="0" horzOverflow="overflow">
+                  <a:tcPr marL="50800" marR="50800" marT="50800" marB="50800" anchor="ctr" horzOverflow="overflow">
                     <a:lnR w="12700">
                       <a:miter lim="400000"/>
                     </a:lnR>
                   </a:tcPr>
                 </a:tc>
+                <a:extLst>
+                  <a:ext uri="{0D108BD9-81ED-4DB2-BD59-A6C34878D82A}">
+                    <a16:rowId xmlns:a16="http://schemas.microsoft.com/office/drawing/2014/main" val="10006"/>
+                  </a:ext>
+                </a:extLst>
               </a:tr>
               <a:tr h="684212">
                 <a:tc>
@@ -6169,7 +6458,7 @@
                       </a:r>
                     </a:p>
                   </a:txBody>
-                  <a:tcPr marL="50800" marR="50800" marT="50800" marB="50800" anchor="ctr" anchorCtr="0" horzOverflow="overflow">
+                  <a:tcPr marL="50800" marR="50800" marT="50800" marB="50800" anchor="ctr" horzOverflow="overflow">
                     <a:lnL w="12700">
                       <a:miter lim="400000"/>
                     </a:lnL>
@@ -6205,7 +6494,7 @@
                       </a:r>
                     </a:p>
                   </a:txBody>
-                  <a:tcPr marL="50800" marR="50800" marT="50800" marB="50800" anchor="ctr" anchorCtr="0" horzOverflow="overflow">
+                  <a:tcPr marL="50800" marR="50800" marT="50800" marB="50800" anchor="ctr" horzOverflow="overflow">
                     <a:lnB w="12700">
                       <a:miter lim="400000"/>
                     </a:lnB>
@@ -6238,7 +6527,7 @@
                       </a:r>
                     </a:p>
                   </a:txBody>
-                  <a:tcPr marL="50800" marR="50800" marT="50800" marB="50800" anchor="ctr" anchorCtr="0" horzOverflow="overflow">
+                  <a:tcPr marL="50800" marR="50800" marT="50800" marB="50800" anchor="ctr" horzOverflow="overflow">
                     <a:lnB w="12700">
                       <a:miter lim="400000"/>
                     </a:lnB>
@@ -6271,7 +6560,7 @@
                       </a:r>
                     </a:p>
                   </a:txBody>
-                  <a:tcPr marL="50800" marR="50800" marT="50800" marB="50800" anchor="ctr" anchorCtr="0" horzOverflow="overflow">
+                  <a:tcPr marL="50800" marR="50800" marT="50800" marB="50800" anchor="ctr" horzOverflow="overflow">
                     <a:lnR w="12700">
                       <a:miter lim="400000"/>
                     </a:lnR>
@@ -6280,6 +6569,11 @@
                     </a:lnB>
                   </a:tcPr>
                 </a:tc>
+                <a:extLst>
+                  <a:ext uri="{0D108BD9-81ED-4DB2-BD59-A6C34878D82A}">
+                    <a16:rowId xmlns:a16="http://schemas.microsoft.com/office/drawing/2014/main" val="10007"/>
+                  </a:ext>
+                </a:extLst>
               </a:tr>
             </a:tbl>
           </a:graphicData>
@@ -6322,19 +6616,43 @@
         </p:nvGraphicFramePr>
         <p:xfrm>
           <a:off x="7226300" y="2647950"/>
-          <a:ext cx="5252046" cy="5473700"/>
+          <a:ext cx="5252044" cy="5500684"/>
         </p:xfrm>
-        <a:graphic xmlns:a="http://schemas.openxmlformats.org/drawingml/2006/main">
+        <a:graphic>
           <a:graphicData uri="http://schemas.openxmlformats.org/drawingml/2006/table">
             <a:tbl>
-              <a:tblPr firstCol="0" firstRow="0" lastCol="0" lastRow="0" bandCol="0" bandRow="0" rtl="0">
+              <a:tblPr>
                 <a:tableStyleId>{33BA23B1-9221-436E-865A-0063620EA4FD}</a:tableStyleId>
               </a:tblPr>
               <a:tblGrid>
-                <a:gridCol w="1313011"/>
-                <a:gridCol w="1313011"/>
-                <a:gridCol w="1313011"/>
-                <a:gridCol w="1313011"/>
+                <a:gridCol w="1313011">
+                  <a:extLst>
+                    <a:ext uri="{9D8B030D-6E8A-4147-A177-3AD203B41FA5}">
+                      <a16:colId xmlns:a16="http://schemas.microsoft.com/office/drawing/2014/main" val="20000"/>
+                    </a:ext>
+                  </a:extLst>
+                </a:gridCol>
+                <a:gridCol w="1313011">
+                  <a:extLst>
+                    <a:ext uri="{9D8B030D-6E8A-4147-A177-3AD203B41FA5}">
+                      <a16:colId xmlns:a16="http://schemas.microsoft.com/office/drawing/2014/main" val="20001"/>
+                    </a:ext>
+                  </a:extLst>
+                </a:gridCol>
+                <a:gridCol w="1313011">
+                  <a:extLst>
+                    <a:ext uri="{9D8B030D-6E8A-4147-A177-3AD203B41FA5}">
+                      <a16:colId xmlns:a16="http://schemas.microsoft.com/office/drawing/2014/main" val="20002"/>
+                    </a:ext>
+                  </a:extLst>
+                </a:gridCol>
+                <a:gridCol w="1313011">
+                  <a:extLst>
+                    <a:ext uri="{9D8B030D-6E8A-4147-A177-3AD203B41FA5}">
+                      <a16:colId xmlns:a16="http://schemas.microsoft.com/office/drawing/2014/main" val="20003"/>
+                    </a:ext>
+                  </a:extLst>
+                </a:gridCol>
               </a:tblGrid>
               <a:tr h="684212">
                 <a:tc>
@@ -6350,7 +6668,7 @@
                         </a:defRPr>
                       </a:pPr>
                       <a:r>
-                        <a:rPr b="1" sz="2000">
+                        <a:rPr sz="2000" b="1">
                           <a:solidFill>
                             <a:srgbClr val="FFFFFF"/>
                           </a:solidFill>
@@ -6360,7 +6678,7 @@
                       </a:r>
                     </a:p>
                   </a:txBody>
-                  <a:tcPr marL="50800" marR="50800" marT="50800" marB="50800" anchor="ctr" anchorCtr="0" horzOverflow="overflow">
+                  <a:tcPr marL="50800" marR="50800" marT="50800" marB="50800" anchor="ctr" horzOverflow="overflow">
                     <a:lnL w="12700">
                       <a:miter lim="400000"/>
                     </a:lnL>
@@ -6382,7 +6700,7 @@
                         </a:defRPr>
                       </a:pPr>
                       <a:r>
-                        <a:rPr b="1" sz="2000">
+                        <a:rPr sz="2000" b="1">
                           <a:solidFill>
                             <a:srgbClr val="FFFFFF"/>
                           </a:solidFill>
@@ -6392,7 +6710,7 @@
                       </a:r>
                     </a:p>
                   </a:txBody>
-                  <a:tcPr marL="50800" marR="50800" marT="50800" marB="50800" anchor="ctr" anchorCtr="0" horzOverflow="overflow">
+                  <a:tcPr marL="50800" marR="50800" marT="50800" marB="50800" anchor="ctr" horzOverflow="overflow">
                     <a:lnT w="12700">
                       <a:miter lim="400000"/>
                     </a:lnT>
@@ -6411,7 +6729,7 @@
                         </a:defRPr>
                       </a:pPr>
                       <a:r>
-                        <a:rPr b="1" sz="2000">
+                        <a:rPr sz="2000" b="1">
                           <a:solidFill>
                             <a:srgbClr val="FFFFFF"/>
                           </a:solidFill>
@@ -6421,7 +6739,7 @@
                       </a:r>
                     </a:p>
                   </a:txBody>
-                  <a:tcPr marL="50800" marR="50800" marT="50800" marB="50800" anchor="ctr" anchorCtr="0" horzOverflow="overflow">
+                  <a:tcPr marL="50800" marR="50800" marT="50800" marB="50800" anchor="ctr" horzOverflow="overflow">
                     <a:lnT w="12700">
                       <a:miter lim="400000"/>
                     </a:lnT>
@@ -6440,7 +6758,7 @@
                         </a:defRPr>
                       </a:pPr>
                       <a:r>
-                        <a:rPr b="1" sz="2000">
+                        <a:rPr sz="2000" b="1">
                           <a:solidFill>
                             <a:srgbClr val="FFFFFF"/>
                           </a:solidFill>
@@ -6450,7 +6768,7 @@
                       </a:r>
                     </a:p>
                   </a:txBody>
-                  <a:tcPr marL="50800" marR="50800" marT="50800" marB="50800" anchor="ctr" anchorCtr="0" horzOverflow="overflow">
+                  <a:tcPr marL="50800" marR="50800" marT="50800" marB="50800" anchor="ctr" horzOverflow="overflow">
                     <a:lnR w="12700">
                       <a:miter lim="400000"/>
                     </a:lnR>
@@ -6459,6 +6777,11 @@
                     </a:lnT>
                   </a:tcPr>
                 </a:tc>
+                <a:extLst>
+                  <a:ext uri="{0D108BD9-81ED-4DB2-BD59-A6C34878D82A}">
+                    <a16:rowId xmlns:a16="http://schemas.microsoft.com/office/drawing/2014/main" val="10000"/>
+                  </a:ext>
+                </a:extLst>
               </a:tr>
               <a:tr h="684212">
                 <a:tc>
@@ -6484,7 +6807,7 @@
                       </a:r>
                     </a:p>
                   </a:txBody>
-                  <a:tcPr marL="50800" marR="50800" marT="50800" marB="50800" anchor="ctr" anchorCtr="0" horzOverflow="overflow">
+                  <a:tcPr marL="50800" marR="50800" marT="50800" marB="50800" anchor="ctr" horzOverflow="overflow">
                     <a:lnL w="12700">
                       <a:miter lim="400000"/>
                     </a:lnL>
@@ -6513,7 +6836,7 @@
                       </a:r>
                     </a:p>
                   </a:txBody>
-                  <a:tcPr marL="50800" marR="50800" marT="50800" marB="50800" anchor="ctr" anchorCtr="0" horzOverflow="overflow"/>
+                  <a:tcPr marL="50800" marR="50800" marT="50800" marB="50800" anchor="ctr" horzOverflow="overflow"/>
                 </a:tc>
                 <a:tc>
                   <a:txBody>
@@ -6538,7 +6861,7 @@
                       </a:r>
                     </a:p>
                   </a:txBody>
-                  <a:tcPr marL="50800" marR="50800" marT="50800" marB="50800" anchor="ctr" anchorCtr="0" horzOverflow="overflow"/>
+                  <a:tcPr marL="50800" marR="50800" marT="50800" marB="50800" anchor="ctr" horzOverflow="overflow"/>
                 </a:tc>
                 <a:tc>
                   <a:txBody>
@@ -6563,12 +6886,17 @@
                       </a:r>
                     </a:p>
                   </a:txBody>
-                  <a:tcPr marL="50800" marR="50800" marT="50800" marB="50800" anchor="ctr" anchorCtr="0" horzOverflow="overflow">
+                  <a:tcPr marL="50800" marR="50800" marT="50800" marB="50800" anchor="ctr" horzOverflow="overflow">
                     <a:lnR w="12700">
                       <a:miter lim="400000"/>
                     </a:lnR>
                   </a:tcPr>
                 </a:tc>
+                <a:extLst>
+                  <a:ext uri="{0D108BD9-81ED-4DB2-BD59-A6C34878D82A}">
+                    <a16:rowId xmlns:a16="http://schemas.microsoft.com/office/drawing/2014/main" val="10001"/>
+                  </a:ext>
+                </a:extLst>
               </a:tr>
               <a:tr h="684212">
                 <a:tc>
@@ -6594,7 +6922,7 @@
                       </a:r>
                     </a:p>
                   </a:txBody>
-                  <a:tcPr marL="50800" marR="50800" marT="50800" marB="50800" anchor="ctr" anchorCtr="0" horzOverflow="overflow">
+                  <a:tcPr marL="50800" marR="50800" marT="50800" marB="50800" anchor="ctr" horzOverflow="overflow">
                     <a:lnL w="12700">
                       <a:miter lim="400000"/>
                     </a:lnL>
@@ -6623,7 +6951,7 @@
                       </a:r>
                     </a:p>
                   </a:txBody>
-                  <a:tcPr marL="50800" marR="50800" marT="50800" marB="50800" anchor="ctr" anchorCtr="0" horzOverflow="overflow"/>
+                  <a:tcPr marL="50800" marR="50800" marT="50800" marB="50800" anchor="ctr" horzOverflow="overflow"/>
                 </a:tc>
                 <a:tc>
                   <a:txBody>
@@ -6648,7 +6976,7 @@
                       </a:r>
                     </a:p>
                   </a:txBody>
-                  <a:tcPr marL="50800" marR="50800" marT="50800" marB="50800" anchor="ctr" anchorCtr="0" horzOverflow="overflow"/>
+                  <a:tcPr marL="50800" marR="50800" marT="50800" marB="50800" anchor="ctr" horzOverflow="overflow"/>
                 </a:tc>
                 <a:tc>
                   <a:txBody>
@@ -6673,12 +7001,17 @@
                       </a:r>
                     </a:p>
                   </a:txBody>
-                  <a:tcPr marL="50800" marR="50800" marT="50800" marB="50800" anchor="ctr" anchorCtr="0" horzOverflow="overflow">
+                  <a:tcPr marL="50800" marR="50800" marT="50800" marB="50800" anchor="ctr" horzOverflow="overflow">
                     <a:lnR w="12700">
                       <a:miter lim="400000"/>
                     </a:lnR>
                   </a:tcPr>
                 </a:tc>
+                <a:extLst>
+                  <a:ext uri="{0D108BD9-81ED-4DB2-BD59-A6C34878D82A}">
+                    <a16:rowId xmlns:a16="http://schemas.microsoft.com/office/drawing/2014/main" val="10002"/>
+                  </a:ext>
+                </a:extLst>
               </a:tr>
               <a:tr h="684212">
                 <a:tc>
@@ -6704,7 +7037,7 @@
                       </a:r>
                     </a:p>
                   </a:txBody>
-                  <a:tcPr marL="50800" marR="50800" marT="50800" marB="50800" anchor="ctr" anchorCtr="0" horzOverflow="overflow">
+                  <a:tcPr marL="50800" marR="50800" marT="50800" marB="50800" anchor="ctr" horzOverflow="overflow">
                     <a:lnL w="12700">
                       <a:miter lim="400000"/>
                     </a:lnL>
@@ -6733,7 +7066,7 @@
                       </a:r>
                     </a:p>
                   </a:txBody>
-                  <a:tcPr marL="50800" marR="50800" marT="50800" marB="50800" anchor="ctr" anchorCtr="0" horzOverflow="overflow"/>
+                  <a:tcPr marL="50800" marR="50800" marT="50800" marB="50800" anchor="ctr" horzOverflow="overflow"/>
                 </a:tc>
                 <a:tc>
                   <a:txBody>
@@ -6758,7 +7091,7 @@
                       </a:r>
                     </a:p>
                   </a:txBody>
-                  <a:tcPr marL="50800" marR="50800" marT="50800" marB="50800" anchor="ctr" anchorCtr="0" horzOverflow="overflow"/>
+                  <a:tcPr marL="50800" marR="50800" marT="50800" marB="50800" anchor="ctr" horzOverflow="overflow"/>
                 </a:tc>
                 <a:tc>
                   <a:txBody>
@@ -6783,12 +7116,17 @@
                       </a:r>
                     </a:p>
                   </a:txBody>
-                  <a:tcPr marL="50800" marR="50800" marT="50800" marB="50800" anchor="ctr" anchorCtr="0" horzOverflow="overflow">
+                  <a:tcPr marL="50800" marR="50800" marT="50800" marB="50800" anchor="ctr" horzOverflow="overflow">
                     <a:lnR w="12700">
                       <a:miter lim="400000"/>
                     </a:lnR>
                   </a:tcPr>
                 </a:tc>
+                <a:extLst>
+                  <a:ext uri="{0D108BD9-81ED-4DB2-BD59-A6C34878D82A}">
+                    <a16:rowId xmlns:a16="http://schemas.microsoft.com/office/drawing/2014/main" val="10003"/>
+                  </a:ext>
+                </a:extLst>
               </a:tr>
               <a:tr h="684212">
                 <a:tc>
@@ -6814,7 +7152,7 @@
                       </a:r>
                     </a:p>
                   </a:txBody>
-                  <a:tcPr marL="50800" marR="50800" marT="50800" marB="50800" anchor="ctr" anchorCtr="0" horzOverflow="overflow">
+                  <a:tcPr marL="50800" marR="50800" marT="50800" marB="50800" anchor="ctr" horzOverflow="overflow">
                     <a:lnL w="12700">
                       <a:miter lim="400000"/>
                     </a:lnL>
@@ -6843,7 +7181,7 @@
                       </a:r>
                     </a:p>
                   </a:txBody>
-                  <a:tcPr marL="50800" marR="50800" marT="50800" marB="50800" anchor="ctr" anchorCtr="0" horzOverflow="overflow"/>
+                  <a:tcPr marL="50800" marR="50800" marT="50800" marB="50800" anchor="ctr" horzOverflow="overflow"/>
                 </a:tc>
                 <a:tc>
                   <a:txBody>
@@ -6868,7 +7206,7 @@
                       </a:r>
                     </a:p>
                   </a:txBody>
-                  <a:tcPr marL="50800" marR="50800" marT="50800" marB="50800" anchor="ctr" anchorCtr="0" horzOverflow="overflow"/>
+                  <a:tcPr marL="50800" marR="50800" marT="50800" marB="50800" anchor="ctr" horzOverflow="overflow"/>
                 </a:tc>
                 <a:tc>
                   <a:txBody>
@@ -6893,12 +7231,17 @@
                       </a:r>
                     </a:p>
                   </a:txBody>
-                  <a:tcPr marL="50800" marR="50800" marT="50800" marB="50800" anchor="ctr" anchorCtr="0" horzOverflow="overflow">
+                  <a:tcPr marL="50800" marR="50800" marT="50800" marB="50800" anchor="ctr" horzOverflow="overflow">
                     <a:lnR w="12700">
                       <a:miter lim="400000"/>
                     </a:lnR>
                   </a:tcPr>
                 </a:tc>
+                <a:extLst>
+                  <a:ext uri="{0D108BD9-81ED-4DB2-BD59-A6C34878D82A}">
+                    <a16:rowId xmlns:a16="http://schemas.microsoft.com/office/drawing/2014/main" val="10004"/>
+                  </a:ext>
+                </a:extLst>
               </a:tr>
               <a:tr h="684212">
                 <a:tc>
@@ -6924,7 +7267,7 @@
                       </a:r>
                     </a:p>
                   </a:txBody>
-                  <a:tcPr marL="50800" marR="50800" marT="50800" marB="50800" anchor="ctr" anchorCtr="0" horzOverflow="overflow">
+                  <a:tcPr marL="50800" marR="50800" marT="50800" marB="50800" anchor="ctr" horzOverflow="overflow">
                     <a:lnL w="12700">
                       <a:miter lim="400000"/>
                     </a:lnL>
@@ -6953,7 +7296,7 @@
                       </a:r>
                     </a:p>
                   </a:txBody>
-                  <a:tcPr marL="50800" marR="50800" marT="50800" marB="50800" anchor="ctr" anchorCtr="0" horzOverflow="overflow"/>
+                  <a:tcPr marL="50800" marR="50800" marT="50800" marB="50800" anchor="ctr" horzOverflow="overflow"/>
                 </a:tc>
                 <a:tc>
                   <a:txBody>
@@ -6978,7 +7321,7 @@
                       </a:r>
                     </a:p>
                   </a:txBody>
-                  <a:tcPr marL="50800" marR="50800" marT="50800" marB="50800" anchor="ctr" anchorCtr="0" horzOverflow="overflow"/>
+                  <a:tcPr marL="50800" marR="50800" marT="50800" marB="50800" anchor="ctr" horzOverflow="overflow"/>
                 </a:tc>
                 <a:tc>
                   <a:txBody>
@@ -7003,12 +7346,17 @@
                       </a:r>
                     </a:p>
                   </a:txBody>
-                  <a:tcPr marL="50800" marR="50800" marT="50800" marB="50800" anchor="ctr" anchorCtr="0" horzOverflow="overflow">
+                  <a:tcPr marL="50800" marR="50800" marT="50800" marB="50800" anchor="ctr" horzOverflow="overflow">
                     <a:lnR w="12700">
                       <a:miter lim="400000"/>
                     </a:lnR>
                   </a:tcPr>
                 </a:tc>
+                <a:extLst>
+                  <a:ext uri="{0D108BD9-81ED-4DB2-BD59-A6C34878D82A}">
+                    <a16:rowId xmlns:a16="http://schemas.microsoft.com/office/drawing/2014/main" val="10005"/>
+                  </a:ext>
+                </a:extLst>
               </a:tr>
               <a:tr h="684212">
                 <a:tc>
@@ -7034,7 +7382,7 @@
                       </a:r>
                     </a:p>
                   </a:txBody>
-                  <a:tcPr marL="50800" marR="50800" marT="50800" marB="50800" anchor="ctr" anchorCtr="0" horzOverflow="overflow">
+                  <a:tcPr marL="50800" marR="50800" marT="50800" marB="50800" anchor="ctr" horzOverflow="overflow">
                     <a:lnL w="12700">
                       <a:miter lim="400000"/>
                     </a:lnL>
@@ -7063,7 +7411,7 @@
                       </a:r>
                     </a:p>
                   </a:txBody>
-                  <a:tcPr marL="50800" marR="50800" marT="50800" marB="50800" anchor="ctr" anchorCtr="0" horzOverflow="overflow"/>
+                  <a:tcPr marL="50800" marR="50800" marT="50800" marB="50800" anchor="ctr" horzOverflow="overflow"/>
                 </a:tc>
                 <a:tc>
                   <a:txBody>
@@ -7088,7 +7436,7 @@
                       </a:r>
                     </a:p>
                   </a:txBody>
-                  <a:tcPr marL="50800" marR="50800" marT="50800" marB="50800" anchor="ctr" anchorCtr="0" horzOverflow="overflow"/>
+                  <a:tcPr marL="50800" marR="50800" marT="50800" marB="50800" anchor="ctr" horzOverflow="overflow"/>
                 </a:tc>
                 <a:tc>
                   <a:txBody>
@@ -7113,12 +7461,17 @@
                       </a:r>
                     </a:p>
                   </a:txBody>
-                  <a:tcPr marL="50800" marR="50800" marT="50800" marB="50800" anchor="ctr" anchorCtr="0" horzOverflow="overflow">
+                  <a:tcPr marL="50800" marR="50800" marT="50800" marB="50800" anchor="ctr" horzOverflow="overflow">
                     <a:lnR w="12700">
                       <a:miter lim="400000"/>
                     </a:lnR>
                   </a:tcPr>
                 </a:tc>
+                <a:extLst>
+                  <a:ext uri="{0D108BD9-81ED-4DB2-BD59-A6C34878D82A}">
+                    <a16:rowId xmlns:a16="http://schemas.microsoft.com/office/drawing/2014/main" val="10006"/>
+                  </a:ext>
+                </a:extLst>
               </a:tr>
               <a:tr h="684212">
                 <a:tc>
@@ -7148,7 +7501,7 @@
                       </a:r>
                     </a:p>
                   </a:txBody>
-                  <a:tcPr marL="50800" marR="50800" marT="50800" marB="50800" anchor="ctr" anchorCtr="0" horzOverflow="overflow">
+                  <a:tcPr marL="50800" marR="50800" marT="50800" marB="50800" anchor="ctr" horzOverflow="overflow">
                     <a:lnL w="12700">
                       <a:miter lim="400000"/>
                     </a:lnL>
@@ -7184,7 +7537,7 @@
                       </a:r>
                     </a:p>
                   </a:txBody>
-                  <a:tcPr marL="50800" marR="50800" marT="50800" marB="50800" anchor="ctr" anchorCtr="0" horzOverflow="overflow">
+                  <a:tcPr marL="50800" marR="50800" marT="50800" marB="50800" anchor="ctr" horzOverflow="overflow">
                     <a:lnB w="12700">
                       <a:miter lim="400000"/>
                     </a:lnB>
@@ -7217,7 +7570,7 @@
                       </a:r>
                     </a:p>
                   </a:txBody>
-                  <a:tcPr marL="50800" marR="50800" marT="50800" marB="50800" anchor="ctr" anchorCtr="0" horzOverflow="overflow">
+                  <a:tcPr marL="50800" marR="50800" marT="50800" marB="50800" anchor="ctr" horzOverflow="overflow">
                     <a:lnB w="12700">
                       <a:miter lim="400000"/>
                     </a:lnB>
@@ -7250,7 +7603,7 @@
                       </a:r>
                     </a:p>
                   </a:txBody>
-                  <a:tcPr marL="50800" marR="50800" marT="50800" marB="50800" anchor="ctr" anchorCtr="0" horzOverflow="overflow">
+                  <a:tcPr marL="50800" marR="50800" marT="50800" marB="50800" anchor="ctr" horzOverflow="overflow">
                     <a:lnR w="12700">
                       <a:miter lim="400000"/>
                     </a:lnR>
@@ -7259,6 +7612,11 @@
                     </a:lnB>
                   </a:tcPr>
                 </a:tc>
+                <a:extLst>
+                  <a:ext uri="{0D108BD9-81ED-4DB2-BD59-A6C34878D82A}">
+                    <a16:rowId xmlns:a16="http://schemas.microsoft.com/office/drawing/2014/main" val="10007"/>
+                  </a:ext>
+                </a:extLst>
               </a:tr>
             </a:tbl>
           </a:graphicData>
@@ -7341,7 +7699,7 @@
           </a:ln>
           <a:extLst>
             <a:ext uri="{C572A759-6A51-4108-AA02-DFA0A04FC94B}">
-              <ma14:wrappingTextBoxFlag xmlns:ma14="http://schemas.microsoft.com/office/mac/drawingml/2011/main" val="1"/>
+              <ma14:wrappingTextBoxFlag xmlns:ma14="http://schemas.microsoft.com/office/mac/drawingml/2011/main" xmlns="" val="1"/>
             </a:ext>
           </a:extLst>
         </p:spPr>
@@ -7351,7 +7709,6 @@
           </a:bodyPr>
           <a:lstStyle/>
           <a:p>
-            <a:pPr/>
             <a:r>
               <a:t>10</a:t>
             </a:r>
@@ -7377,7 +7734,7 @@
           </a:ln>
           <a:extLst>
             <a:ext uri="{C572A759-6A51-4108-AA02-DFA0A04FC94B}">
-              <ma14:wrappingTextBoxFlag xmlns:ma14="http://schemas.microsoft.com/office/mac/drawingml/2011/main" val="1"/>
+              <ma14:wrappingTextBoxFlag xmlns:ma14="http://schemas.microsoft.com/office/mac/drawingml/2011/main" xmlns="" val="1"/>
             </a:ext>
           </a:extLst>
         </p:spPr>
@@ -7387,7 +7744,6 @@
           </a:bodyPr>
           <a:lstStyle/>
           <a:p>
-            <a:pPr/>
             <a:r>
               <a:t>10</a:t>
             </a:r>
@@ -7399,20 +7755,25 @@
   <p:clrMapOvr>
     <a:masterClrMapping/>
   </p:clrMapOvr>
-  <p:transition xmlns:p14="http://schemas.microsoft.com/office/powerpoint/2010/main" spd="med" advClick="1"/>
+  <p:transition spd="med"/>
 </p:sld>
 </file>
 
 <file path=ppt/slides/slide12.xml><?xml version="1.0" encoding="utf-8"?>
-<p:sld xmlns:a="http://schemas.openxmlformats.org/drawingml/2006/main" xmlns:r="http://schemas.openxmlformats.org/officeDocument/2006/relationships" xmlns:p="http://schemas.openxmlformats.org/presentationml/2006/main" showMasterSp="1" showMasterPhAnim="1">
+<p:sld xmlns:a="http://schemas.openxmlformats.org/drawingml/2006/main" xmlns:r="http://schemas.openxmlformats.org/officeDocument/2006/relationships" xmlns:p="http://schemas.openxmlformats.org/presentationml/2006/main">
   <p:cSld>
     <p:bg>
       <p:bgPr>
-        <a:blipFill rotWithShape="1">
-          <a:blip r:embed="rId2"/>
-          <a:srcRect l="0" t="0" r="0" b="0"/>
-          <a:tile tx="0" ty="0" sx="100000" sy="100000" flip="none" algn="tl"/>
+        <a:blipFill dpi="0" rotWithShape="1">
+          <a:blip r:embed="rId2">
+            <a:lum/>
+          </a:blip>
+          <a:srcRect/>
+          <a:stretch>
+            <a:fillRect/>
+          </a:stretch>
         </a:blipFill>
+        <a:effectLst/>
       </p:bgPr>
     </p:bg>
     <p:spTree>
@@ -7432,7 +7793,9 @@
       <p:sp>
         <p:nvSpPr>
           <p:cNvPr id="171" name="Window Size Effect…"/>
-          <p:cNvSpPr txBox="1"/>
+          <p:cNvSpPr txBox="1">
+            <a:spLocks noGrp="1"/>
+          </p:cNvSpPr>
           <p:nvPr>
             <p:ph type="title"/>
           </p:nvPr>
@@ -7446,7 +7809,6 @@
           <a:bodyPr/>
           <a:lstStyle/>
           <a:p>
-            <a:pPr/>
             <a:r>
               <a:t>Window Size Effect</a:t>
             </a:r>
@@ -7546,7 +7908,7 @@
           </a:ln>
           <a:extLst>
             <a:ext uri="{C572A759-6A51-4108-AA02-DFA0A04FC94B}">
-              <ma14:wrappingTextBoxFlag xmlns:ma14="http://schemas.microsoft.com/office/mac/drawingml/2011/main" val="1"/>
+              <ma14:wrappingTextBoxFlag xmlns:ma14="http://schemas.microsoft.com/office/mac/drawingml/2011/main" xmlns="" val="1"/>
             </a:ext>
           </a:extLst>
         </p:spPr>
@@ -7556,7 +7918,6 @@
           </a:bodyPr>
           <a:lstStyle/>
           <a:p>
-            <a:pPr/>
             <a:r>
               <a:t>accuracy</a:t>
             </a:r>
@@ -7582,7 +7943,7 @@
           </a:ln>
           <a:extLst>
             <a:ext uri="{C572A759-6A51-4108-AA02-DFA0A04FC94B}">
-              <ma14:wrappingTextBoxFlag xmlns:ma14="http://schemas.microsoft.com/office/mac/drawingml/2011/main" val="1"/>
+              <ma14:wrappingTextBoxFlag xmlns:ma14="http://schemas.microsoft.com/office/mac/drawingml/2011/main" xmlns="" val="1"/>
             </a:ext>
           </a:extLst>
         </p:spPr>
@@ -7592,7 +7953,6 @@
           </a:bodyPr>
           <a:lstStyle/>
           <a:p>
-            <a:pPr/>
             <a:r>
               <a:t>window size</a:t>
             </a:r>
@@ -7604,20 +7964,25 @@
   <p:clrMapOvr>
     <a:masterClrMapping/>
   </p:clrMapOvr>
-  <p:transition xmlns:p14="http://schemas.microsoft.com/office/powerpoint/2010/main" spd="med" advClick="1"/>
+  <p:transition spd="med"/>
 </p:sld>
 </file>
 
 <file path=ppt/slides/slide13.xml><?xml version="1.0" encoding="utf-8"?>
-<p:sld xmlns:a="http://schemas.openxmlformats.org/drawingml/2006/main" xmlns:r="http://schemas.openxmlformats.org/officeDocument/2006/relationships" xmlns:p="http://schemas.openxmlformats.org/presentationml/2006/main" showMasterSp="1" showMasterPhAnim="1">
+<p:sld xmlns:a="http://schemas.openxmlformats.org/drawingml/2006/main" xmlns:r="http://schemas.openxmlformats.org/officeDocument/2006/relationships" xmlns:p="http://schemas.openxmlformats.org/presentationml/2006/main">
   <p:cSld>
     <p:bg>
       <p:bgPr>
-        <a:blipFill rotWithShape="1">
-          <a:blip r:embed="rId2"/>
-          <a:srcRect l="0" t="0" r="0" b="0"/>
-          <a:tile tx="0" ty="0" sx="100000" sy="100000" flip="none" algn="tl"/>
+        <a:blipFill dpi="0" rotWithShape="1">
+          <a:blip r:embed="rId2">
+            <a:lum/>
+          </a:blip>
+          <a:srcRect/>
+          <a:stretch>
+            <a:fillRect/>
+          </a:stretch>
         </a:blipFill>
+        <a:effectLst/>
       </p:bgPr>
     </p:bg>
     <p:spTree>
@@ -7637,7 +8002,9 @@
       <p:sp>
         <p:nvSpPr>
           <p:cNvPr id="177" name="Next Steps"/>
-          <p:cNvSpPr txBox="1"/>
+          <p:cNvSpPr txBox="1">
+            <a:spLocks noGrp="1"/>
+          </p:cNvSpPr>
           <p:nvPr>
             <p:ph type="title"/>
           </p:nvPr>
@@ -7651,7 +8018,6 @@
           <a:bodyPr/>
           <a:lstStyle/>
           <a:p>
-            <a:pPr/>
             <a:r>
               <a:t>Next Steps</a:t>
             </a:r>
@@ -7661,7 +8027,9 @@
       <p:sp>
         <p:nvSpPr>
           <p:cNvPr id="178" name="Increase the accuracy by adding / modifying features and fine tuning of the model’s hyper parameters…"/>
-          <p:cNvSpPr txBox="1"/>
+          <p:cNvSpPr txBox="1">
+            <a:spLocks noGrp="1"/>
+          </p:cNvSpPr>
           <p:nvPr>
             <p:ph type="body" idx="1"/>
           </p:nvPr>
@@ -7675,13 +8043,11 @@
           <a:bodyPr/>
           <a:lstStyle/>
           <a:p>
-            <a:pPr/>
             <a:r>
               <a:t>Increase the accuracy by adding / modifying features and fine tuning of the model’s hyper parameters</a:t>
             </a:r>
           </a:p>
           <a:p>
-            <a:pPr/>
             <a:r>
               <a:t>Predict using </a:t>
             </a:r>
@@ -7697,18 +8063,8 @@
               </a:rPr>
               <a:t>less time samples</a:t>
             </a:r>
-            <a:endParaRPr>
-              <a:solidFill>
-                <a:schemeClr val="accent4">
-                  <a:hueOff val="468000"/>
-                  <a:satOff val="-4761"/>
-                  <a:lumOff val="10196"/>
-                </a:schemeClr>
-              </a:solidFill>
-            </a:endParaRPr>
           </a:p>
           <a:p>
-            <a:pPr/>
             <a:r>
               <a:t>Check more complex sequence models (</a:t>
             </a:r>
@@ -7744,7 +8100,6 @@
             </a:r>
           </a:p>
           <a:p>
-            <a:pPr/>
             <a:r>
               <a:t>Develop a mobile application which will predict the user’s action on </a:t>
             </a:r>
@@ -7771,14 +8126,14 @@
   <p:clrMapOvr>
     <a:masterClrMapping/>
   </p:clrMapOvr>
-  <p:transition xmlns:p14="http://schemas.microsoft.com/office/powerpoint/2010/main" spd="med" advClick="1"/>
+  <p:transition spd="med"/>
   <p:timing>
     <p:tnLst>
       <p:par>
-        <p:cTn id="1" nodeType="tmRoot" restart="never" dur="indefinite" fill="hold">
+        <p:cTn id="1" dur="indefinite" restart="never" fill="hold" nodeType="tmRoot">
           <p:childTnLst>
             <p:seq concurrent="1" prevAc="none" nextAc="seek">
-              <p:cTn id="2" nodeType="mainSeq" dur="indefinite" fill="hold">
+              <p:cTn id="2" dur="indefinite" fill="hold" nodeType="mainSeq">
                 <p:childTnLst>
                   <p:par>
                     <p:cTn id="3" fill="hold">
@@ -7793,11 +8148,11 @@
                             </p:stCondLst>
                             <p:childTnLst>
                               <p:par>
-                                <p:cTn id="5" presetClass="entr" nodeType="clickEffect" presetSubtype="0" presetID="1" grpId="1" fill="hold">
+                                <p:cTn id="5" presetID="1" presetClass="entr" presetSubtype="0" fill="hold" grpId="1" nodeType="clickEffect">
                                   <p:stCondLst>
                                     <p:cond delay="0"/>
                                   </p:stCondLst>
-                                  <p:iterate type="el" backwards="0">
+                                  <p:iterate>
                                     <p:tmAbs val="0"/>
                                   </p:iterate>
                                   <p:childTnLst>
@@ -7821,11 +8176,11 @@
                                 </p:cTn>
                               </p:par>
                               <p:par>
-                                <p:cTn id="7" presetClass="entr" nodeType="withEffect" presetSubtype="0" presetID="1" grpId="1" fill="hold">
+                                <p:cTn id="7" presetID="1" presetClass="entr" presetSubtype="0" fill="hold" grpId="1" nodeType="withEffect">
                                   <p:stCondLst>
                                     <p:cond delay="0"/>
                                   </p:stCondLst>
-                                  <p:iterate type="el" backwards="0">
+                                  <p:iterate>
                                     <p:tmAbs val="0"/>
                                   </p:iterate>
                                   <p:childTnLst>
@@ -7869,11 +8224,11 @@
                             </p:stCondLst>
                             <p:childTnLst>
                               <p:par>
-                                <p:cTn id="11" presetClass="entr" nodeType="clickEffect" presetSubtype="0" presetID="1" grpId="1" fill="hold">
+                                <p:cTn id="11" presetID="1" presetClass="entr" presetSubtype="0" fill="hold" grpId="1" nodeType="clickEffect">
                                   <p:stCondLst>
                                     <p:cond delay="0"/>
                                   </p:stCondLst>
-                                  <p:iterate type="el" backwards="0">
+                                  <p:iterate>
                                     <p:tmAbs val="0"/>
                                   </p:iterate>
                                   <p:childTnLst>
@@ -7917,11 +8272,11 @@
                             </p:stCondLst>
                             <p:childTnLst>
                               <p:par>
-                                <p:cTn id="15" presetClass="entr" nodeType="clickEffect" presetSubtype="0" presetID="1" grpId="1" fill="hold">
+                                <p:cTn id="15" presetID="1" presetClass="entr" presetSubtype="0" fill="hold" grpId="1" nodeType="clickEffect">
                                   <p:stCondLst>
                                     <p:cond delay="0"/>
                                   </p:stCondLst>
-                                  <p:iterate type="el" backwards="0">
+                                  <p:iterate>
                                     <p:tmAbs val="0"/>
                                   </p:iterate>
                                   <p:childTnLst>
@@ -7965,11 +8320,11 @@
                             </p:stCondLst>
                             <p:childTnLst>
                               <p:par>
-                                <p:cTn id="19" presetClass="entr" nodeType="clickEffect" presetSubtype="0" presetID="1" grpId="1" fill="hold">
+                                <p:cTn id="19" presetID="1" presetClass="entr" presetSubtype="0" fill="hold" grpId="1" nodeType="clickEffect">
                                   <p:stCondLst>
                                     <p:cond delay="0"/>
                                   </p:stCondLst>
-                                  <p:iterate type="el" backwards="0">
+                                  <p:iterate>
                                     <p:tmAbs val="0"/>
                                   </p:iterate>
                                   <p:childTnLst>
@@ -8003,14 +8358,14 @@
                 </p:childTnLst>
               </p:cTn>
               <p:prevCondLst>
-                <p:cond evt="onPrev">
+                <p:cond evt="onPrev" delay="0">
                   <p:tgtEl>
                     <p:sldTgt/>
                   </p:tgtEl>
                 </p:cond>
               </p:prevCondLst>
               <p:nextCondLst>
-                <p:cond evt="onNext">
+                <p:cond evt="onNext" delay="0">
                   <p:tgtEl>
                     <p:sldTgt/>
                   </p:tgtEl>
@@ -8022,24 +8377,27 @@
       </p:par>
     </p:tnLst>
     <p:bldLst>
-      <p:bldP build="p" bldLvl="5" animBg="1" rev="0" advAuto="0" spid="178" grpId="1"/>
+      <p:bldP spid="178" grpId="1" build="p" bldLvl="5" animBg="1" advAuto="0"/>
     </p:bldLst>
   </p:timing>
 </p:sld>
 </file>
 
 <file path=ppt/slides/slide14.xml><?xml version="1.0" encoding="utf-8"?>
-<p:sld xmlns:a="http://schemas.openxmlformats.org/drawingml/2006/main" xmlns:r="http://schemas.openxmlformats.org/officeDocument/2006/relationships" xmlns:p="http://schemas.openxmlformats.org/presentationml/2006/main" showMasterSp="1" showMasterPhAnim="1">
+<p:sld xmlns:a="http://schemas.openxmlformats.org/drawingml/2006/main" xmlns:r="http://schemas.openxmlformats.org/officeDocument/2006/relationships" xmlns:p="http://schemas.openxmlformats.org/presentationml/2006/main">
   <p:cSld>
     <p:bg>
       <p:bgPr>
-        <a:blipFill rotWithShape="1">
-          <a:blip r:embed="rId2"/>
-          <a:srcRect l="0" t="0" r="0" b="0"/>
+        <a:blipFill dpi="0" rotWithShape="1">
+          <a:blip r:embed="rId2">
+            <a:lum/>
+          </a:blip>
+          <a:srcRect/>
           <a:stretch>
             <a:fillRect/>
           </a:stretch>
         </a:blipFill>
+        <a:effectLst/>
       </p:bgPr>
     </p:bg>
     <p:spTree>
@@ -8059,7 +8417,9 @@
       <p:sp>
         <p:nvSpPr>
           <p:cNvPr id="180" name="Thank You!"/>
-          <p:cNvSpPr txBox="1"/>
+          <p:cNvSpPr txBox="1">
+            <a:spLocks noGrp="1"/>
+          </p:cNvSpPr>
           <p:nvPr>
             <p:ph type="title"/>
           </p:nvPr>
@@ -8077,7 +8437,6 @@
           <a:bodyPr/>
           <a:lstStyle/>
           <a:p>
-            <a:pPr/>
             <a:r>
               <a:t>Thank You!</a:t>
             </a:r>
@@ -8089,20 +8448,25 @@
   <p:clrMapOvr>
     <a:masterClrMapping/>
   </p:clrMapOvr>
-  <p:transition xmlns:p14="http://schemas.microsoft.com/office/powerpoint/2010/main" spd="med" advClick="1"/>
+  <p:transition spd="med"/>
 </p:sld>
 </file>
 
 <file path=ppt/slides/slide2.xml><?xml version="1.0" encoding="utf-8"?>
-<p:sld xmlns:a="http://schemas.openxmlformats.org/drawingml/2006/main" xmlns:r="http://schemas.openxmlformats.org/officeDocument/2006/relationships" xmlns:p="http://schemas.openxmlformats.org/presentationml/2006/main" showMasterSp="1" showMasterPhAnim="1">
+<p:sld xmlns:a="http://schemas.openxmlformats.org/drawingml/2006/main" xmlns:r="http://schemas.openxmlformats.org/officeDocument/2006/relationships" xmlns:p="http://schemas.openxmlformats.org/presentationml/2006/main">
   <p:cSld>
     <p:bg>
       <p:bgPr>
-        <a:blipFill rotWithShape="1">
-          <a:blip r:embed="rId2"/>
-          <a:srcRect l="0" t="0" r="0" b="0"/>
-          <a:tile tx="0" ty="0" sx="100000" sy="100000" flip="none" algn="tl"/>
+        <a:blipFill dpi="0" rotWithShape="1">
+          <a:blip r:embed="rId2">
+            <a:lum/>
+          </a:blip>
+          <a:srcRect/>
+          <a:stretch>
+            <a:fillRect/>
+          </a:stretch>
         </a:blipFill>
+        <a:effectLst/>
       </p:bgPr>
     </p:bg>
     <p:spTree>
@@ -8122,7 +8486,9 @@
       <p:sp>
         <p:nvSpPr>
           <p:cNvPr id="122" name="Previously…"/>
-          <p:cNvSpPr txBox="1"/>
+          <p:cNvSpPr txBox="1">
+            <a:spLocks noGrp="1"/>
+          </p:cNvSpPr>
           <p:nvPr>
             <p:ph type="title"/>
           </p:nvPr>
@@ -8140,7 +8506,6 @@
           <a:bodyPr/>
           <a:lstStyle/>
           <a:p>
-            <a:pPr/>
             <a:r>
               <a:t>Previously…</a:t>
             </a:r>
@@ -8152,20 +8517,25 @@
   <p:clrMapOvr>
     <a:masterClrMapping/>
   </p:clrMapOvr>
-  <p:transition xmlns:p14="http://schemas.microsoft.com/office/powerpoint/2010/main" spd="med" advClick="1"/>
+  <p:transition spd="med"/>
 </p:sld>
 </file>
 
 <file path=ppt/slides/slide3.xml><?xml version="1.0" encoding="utf-8"?>
-<p:sld xmlns:a="http://schemas.openxmlformats.org/drawingml/2006/main" xmlns:r="http://schemas.openxmlformats.org/officeDocument/2006/relationships" xmlns:p="http://schemas.openxmlformats.org/presentationml/2006/main" showMasterSp="1" showMasterPhAnim="1">
+<p:sld xmlns:a="http://schemas.openxmlformats.org/drawingml/2006/main" xmlns:r="http://schemas.openxmlformats.org/officeDocument/2006/relationships" xmlns:p="http://schemas.openxmlformats.org/presentationml/2006/main">
   <p:cSld>
     <p:bg>
       <p:bgPr>
-        <a:blipFill rotWithShape="1">
-          <a:blip r:embed="rId2"/>
-          <a:srcRect l="0" t="0" r="0" b="0"/>
-          <a:tile tx="0" ty="0" sx="100000" sy="100000" flip="none" algn="tl"/>
+        <a:blipFill dpi="0" rotWithShape="1">
+          <a:blip r:embed="rId2">
+            <a:lum/>
+          </a:blip>
+          <a:srcRect/>
+          <a:stretch>
+            <a:fillRect/>
+          </a:stretch>
         </a:blipFill>
+        <a:effectLst/>
       </p:bgPr>
     </p:bg>
     <p:spTree>
@@ -8185,7 +8555,9 @@
       <p:sp>
         <p:nvSpPr>
           <p:cNvPr id="124" name="The Problem"/>
-          <p:cNvSpPr txBox="1"/>
+          <p:cNvSpPr txBox="1">
+            <a:spLocks noGrp="1"/>
+          </p:cNvSpPr>
           <p:nvPr>
             <p:ph type="title"/>
           </p:nvPr>
@@ -8199,7 +8571,6 @@
           <a:bodyPr/>
           <a:lstStyle/>
           <a:p>
-            <a:pPr/>
             <a:r>
               <a:t>The Problem</a:t>
             </a:r>
@@ -8209,7 +8580,9 @@
       <p:sp>
         <p:nvSpPr>
           <p:cNvPr id="125" name="Predict which activity (walking, sitting, etc.) is being performed using phone sensors data analysis…"/>
-          <p:cNvSpPr txBox="1"/>
+          <p:cNvSpPr txBox="1">
+            <a:spLocks noGrp="1"/>
+          </p:cNvSpPr>
           <p:nvPr>
             <p:ph type="body" idx="1"/>
           </p:nvPr>
@@ -8223,7 +8596,6 @@
           <a:bodyPr/>
           <a:lstStyle/>
           <a:p>
-            <a:pPr/>
             <a:r>
               <a:t>Predict which activity </a:t>
             </a:r>
@@ -8244,7 +8616,6 @@
             </a:r>
           </a:p>
           <a:p>
-            <a:pPr/>
             <a:r>
               <a:t>Working with Time-Series data:</a:t>
             </a:r>
@@ -8264,14 +8635,14 @@
   <p:clrMapOvr>
     <a:masterClrMapping/>
   </p:clrMapOvr>
-  <p:transition xmlns:p14="http://schemas.microsoft.com/office/powerpoint/2010/main" spd="med" advClick="1"/>
+  <p:transition spd="med"/>
   <p:timing>
     <p:tnLst>
       <p:par>
-        <p:cTn id="1" nodeType="tmRoot" restart="never" dur="indefinite" fill="hold">
+        <p:cTn id="1" dur="indefinite" restart="never" fill="hold" nodeType="tmRoot">
           <p:childTnLst>
             <p:seq concurrent="1" prevAc="none" nextAc="seek">
-              <p:cTn id="2" nodeType="mainSeq" dur="indefinite" fill="hold">
+              <p:cTn id="2" dur="indefinite" fill="hold" nodeType="mainSeq">
                 <p:childTnLst>
                   <p:par>
                     <p:cTn id="3" fill="hold">
@@ -8286,11 +8657,11 @@
                             </p:stCondLst>
                             <p:childTnLst>
                               <p:par>
-                                <p:cTn id="5" presetClass="entr" nodeType="clickEffect" presetSubtype="0" presetID="1" grpId="1" fill="hold">
+                                <p:cTn id="5" presetID="1" presetClass="entr" presetSubtype="0" fill="hold" grpId="1" nodeType="clickEffect">
                                   <p:stCondLst>
                                     <p:cond delay="0"/>
                                   </p:stCondLst>
-                                  <p:iterate type="el" backwards="0">
+                                  <p:iterate>
                                     <p:tmAbs val="0"/>
                                   </p:iterate>
                                   <p:childTnLst>
@@ -8314,11 +8685,11 @@
                                 </p:cTn>
                               </p:par>
                               <p:par>
-                                <p:cTn id="7" presetClass="entr" nodeType="withEffect" presetSubtype="0" presetID="1" grpId="1" fill="hold">
+                                <p:cTn id="7" presetID="1" presetClass="entr" presetSubtype="0" fill="hold" grpId="1" nodeType="withEffect">
                                   <p:stCondLst>
                                     <p:cond delay="0"/>
                                   </p:stCondLst>
-                                  <p:iterate type="el" backwards="0">
+                                  <p:iterate>
                                     <p:tmAbs val="0"/>
                                   </p:iterate>
                                   <p:childTnLst>
@@ -8362,11 +8733,11 @@
                             </p:stCondLst>
                             <p:childTnLst>
                               <p:par>
-                                <p:cTn id="11" presetClass="entr" nodeType="clickEffect" presetSubtype="0" presetID="1" grpId="1" fill="hold">
+                                <p:cTn id="11" presetID="1" presetClass="entr" presetSubtype="0" fill="hold" grpId="1" nodeType="clickEffect">
                                   <p:stCondLst>
                                     <p:cond delay="0"/>
                                   </p:stCondLst>
-                                  <p:iterate type="el" backwards="0">
+                                  <p:iterate>
                                     <p:tmAbs val="0"/>
                                   </p:iterate>
                                   <p:childTnLst>
@@ -8400,14 +8771,14 @@
                 </p:childTnLst>
               </p:cTn>
               <p:prevCondLst>
-                <p:cond evt="onPrev">
+                <p:cond evt="onPrev" delay="0">
                   <p:tgtEl>
                     <p:sldTgt/>
                   </p:tgtEl>
                 </p:cond>
               </p:prevCondLst>
               <p:nextCondLst>
-                <p:cond evt="onNext">
+                <p:cond evt="onNext" delay="0">
                   <p:tgtEl>
                     <p:sldTgt/>
                   </p:tgtEl>
@@ -8419,22 +8790,27 @@
       </p:par>
     </p:tnLst>
     <p:bldLst>
-      <p:bldP build="p" bldLvl="5" animBg="1" rev="0" advAuto="0" spid="125" grpId="1"/>
+      <p:bldP spid="125" grpId="1" build="p" bldLvl="5" animBg="1" advAuto="0"/>
     </p:bldLst>
   </p:timing>
 </p:sld>
 </file>
 
 <file path=ppt/slides/slide4.xml><?xml version="1.0" encoding="utf-8"?>
-<p:sld xmlns:a="http://schemas.openxmlformats.org/drawingml/2006/main" xmlns:r="http://schemas.openxmlformats.org/officeDocument/2006/relationships" xmlns:p="http://schemas.openxmlformats.org/presentationml/2006/main" showMasterSp="1" showMasterPhAnim="1">
+<p:sld xmlns:a="http://schemas.openxmlformats.org/drawingml/2006/main" xmlns:r="http://schemas.openxmlformats.org/officeDocument/2006/relationships" xmlns:p="http://schemas.openxmlformats.org/presentationml/2006/main">
   <p:cSld>
     <p:bg>
       <p:bgPr>
-        <a:blipFill rotWithShape="1">
-          <a:blip r:embed="rId2"/>
-          <a:srcRect l="0" t="0" r="0" b="0"/>
-          <a:tile tx="0" ty="0" sx="100000" sy="100000" flip="none" algn="tl"/>
+        <a:blipFill dpi="0" rotWithShape="1">
+          <a:blip r:embed="rId2">
+            <a:lum/>
+          </a:blip>
+          <a:srcRect/>
+          <a:stretch>
+            <a:fillRect/>
+          </a:stretch>
         </a:blipFill>
+        <a:effectLst/>
       </p:bgPr>
     </p:bg>
     <p:spTree>
@@ -8454,7 +8830,9 @@
       <p:sp>
         <p:nvSpPr>
           <p:cNvPr id="127" name="The Dataset"/>
-          <p:cNvSpPr txBox="1"/>
+          <p:cNvSpPr txBox="1">
+            <a:spLocks noGrp="1"/>
+          </p:cNvSpPr>
           <p:nvPr>
             <p:ph type="title"/>
           </p:nvPr>
@@ -8468,7 +8846,6 @@
           <a:bodyPr/>
           <a:lstStyle/>
           <a:p>
-            <a:pPr/>
             <a:r>
               <a:t>The Dataset</a:t>
             </a:r>
@@ -8478,7 +8855,9 @@
       <p:sp>
         <p:nvSpPr>
           <p:cNvPr id="128" name="Time-Series data generated by accelerometer and gyroscope smartphone sensors.…"/>
-          <p:cNvSpPr txBox="1"/>
+          <p:cNvSpPr txBox="1">
+            <a:spLocks noGrp="1"/>
+          </p:cNvSpPr>
           <p:nvPr>
             <p:ph type="body" idx="1"/>
           </p:nvPr>
@@ -8492,13 +8871,11 @@
           <a:bodyPr/>
           <a:lstStyle/>
           <a:p>
-            <a:pPr/>
             <a:r>
               <a:t>Time-Series data generated by accelerometer and gyroscope smartphone sensors.</a:t>
             </a:r>
           </a:p>
           <a:p>
-            <a:pPr/>
             <a:r>
               <a:t>The experiment explored 6 different activities: </a:t>
             </a:r>
@@ -8589,18 +8966,8 @@
               </a:rPr>
               <a:t> run</a:t>
             </a:r>
-            <a:endParaRPr>
-              <a:solidFill>
-                <a:schemeClr val="accent4">
-                  <a:hueOff val="468000"/>
-                  <a:satOff val="-4761"/>
-                  <a:lumOff val="10196"/>
-                </a:schemeClr>
-              </a:solidFill>
-            </a:endParaRPr>
           </a:p>
           <a:p>
-            <a:pPr/>
             <a:r>
               <a:t>24 participants,</a:t>
             </a:r>
@@ -8627,14 +8994,14 @@
   <p:clrMapOvr>
     <a:masterClrMapping/>
   </p:clrMapOvr>
-  <p:transition xmlns:p14="http://schemas.microsoft.com/office/powerpoint/2010/main" spd="med" advClick="1"/>
+  <p:transition spd="med"/>
   <p:timing>
     <p:tnLst>
       <p:par>
-        <p:cTn id="1" nodeType="tmRoot" restart="never" dur="indefinite" fill="hold">
+        <p:cTn id="1" dur="indefinite" restart="never" fill="hold" nodeType="tmRoot">
           <p:childTnLst>
             <p:seq concurrent="1" prevAc="none" nextAc="seek">
-              <p:cTn id="2" nodeType="mainSeq" dur="indefinite" fill="hold">
+              <p:cTn id="2" dur="indefinite" fill="hold" nodeType="mainSeq">
                 <p:childTnLst>
                   <p:par>
                     <p:cTn id="3" fill="hold">
@@ -8649,11 +9016,11 @@
                             </p:stCondLst>
                             <p:childTnLst>
                               <p:par>
-                                <p:cTn id="5" presetClass="entr" nodeType="clickEffect" presetSubtype="0" presetID="1" grpId="1" fill="hold">
+                                <p:cTn id="5" presetID="1" presetClass="entr" presetSubtype="0" fill="hold" grpId="1" nodeType="clickEffect">
                                   <p:stCondLst>
                                     <p:cond delay="0"/>
                                   </p:stCondLst>
-                                  <p:iterate type="el" backwards="0">
+                                  <p:iterate>
                                     <p:tmAbs val="0"/>
                                   </p:iterate>
                                   <p:childTnLst>
@@ -8677,11 +9044,11 @@
                                 </p:cTn>
                               </p:par>
                               <p:par>
-                                <p:cTn id="7" presetClass="entr" nodeType="withEffect" presetSubtype="0" presetID="1" grpId="1" fill="hold">
+                                <p:cTn id="7" presetID="1" presetClass="entr" presetSubtype="0" fill="hold" grpId="1" nodeType="withEffect">
                                   <p:stCondLst>
                                     <p:cond delay="0"/>
                                   </p:stCondLst>
-                                  <p:iterate type="el" backwards="0">
+                                  <p:iterate>
                                     <p:tmAbs val="0"/>
                                   </p:iterate>
                                   <p:childTnLst>
@@ -8725,11 +9092,11 @@
                             </p:stCondLst>
                             <p:childTnLst>
                               <p:par>
-                                <p:cTn id="11" presetClass="entr" nodeType="clickEffect" presetSubtype="0" presetID="1" grpId="1" fill="hold">
+                                <p:cTn id="11" presetID="1" presetClass="entr" presetSubtype="0" fill="hold" grpId="1" nodeType="clickEffect">
                                   <p:stCondLst>
                                     <p:cond delay="0"/>
                                   </p:stCondLst>
-                                  <p:iterate type="el" backwards="0">
+                                  <p:iterate>
                                     <p:tmAbs val="0"/>
                                   </p:iterate>
                                   <p:childTnLst>
@@ -8773,11 +9140,11 @@
                             </p:stCondLst>
                             <p:childTnLst>
                               <p:par>
-                                <p:cTn id="15" presetClass="entr" nodeType="clickEffect" presetSubtype="0" presetID="1" grpId="1" fill="hold">
+                                <p:cTn id="15" presetID="1" presetClass="entr" presetSubtype="0" fill="hold" grpId="1" nodeType="clickEffect">
                                   <p:stCondLst>
                                     <p:cond delay="0"/>
                                   </p:stCondLst>
-                                  <p:iterate type="el" backwards="0">
+                                  <p:iterate>
                                     <p:tmAbs val="0"/>
                                   </p:iterate>
                                   <p:childTnLst>
@@ -8811,14 +9178,14 @@
                 </p:childTnLst>
               </p:cTn>
               <p:prevCondLst>
-                <p:cond evt="onPrev">
+                <p:cond evt="onPrev" delay="0">
                   <p:tgtEl>
                     <p:sldTgt/>
                   </p:tgtEl>
                 </p:cond>
               </p:prevCondLst>
               <p:nextCondLst>
-                <p:cond evt="onNext">
+                <p:cond evt="onNext" delay="0">
                   <p:tgtEl>
                     <p:sldTgt/>
                   </p:tgtEl>
@@ -8830,22 +9197,27 @@
       </p:par>
     </p:tnLst>
     <p:bldLst>
-      <p:bldP build="p" bldLvl="5" animBg="1" rev="0" advAuto="0" spid="128" grpId="1"/>
+      <p:bldP spid="128" grpId="1" build="p" bldLvl="5" animBg="1" advAuto="0"/>
     </p:bldLst>
   </p:timing>
 </p:sld>
 </file>
 
 <file path=ppt/slides/slide5.xml><?xml version="1.0" encoding="utf-8"?>
-<p:sld xmlns:a="http://schemas.openxmlformats.org/drawingml/2006/main" xmlns:r="http://schemas.openxmlformats.org/officeDocument/2006/relationships" xmlns:p="http://schemas.openxmlformats.org/presentationml/2006/main" showMasterSp="1" showMasterPhAnim="1">
+<p:sld xmlns:a="http://schemas.openxmlformats.org/drawingml/2006/main" xmlns:r="http://schemas.openxmlformats.org/officeDocument/2006/relationships" xmlns:p="http://schemas.openxmlformats.org/presentationml/2006/main">
   <p:cSld>
     <p:bg>
       <p:bgPr>
-        <a:blipFill rotWithShape="1">
-          <a:blip r:embed="rId2"/>
-          <a:srcRect l="0" t="0" r="0" b="0"/>
-          <a:tile tx="0" ty="0" sx="100000" sy="100000" flip="none" algn="tl"/>
+        <a:blipFill dpi="0" rotWithShape="1">
+          <a:blip r:embed="rId2">
+            <a:lum/>
+          </a:blip>
+          <a:srcRect/>
+          <a:stretch>
+            <a:fillRect/>
+          </a:stretch>
         </a:blipFill>
+        <a:effectLst/>
       </p:bgPr>
     </p:bg>
     <p:spTree>
@@ -8865,7 +9237,9 @@
       <p:sp>
         <p:nvSpPr>
           <p:cNvPr id="130" name="The Features"/>
-          <p:cNvSpPr txBox="1"/>
+          <p:cNvSpPr txBox="1">
+            <a:spLocks noGrp="1"/>
+          </p:cNvSpPr>
           <p:nvPr>
             <p:ph type="title"/>
           </p:nvPr>
@@ -8879,7 +9253,6 @@
           <a:bodyPr/>
           <a:lstStyle/>
           <a:p>
-            <a:pPr/>
             <a:r>
               <a:t>The Features</a:t>
             </a:r>
@@ -8889,7 +9262,9 @@
       <p:sp>
         <p:nvSpPr>
           <p:cNvPr id="131" name="Each row is a labeled time snapshot with 12 features: acceleration, rotation, gravity, attitude (3 axes each)…"/>
-          <p:cNvSpPr txBox="1"/>
+          <p:cNvSpPr txBox="1">
+            <a:spLocks noGrp="1"/>
+          </p:cNvSpPr>
           <p:nvPr>
             <p:ph type="body" idx="1"/>
           </p:nvPr>
@@ -8907,7 +9282,6 @@
           <a:bodyPr/>
           <a:lstStyle/>
           <a:p>
-            <a:pPr/>
             <a:r>
               <a:t>Each row is a labeled time snapshot with 12 features: </a:t>
             </a:r>
@@ -9079,14 +9453,14 @@
   <p:clrMapOvr>
     <a:masterClrMapping/>
   </p:clrMapOvr>
-  <p:transition xmlns:p14="http://schemas.microsoft.com/office/powerpoint/2010/main" spd="med" advClick="1"/>
+  <p:transition spd="med"/>
   <p:timing>
     <p:tnLst>
       <p:par>
-        <p:cTn id="1" nodeType="tmRoot" restart="never" dur="indefinite" fill="hold">
+        <p:cTn id="1" dur="indefinite" restart="never" fill="hold" nodeType="tmRoot">
           <p:childTnLst>
             <p:seq concurrent="1" prevAc="none" nextAc="seek">
-              <p:cTn id="2" nodeType="mainSeq" dur="indefinite" fill="hold">
+              <p:cTn id="2" dur="indefinite" fill="hold" nodeType="mainSeq">
                 <p:childTnLst>
                   <p:par>
                     <p:cTn id="3" fill="hold">
@@ -9101,11 +9475,11 @@
                             </p:stCondLst>
                             <p:childTnLst>
                               <p:par>
-                                <p:cTn id="5" presetClass="entr" nodeType="clickEffect" presetSubtype="0" presetID="1" grpId="1" fill="hold">
+                                <p:cTn id="5" presetID="1" presetClass="entr" presetSubtype="0" fill="hold" grpId="1" nodeType="clickEffect">
                                   <p:stCondLst>
                                     <p:cond delay="0"/>
                                   </p:stCondLst>
-                                  <p:iterate type="el" backwards="0">
+                                  <p:iterate>
                                     <p:tmAbs val="0"/>
                                   </p:iterate>
                                   <p:childTnLst>
@@ -9129,11 +9503,11 @@
                                 </p:cTn>
                               </p:par>
                               <p:par>
-                                <p:cTn id="7" presetClass="entr" nodeType="withEffect" presetSubtype="0" presetID="1" grpId="1" fill="hold">
+                                <p:cTn id="7" presetID="1" presetClass="entr" presetSubtype="0" fill="hold" grpId="1" nodeType="withEffect">
                                   <p:stCondLst>
                                     <p:cond delay="0"/>
                                   </p:stCondLst>
-                                  <p:iterate type="el" backwards="0">
+                                  <p:iterate>
                                     <p:tmAbs val="0"/>
                                   </p:iterate>
                                   <p:childTnLst>
@@ -9177,11 +9551,11 @@
                             </p:stCondLst>
                             <p:childTnLst>
                               <p:par>
-                                <p:cTn id="11" presetClass="entr" nodeType="clickEffect" presetSubtype="0" presetID="1" grpId="1" fill="hold">
+                                <p:cTn id="11" presetID="1" presetClass="entr" presetSubtype="0" fill="hold" grpId="1" nodeType="clickEffect">
                                   <p:stCondLst>
                                     <p:cond delay="0"/>
                                   </p:stCondLst>
-                                  <p:iterate type="el" backwards="0">
+                                  <p:iterate>
                                     <p:tmAbs val="0"/>
                                   </p:iterate>
                                   <p:childTnLst>
@@ -9225,11 +9599,11 @@
                             </p:stCondLst>
                             <p:childTnLst>
                               <p:par>
-                                <p:cTn id="15" presetClass="entr" nodeType="clickEffect" presetSubtype="0" presetID="1" grpId="1" fill="hold">
+                                <p:cTn id="15" presetID="1" presetClass="entr" presetSubtype="0" fill="hold" grpId="1" nodeType="clickEffect">
                                   <p:stCondLst>
                                     <p:cond delay="0"/>
                                   </p:stCondLst>
-                                  <p:iterate type="el" backwards="0">
+                                  <p:iterate>
                                     <p:tmAbs val="0"/>
                                   </p:iterate>
                                   <p:childTnLst>
@@ -9273,11 +9647,11 @@
                             </p:stCondLst>
                             <p:childTnLst>
                               <p:par>
-                                <p:cTn id="19" presetClass="entr" nodeType="clickEffect" presetSubtype="0" presetID="1" grpId="2" fill="hold">
+                                <p:cTn id="19" presetID="1" presetClass="entr" presetSubtype="0" fill="hold" grpId="2" nodeType="clickEffect">
                                   <p:stCondLst>
                                     <p:cond delay="0"/>
                                   </p:stCondLst>
-                                  <p:iterate type="el" backwards="0">
+                                  <p:iterate>
                                     <p:tmAbs val="0"/>
                                   </p:iterate>
                                   <p:childTnLst>
@@ -9307,14 +9681,14 @@
                 </p:childTnLst>
               </p:cTn>
               <p:prevCondLst>
-                <p:cond evt="onPrev">
+                <p:cond evt="onPrev" delay="0">
                   <p:tgtEl>
                     <p:sldTgt/>
                   </p:tgtEl>
                 </p:cond>
               </p:prevCondLst>
               <p:nextCondLst>
-                <p:cond evt="onNext">
+                <p:cond evt="onNext" delay="0">
                   <p:tgtEl>
                     <p:sldTgt/>
                   </p:tgtEl>
@@ -9326,23 +9700,28 @@
       </p:par>
     </p:tnLst>
     <p:bldLst>
-      <p:bldP build="p" bldLvl="5" animBg="1" rev="0" advAuto="0" spid="131" grpId="1"/>
-      <p:bldP build="whole" bldLvl="1" animBg="1" rev="0" advAuto="0" spid="132" grpId="2"/>
+      <p:bldP spid="131" grpId="1" build="p" bldLvl="5" animBg="1" advAuto="0"/>
+      <p:bldP spid="132" grpId="2" animBg="1" advAuto="0"/>
     </p:bldLst>
   </p:timing>
 </p:sld>
 </file>
 
 <file path=ppt/slides/slide6.xml><?xml version="1.0" encoding="utf-8"?>
-<p:sld xmlns:a="http://schemas.openxmlformats.org/drawingml/2006/main" xmlns:r="http://schemas.openxmlformats.org/officeDocument/2006/relationships" xmlns:p="http://schemas.openxmlformats.org/presentationml/2006/main" showMasterSp="1" showMasterPhAnim="1">
+<p:sld xmlns:a="http://schemas.openxmlformats.org/drawingml/2006/main" xmlns:r="http://schemas.openxmlformats.org/officeDocument/2006/relationships" xmlns:p="http://schemas.openxmlformats.org/presentationml/2006/main">
   <p:cSld>
     <p:bg>
       <p:bgPr>
-        <a:blipFill rotWithShape="1">
-          <a:blip r:embed="rId2"/>
-          <a:srcRect l="0" t="0" r="0" b="0"/>
-          <a:tile tx="0" ty="0" sx="100000" sy="100000" flip="none" algn="tl"/>
+        <a:blipFill dpi="0" rotWithShape="1">
+          <a:blip r:embed="rId2">
+            <a:lum/>
+          </a:blip>
+          <a:srcRect/>
+          <a:stretch>
+            <a:fillRect/>
+          </a:stretch>
         </a:blipFill>
+        <a:effectLst/>
       </p:bgPr>
     </p:bg>
     <p:spTree>
@@ -9362,7 +9741,9 @@
       <p:sp>
         <p:nvSpPr>
           <p:cNvPr id="135" name="Today"/>
-          <p:cNvSpPr txBox="1"/>
+          <p:cNvSpPr txBox="1">
+            <a:spLocks noGrp="1"/>
+          </p:cNvSpPr>
           <p:nvPr>
             <p:ph type="title"/>
           </p:nvPr>
@@ -9380,7 +9761,6 @@
           <a:bodyPr/>
           <a:lstStyle/>
           <a:p>
-            <a:pPr/>
             <a:r>
               <a:t>Today</a:t>
             </a:r>
@@ -9392,20 +9772,25 @@
   <p:clrMapOvr>
     <a:masterClrMapping/>
   </p:clrMapOvr>
-  <p:transition xmlns:p14="http://schemas.microsoft.com/office/powerpoint/2010/main" spd="med" advClick="1"/>
+  <p:transition spd="med"/>
 </p:sld>
 </file>
 
 <file path=ppt/slides/slide7.xml><?xml version="1.0" encoding="utf-8"?>
-<p:sld xmlns:a="http://schemas.openxmlformats.org/drawingml/2006/main" xmlns:r="http://schemas.openxmlformats.org/officeDocument/2006/relationships" xmlns:p="http://schemas.openxmlformats.org/presentationml/2006/main" showMasterSp="1" showMasterPhAnim="1">
+<p:sld xmlns:a="http://schemas.openxmlformats.org/drawingml/2006/main" xmlns:r="http://schemas.openxmlformats.org/officeDocument/2006/relationships" xmlns:p="http://schemas.openxmlformats.org/presentationml/2006/main">
   <p:cSld>
     <p:bg>
       <p:bgPr>
-        <a:blipFill rotWithShape="1">
-          <a:blip r:embed="rId2"/>
-          <a:srcRect l="0" t="0" r="0" b="0"/>
-          <a:tile tx="0" ty="0" sx="100000" sy="100000" flip="none" algn="tl"/>
+        <a:blipFill dpi="0" rotWithShape="1">
+          <a:blip r:embed="rId2">
+            <a:lum/>
+          </a:blip>
+          <a:srcRect/>
+          <a:stretch>
+            <a:fillRect/>
+          </a:stretch>
         </a:blipFill>
+        <a:effectLst/>
       </p:bgPr>
     </p:bg>
     <p:spTree>
@@ -9425,7 +9810,9 @@
       <p:sp>
         <p:nvSpPr>
           <p:cNvPr id="137" name="Feature Engineering"/>
-          <p:cNvSpPr txBox="1"/>
+          <p:cNvSpPr txBox="1">
+            <a:spLocks noGrp="1"/>
+          </p:cNvSpPr>
           <p:nvPr>
             <p:ph type="title"/>
           </p:nvPr>
@@ -9439,7 +9826,6 @@
           <a:bodyPr/>
           <a:lstStyle/>
           <a:p>
-            <a:pPr/>
             <a:r>
               <a:t>Feature Engineering</a:t>
             </a:r>
@@ -9449,7 +9835,9 @@
       <p:sp>
         <p:nvSpPr>
           <p:cNvPr id="138" name="Goal: Encoding time samples as meaningful features"/>
-          <p:cNvSpPr txBox="1"/>
+          <p:cNvSpPr txBox="1">
+            <a:spLocks noGrp="1"/>
+          </p:cNvSpPr>
           <p:nvPr>
             <p:ph type="body" idx="1"/>
           </p:nvPr>
@@ -9468,7 +9856,6 @@
             </a:lvl1pPr>
           </a:lstStyle>
           <a:p>
-            <a:pPr/>
             <a:r>
               <a:t>Goal: Encoding time samples as meaningful features</a:t>
             </a:r>
@@ -9523,7 +9910,7 @@
           </a:ln>
           <a:extLst>
             <a:ext uri="{C572A759-6A51-4108-AA02-DFA0A04FC94B}">
-              <ma14:wrappingTextBoxFlag xmlns:ma14="http://schemas.microsoft.com/office/mac/drawingml/2011/main" val="1"/>
+              <ma14:wrappingTextBoxFlag xmlns:ma14="http://schemas.microsoft.com/office/mac/drawingml/2011/main" xmlns="" val="1"/>
             </a:ext>
           </a:extLst>
         </p:spPr>
@@ -9533,7 +9920,6 @@
           </a:bodyPr>
           <a:lstStyle/>
           <a:p>
-            <a:pPr/>
             <a:r>
               <a:t>Concatenated History</a:t>
             </a:r>
@@ -9559,7 +9945,7 @@
           </a:ln>
           <a:extLst>
             <a:ext uri="{C572A759-6A51-4108-AA02-DFA0A04FC94B}">
-              <ma14:wrappingTextBoxFlag xmlns:ma14="http://schemas.microsoft.com/office/mac/drawingml/2011/main" val="1"/>
+              <ma14:wrappingTextBoxFlag xmlns:ma14="http://schemas.microsoft.com/office/mac/drawingml/2011/main" xmlns="" val="1"/>
             </a:ext>
           </a:extLst>
         </p:spPr>
@@ -9581,7 +9967,6 @@
             </a:lvl1pPr>
           </a:lstStyle>
           <a:p>
-            <a:pPr/>
             <a:r>
               <a:t>vs</a:t>
             </a:r>
@@ -9636,7 +10021,7 @@
           </a:ln>
           <a:extLst>
             <a:ext uri="{C572A759-6A51-4108-AA02-DFA0A04FC94B}">
-              <ma14:wrappingTextBoxFlag xmlns:ma14="http://schemas.microsoft.com/office/mac/drawingml/2011/main" val="1"/>
+              <ma14:wrappingTextBoxFlag xmlns:ma14="http://schemas.microsoft.com/office/mac/drawingml/2011/main" xmlns="" val="1"/>
             </a:ext>
           </a:extLst>
         </p:spPr>
@@ -9646,7 +10031,6 @@
           </a:bodyPr>
           <a:lstStyle/>
           <a:p>
-            <a:pPr/>
             <a:r>
               <a:t>Sliding Window</a:t>
             </a:r>
@@ -9658,14 +10042,14 @@
   <p:clrMapOvr>
     <a:masterClrMapping/>
   </p:clrMapOvr>
-  <p:transition xmlns:p14="http://schemas.microsoft.com/office/powerpoint/2010/main" spd="med" advClick="1"/>
+  <p:transition spd="med"/>
   <p:timing>
     <p:tnLst>
       <p:par>
-        <p:cTn id="1" nodeType="tmRoot" restart="never" dur="indefinite" fill="hold">
+        <p:cTn id="1" dur="indefinite" restart="never" fill="hold" nodeType="tmRoot">
           <p:childTnLst>
             <p:seq concurrent="1" prevAc="none" nextAc="seek">
-              <p:cTn id="2" nodeType="mainSeq" dur="indefinite" fill="hold">
+              <p:cTn id="2" dur="indefinite" fill="hold" nodeType="mainSeq">
                 <p:childTnLst>
                   <p:par>
                     <p:cTn id="3" fill="hold">
@@ -9680,11 +10064,11 @@
                             </p:stCondLst>
                             <p:childTnLst>
                               <p:par>
-                                <p:cTn id="5" presetClass="entr" nodeType="clickEffect" presetSubtype="0" presetID="1" grpId="1" fill="hold">
+                                <p:cTn id="5" presetID="1" presetClass="entr" presetSubtype="0" fill="hold" grpId="1" nodeType="clickEffect">
                                   <p:stCondLst>
                                     <p:cond delay="0"/>
                                   </p:stCondLst>
-                                  <p:iterate type="el" backwards="0">
+                                  <p:iterate>
                                     <p:tmAbs val="0"/>
                                   </p:iterate>
                                   <p:childTnLst>
@@ -9708,11 +10092,11 @@
                                 </p:cTn>
                               </p:par>
                               <p:par>
-                                <p:cTn id="7" presetClass="entr" nodeType="withEffect" presetSubtype="0" presetID="1" grpId="1" fill="hold">
+                                <p:cTn id="7" presetID="1" presetClass="entr" presetSubtype="0" fill="hold" grpId="1" nodeType="withEffect">
                                   <p:stCondLst>
                                     <p:cond delay="0"/>
                                   </p:stCondLst>
-                                  <p:iterate type="el" backwards="0">
+                                  <p:iterate>
                                     <p:tmAbs val="0"/>
                                   </p:iterate>
                                   <p:childTnLst>
@@ -9756,11 +10140,11 @@
                             </p:stCondLst>
                             <p:childTnLst>
                               <p:par>
-                                <p:cTn id="11" presetClass="entr" nodeType="clickEffect" presetSubtype="0" presetID="1" grpId="2" fill="hold">
+                                <p:cTn id="11" presetID="1" presetClass="entr" presetSubtype="0" fill="hold" grpId="2" nodeType="clickEffect">
                                   <p:stCondLst>
                                     <p:cond delay="0"/>
                                   </p:stCondLst>
-                                  <p:iterate type="el" backwards="0">
+                                  <p:iterate>
                                     <p:tmAbs val="0"/>
                                   </p:iterate>
                                   <p:childTnLst>
@@ -9791,11 +10175,11 @@
                             </p:stCondLst>
                             <p:childTnLst>
                               <p:par>
-                                <p:cTn id="14" presetClass="entr" nodeType="afterEffect" presetSubtype="0" presetID="1" grpId="3" fill="hold">
+                                <p:cTn id="14" presetID="1" presetClass="entr" presetSubtype="0" fill="hold" grpId="3" nodeType="afterEffect">
                                   <p:stCondLst>
                                     <p:cond delay="0"/>
                                   </p:stCondLst>
-                                  <p:iterate type="el" backwards="0">
+                                  <p:iterate>
                                     <p:tmAbs val="0"/>
                                   </p:iterate>
                                   <p:childTnLst>
@@ -9826,11 +10210,11 @@
                             </p:stCondLst>
                             <p:childTnLst>
                               <p:par>
-                                <p:cTn id="17" presetClass="entr" nodeType="afterEffect" presetSubtype="0" presetID="1" grpId="4" fill="hold">
+                                <p:cTn id="17" presetID="1" presetClass="entr" presetSubtype="0" fill="hold" grpId="4" nodeType="afterEffect">
                                   <p:stCondLst>
                                     <p:cond delay="0"/>
                                   </p:stCondLst>
-                                  <p:iterate type="el" backwards="0">
+                                  <p:iterate>
                                     <p:tmAbs val="0"/>
                                   </p:iterate>
                                   <p:childTnLst>
@@ -9861,11 +10245,11 @@
                             </p:stCondLst>
                             <p:childTnLst>
                               <p:par>
-                                <p:cTn id="20" presetClass="entr" nodeType="afterEffect" presetSubtype="0" presetID="1" grpId="5" fill="hold">
+                                <p:cTn id="20" presetID="1" presetClass="entr" presetSubtype="0" fill="hold" grpId="5" nodeType="afterEffect">
                                   <p:stCondLst>
                                     <p:cond delay="0"/>
                                   </p:stCondLst>
-                                  <p:iterate type="el" backwards="0">
+                                  <p:iterate>
                                     <p:tmAbs val="0"/>
                                   </p:iterate>
                                   <p:childTnLst>
@@ -9896,11 +10280,11 @@
                             </p:stCondLst>
                             <p:childTnLst>
                               <p:par>
-                                <p:cTn id="23" presetClass="entr" nodeType="afterEffect" presetSubtype="0" presetID="1" grpId="6" fill="hold">
+                                <p:cTn id="23" presetID="1" presetClass="entr" presetSubtype="0" fill="hold" grpId="6" nodeType="afterEffect">
                                   <p:stCondLst>
                                     <p:cond delay="0"/>
                                   </p:stCondLst>
-                                  <p:iterate type="el" backwards="0">
+                                  <p:iterate>
                                     <p:tmAbs val="0"/>
                                   </p:iterate>
                                   <p:childTnLst>
@@ -9930,14 +10314,14 @@
                 </p:childTnLst>
               </p:cTn>
               <p:prevCondLst>
-                <p:cond evt="onPrev">
+                <p:cond evt="onPrev" delay="0">
                   <p:tgtEl>
                     <p:sldTgt/>
                   </p:tgtEl>
                 </p:cond>
               </p:prevCondLst>
               <p:nextCondLst>
-                <p:cond evt="onNext">
+                <p:cond evt="onNext" delay="0">
                   <p:tgtEl>
                     <p:sldTgt/>
                   </p:tgtEl>
@@ -9949,27 +10333,32 @@
       </p:par>
     </p:tnLst>
     <p:bldLst>
-      <p:bldP build="whole" bldLvl="1" animBg="1" rev="0" advAuto="0" spid="142" grpId="2"/>
-      <p:bldP build="p" bldLvl="5" animBg="1" rev="0" advAuto="0" spid="138" grpId="1"/>
-      <p:bldP build="whole" bldLvl="1" animBg="1" rev="0" advAuto="0" spid="143" grpId="5"/>
-      <p:bldP build="whole" bldLvl="1" animBg="1" rev="0" advAuto="0" spid="139" grpId="3"/>
-      <p:bldP build="whole" bldLvl="1" animBg="1" rev="0" advAuto="0" spid="141" grpId="4"/>
-      <p:bldP build="whole" bldLvl="1" animBg="1" rev="0" advAuto="0" spid="140" grpId="6"/>
+      <p:bldP spid="138" grpId="1" build="p" bldLvl="5" animBg="1" advAuto="0"/>
+      <p:bldP spid="139" grpId="3" animBg="1" advAuto="0"/>
+      <p:bldP spid="140" grpId="6" animBg="1" advAuto="0"/>
+      <p:bldP spid="141" grpId="4" animBg="1" advAuto="0"/>
+      <p:bldP spid="142" grpId="2" animBg="1" advAuto="0"/>
+      <p:bldP spid="143" grpId="5" animBg="1" advAuto="0"/>
     </p:bldLst>
   </p:timing>
 </p:sld>
 </file>
 
 <file path=ppt/slides/slide8.xml><?xml version="1.0" encoding="utf-8"?>
-<p:sld xmlns:a="http://schemas.openxmlformats.org/drawingml/2006/main" xmlns:r="http://schemas.openxmlformats.org/officeDocument/2006/relationships" xmlns:p="http://schemas.openxmlformats.org/presentationml/2006/main" showMasterSp="1" showMasterPhAnim="1">
+<p:sld xmlns:a="http://schemas.openxmlformats.org/drawingml/2006/main" xmlns:r="http://schemas.openxmlformats.org/officeDocument/2006/relationships" xmlns:p="http://schemas.openxmlformats.org/presentationml/2006/main">
   <p:cSld>
     <p:bg>
       <p:bgPr>
-        <a:blipFill rotWithShape="1">
-          <a:blip r:embed="rId2"/>
-          <a:srcRect l="0" t="0" r="0" b="0"/>
-          <a:tile tx="0" ty="0" sx="100000" sy="100000" flip="none" algn="tl"/>
+        <a:blipFill dpi="0" rotWithShape="1">
+          <a:blip r:embed="rId2">
+            <a:lum/>
+          </a:blip>
+          <a:srcRect/>
+          <a:stretch>
+            <a:fillRect/>
+          </a:stretch>
         </a:blipFill>
+        <a:effectLst/>
       </p:bgPr>
     </p:bg>
     <p:spTree>
@@ -9989,7 +10378,9 @@
       <p:sp>
         <p:nvSpPr>
           <p:cNvPr id="145" name="Feature Engineering"/>
-          <p:cNvSpPr txBox="1"/>
+          <p:cNvSpPr txBox="1">
+            <a:spLocks noGrp="1"/>
+          </p:cNvSpPr>
           <p:nvPr>
             <p:ph type="title"/>
           </p:nvPr>
@@ -10003,7 +10394,6 @@
           <a:bodyPr/>
           <a:lstStyle/>
           <a:p>
-            <a:pPr/>
             <a:r>
               <a:t>Feature Engineering</a:t>
             </a:r>
@@ -10013,7 +10403,9 @@
       <p:sp>
         <p:nvSpPr>
           <p:cNvPr id="146" name="Questions:…"/>
-          <p:cNvSpPr txBox="1"/>
+          <p:cNvSpPr txBox="1">
+            <a:spLocks noGrp="1"/>
+          </p:cNvSpPr>
           <p:nvPr>
             <p:ph type="body" idx="1"/>
           </p:nvPr>
@@ -10062,7 +10454,7 @@
             </a:r>
           </a:p>
           <a:p>
-            <a:pPr lvl="1" marL="711200" indent="-355600" defTabSz="467359">
+            <a:pPr marL="711200" lvl="1" indent="-355600" defTabSz="467359">
               <a:spcBef>
                 <a:spcPts val="3300"/>
               </a:spcBef>
@@ -10080,18 +10472,9 @@
               </a:rPr>
               <a:t>Samples</a:t>
             </a:r>
-            <a:endParaRPr>
-              <a:solidFill>
-                <a:schemeClr val="accent4">
-                  <a:hueOff val="468000"/>
-                  <a:satOff val="-4761"/>
-                  <a:lumOff val="10196"/>
-                </a:schemeClr>
-              </a:solidFill>
-            </a:endParaRPr>
           </a:p>
           <a:p>
-            <a:pPr lvl="1" marL="711200" indent="-355600" defTabSz="467359">
+            <a:pPr marL="711200" lvl="1" indent="-355600" defTabSz="467359">
               <a:spcBef>
                 <a:spcPts val="3300"/>
               </a:spcBef>
@@ -10109,18 +10492,9 @@
               </a:rPr>
               <a:t>Standard deviation</a:t>
             </a:r>
-            <a:endParaRPr>
-              <a:solidFill>
-                <a:schemeClr val="accent4">
-                  <a:hueOff val="468000"/>
-                  <a:satOff val="-4761"/>
-                  <a:lumOff val="10196"/>
-                </a:schemeClr>
-              </a:solidFill>
-            </a:endParaRPr>
           </a:p>
           <a:p>
-            <a:pPr lvl="1" marL="711200" indent="-355600" defTabSz="467359">
+            <a:pPr marL="711200" lvl="1" indent="-355600" defTabSz="467359">
               <a:spcBef>
                 <a:spcPts val="3300"/>
               </a:spcBef>
@@ -10138,18 +10512,9 @@
               </a:rPr>
               <a:t>Local min/max</a:t>
             </a:r>
-            <a:endParaRPr>
-              <a:solidFill>
-                <a:schemeClr val="accent4">
-                  <a:hueOff val="468000"/>
-                  <a:satOff val="-4761"/>
-                  <a:lumOff val="10196"/>
-                </a:schemeClr>
-              </a:solidFill>
-            </a:endParaRPr>
           </a:p>
           <a:p>
-            <a:pPr lvl="1" marL="711200" indent="-355600" defTabSz="467359">
+            <a:pPr marL="711200" lvl="1" indent="-355600" defTabSz="467359">
               <a:spcBef>
                 <a:spcPts val="3300"/>
               </a:spcBef>
@@ -10167,18 +10532,9 @@
               </a:rPr>
               <a:t>Mean</a:t>
             </a:r>
-            <a:endParaRPr>
-              <a:solidFill>
-                <a:schemeClr val="accent4">
-                  <a:hueOff val="468000"/>
-                  <a:satOff val="-4761"/>
-                  <a:lumOff val="10196"/>
-                </a:schemeClr>
-              </a:solidFill>
-            </a:endParaRPr>
           </a:p>
           <a:p>
-            <a:pPr lvl="1" marL="711200" indent="-355600" defTabSz="467359">
+            <a:pPr marL="711200" lvl="1" indent="-355600" defTabSz="467359">
               <a:spcBef>
                 <a:spcPts val="3300"/>
               </a:spcBef>
@@ -10204,14 +10560,14 @@
   <p:clrMapOvr>
     <a:masterClrMapping/>
   </p:clrMapOvr>
-  <p:transition xmlns:p14="http://schemas.microsoft.com/office/powerpoint/2010/main" spd="med" advClick="1"/>
+  <p:transition spd="med"/>
   <p:timing>
     <p:tnLst>
       <p:par>
-        <p:cTn id="1" nodeType="tmRoot" restart="never" dur="indefinite" fill="hold">
+        <p:cTn id="1" dur="indefinite" restart="never" fill="hold" nodeType="tmRoot">
           <p:childTnLst>
             <p:seq concurrent="1" prevAc="none" nextAc="seek">
-              <p:cTn id="2" nodeType="mainSeq" dur="indefinite" fill="hold">
+              <p:cTn id="2" dur="indefinite" fill="hold" nodeType="mainSeq">
                 <p:childTnLst>
                   <p:par>
                     <p:cTn id="3" fill="hold">
@@ -10226,11 +10582,11 @@
                             </p:stCondLst>
                             <p:childTnLst>
                               <p:par>
-                                <p:cTn id="5" presetClass="entr" nodeType="clickEffect" presetSubtype="0" presetID="1" grpId="1" fill="hold">
+                                <p:cTn id="5" presetID="1" presetClass="entr" presetSubtype="0" fill="hold" grpId="1" nodeType="clickEffect">
                                   <p:stCondLst>
                                     <p:cond delay="0"/>
                                   </p:stCondLst>
-                                  <p:iterate type="el" backwards="0">
+                                  <p:iterate>
                                     <p:tmAbs val="0"/>
                                   </p:iterate>
                                   <p:childTnLst>
@@ -10254,11 +10610,11 @@
                                 </p:cTn>
                               </p:par>
                               <p:par>
-                                <p:cTn id="7" presetClass="entr" nodeType="withEffect" presetSubtype="0" presetID="1" grpId="1" fill="hold">
+                                <p:cTn id="7" presetID="1" presetClass="entr" presetSubtype="0" fill="hold" grpId="1" nodeType="withEffect">
                                   <p:stCondLst>
                                     <p:cond delay="0"/>
                                   </p:stCondLst>
-                                  <p:iterate type="el" backwards="0">
+                                  <p:iterate>
                                     <p:tmAbs val="0"/>
                                   </p:iterate>
                                   <p:childTnLst>
@@ -10302,11 +10658,11 @@
                             </p:stCondLst>
                             <p:childTnLst>
                               <p:par>
-                                <p:cTn id="11" presetClass="entr" nodeType="clickEffect" presetSubtype="0" presetID="1" grpId="1" fill="hold">
+                                <p:cTn id="11" presetID="1" presetClass="entr" presetSubtype="0" fill="hold" grpId="1" nodeType="clickEffect">
                                   <p:stCondLst>
                                     <p:cond delay="0"/>
                                   </p:stCondLst>
-                                  <p:iterate type="el" backwards="0">
+                                  <p:iterate>
                                     <p:tmAbs val="0"/>
                                   </p:iterate>
                                   <p:childTnLst>
@@ -10350,11 +10706,11 @@
                             </p:stCondLst>
                             <p:childTnLst>
                               <p:par>
-                                <p:cTn id="15" presetClass="entr" nodeType="clickEffect" presetSubtype="0" presetID="1" grpId="1" fill="hold">
+                                <p:cTn id="15" presetID="1" presetClass="entr" presetSubtype="0" fill="hold" grpId="1" nodeType="clickEffect">
                                   <p:stCondLst>
                                     <p:cond delay="0"/>
                                   </p:stCondLst>
-                                  <p:iterate type="el" backwards="0">
+                                  <p:iterate>
                                     <p:tmAbs val="0"/>
                                   </p:iterate>
                                   <p:childTnLst>
@@ -10398,11 +10754,11 @@
                             </p:stCondLst>
                             <p:childTnLst>
                               <p:par>
-                                <p:cTn id="19" presetClass="entr" nodeType="clickEffect" presetSubtype="0" presetID="1" grpId="1" fill="hold">
+                                <p:cTn id="19" presetID="1" presetClass="entr" presetSubtype="0" fill="hold" grpId="1" nodeType="clickEffect">
                                   <p:stCondLst>
                                     <p:cond delay="0"/>
                                   </p:stCondLst>
-                                  <p:iterate type="el" backwards="0">
+                                  <p:iterate>
                                     <p:tmAbs val="0"/>
                                   </p:iterate>
                                   <p:childTnLst>
@@ -10446,11 +10802,11 @@
                             </p:stCondLst>
                             <p:childTnLst>
                               <p:par>
-                                <p:cTn id="23" presetClass="entr" nodeType="clickEffect" presetSubtype="0" presetID="1" grpId="1" fill="hold">
+                                <p:cTn id="23" presetID="1" presetClass="entr" presetSubtype="0" fill="hold" grpId="1" nodeType="clickEffect">
                                   <p:stCondLst>
                                     <p:cond delay="0"/>
                                   </p:stCondLst>
-                                  <p:iterate type="el" backwards="0">
+                                  <p:iterate>
                                     <p:tmAbs val="0"/>
                                   </p:iterate>
                                   <p:childTnLst>
@@ -10494,11 +10850,11 @@
                             </p:stCondLst>
                             <p:childTnLst>
                               <p:par>
-                                <p:cTn id="27" presetClass="entr" nodeType="clickEffect" presetSubtype="0" presetID="1" grpId="1" fill="hold">
+                                <p:cTn id="27" presetID="1" presetClass="entr" presetSubtype="0" fill="hold" grpId="1" nodeType="clickEffect">
                                   <p:stCondLst>
                                     <p:cond delay="0"/>
                                   </p:stCondLst>
-                                  <p:iterate type="el" backwards="0">
+                                  <p:iterate>
                                     <p:tmAbs val="0"/>
                                   </p:iterate>
                                   <p:childTnLst>
@@ -10542,11 +10898,11 @@
                             </p:stCondLst>
                             <p:childTnLst>
                               <p:par>
-                                <p:cTn id="31" presetClass="entr" nodeType="clickEffect" presetSubtype="0" presetID="1" grpId="1" fill="hold">
+                                <p:cTn id="31" presetID="1" presetClass="entr" presetSubtype="0" fill="hold" grpId="1" nodeType="clickEffect">
                                   <p:stCondLst>
                                     <p:cond delay="0"/>
                                   </p:stCondLst>
-                                  <p:iterate type="el" backwards="0">
+                                  <p:iterate>
                                     <p:tmAbs val="0"/>
                                   </p:iterate>
                                   <p:childTnLst>
@@ -10590,11 +10946,11 @@
                             </p:stCondLst>
                             <p:childTnLst>
                               <p:par>
-                                <p:cTn id="35" presetClass="entr" nodeType="clickEffect" presetSubtype="0" presetID="1" grpId="1" fill="hold">
+                                <p:cTn id="35" presetID="1" presetClass="entr" presetSubtype="0" fill="hold" grpId="1" nodeType="clickEffect">
                                   <p:stCondLst>
                                     <p:cond delay="0"/>
                                   </p:stCondLst>
-                                  <p:iterate type="el" backwards="0">
+                                  <p:iterate>
                                     <p:tmAbs val="0"/>
                                   </p:iterate>
                                   <p:childTnLst>
@@ -10628,14 +10984,14 @@
                 </p:childTnLst>
               </p:cTn>
               <p:prevCondLst>
-                <p:cond evt="onPrev">
+                <p:cond evt="onPrev" delay="0">
                   <p:tgtEl>
                     <p:sldTgt/>
                   </p:tgtEl>
                 </p:cond>
               </p:prevCondLst>
               <p:nextCondLst>
-                <p:cond evt="onNext">
+                <p:cond evt="onNext" delay="0">
                   <p:tgtEl>
                     <p:sldTgt/>
                   </p:tgtEl>
@@ -10647,22 +11003,27 @@
       </p:par>
     </p:tnLst>
     <p:bldLst>
-      <p:bldP build="p" bldLvl="5" animBg="1" rev="0" advAuto="0" spid="146" grpId="1"/>
+      <p:bldP spid="146" grpId="1" build="p" bldLvl="5" animBg="1" advAuto="0"/>
     </p:bldLst>
   </p:timing>
 </p:sld>
 </file>
 
 <file path=ppt/slides/slide9.xml><?xml version="1.0" encoding="utf-8"?>
-<p:sld xmlns:a="http://schemas.openxmlformats.org/drawingml/2006/main" xmlns:r="http://schemas.openxmlformats.org/officeDocument/2006/relationships" xmlns:p="http://schemas.openxmlformats.org/presentationml/2006/main" showMasterSp="1" showMasterPhAnim="1">
+<p:sld xmlns:a="http://schemas.openxmlformats.org/drawingml/2006/main" xmlns:r="http://schemas.openxmlformats.org/officeDocument/2006/relationships" xmlns:p="http://schemas.openxmlformats.org/presentationml/2006/main">
   <p:cSld>
     <p:bg>
       <p:bgPr>
-        <a:blipFill rotWithShape="1">
-          <a:blip r:embed="rId2"/>
-          <a:srcRect l="0" t="0" r="0" b="0"/>
-          <a:tile tx="0" ty="0" sx="100000" sy="100000" flip="none" algn="tl"/>
+        <a:blipFill dpi="0" rotWithShape="1">
+          <a:blip r:embed="rId2">
+            <a:lum/>
+          </a:blip>
+          <a:srcRect/>
+          <a:stretch>
+            <a:fillRect/>
+          </a:stretch>
         </a:blipFill>
+        <a:effectLst/>
       </p:bgPr>
     </p:bg>
     <p:spTree>
@@ -10682,7 +11043,9 @@
       <p:sp>
         <p:nvSpPr>
           <p:cNvPr id="148" name="Initial Results"/>
-          <p:cNvSpPr txBox="1"/>
+          <p:cNvSpPr txBox="1">
+            <a:spLocks noGrp="1"/>
+          </p:cNvSpPr>
           <p:nvPr>
             <p:ph type="title"/>
           </p:nvPr>
@@ -10696,7 +11059,6 @@
           <a:bodyPr/>
           <a:lstStyle/>
           <a:p>
-            <a:pPr/>
             <a:r>
               <a:t>Initial Results</a:t>
             </a:r>
@@ -10706,7 +11068,9 @@
       <p:sp>
         <p:nvSpPr>
           <p:cNvPr id="149" name="Linear vs Non-linear on both approaches…"/>
-          <p:cNvSpPr txBox="1"/>
+          <p:cNvSpPr txBox="1">
+            <a:spLocks noGrp="1"/>
+          </p:cNvSpPr>
           <p:nvPr>
             <p:ph type="body" idx="1"/>
           </p:nvPr>
@@ -10724,7 +11088,6 @@
           <a:bodyPr/>
           <a:lstStyle/>
           <a:p>
-            <a:pPr/>
             <a:r>
               <a:rPr>
                 <a:solidFill>
@@ -10757,7 +11120,6 @@
             </a:r>
           </a:p>
           <a:p>
-            <a:pPr/>
             <a:r>
               <a:t>Results over </a:t>
             </a:r>
@@ -10788,30 +11150,18 @@
               </a:rPr>
               <a:t>1sec</a:t>
             </a:r>
-            <a:endParaRPr>
-              <a:solidFill>
-                <a:schemeClr val="accent4">
-                  <a:hueOff val="468000"/>
-                  <a:satOff val="-4761"/>
-                  <a:lumOff val="10196"/>
-                </a:schemeClr>
-              </a:solidFill>
-            </a:endParaRPr>
           </a:p>
           <a:p>
-            <a:pPr/>
             <a:r>
               <a:t>Logistic Regression did not achieve good results on validation set</a:t>
             </a:r>
           </a:p>
           <a:p>
-            <a:pPr/>
             <a:r>
               <a:t>Random Forest did quite well</a:t>
             </a:r>
           </a:p>
           <a:p>
-            <a:pPr/>
             <a:r>
               <a:t>Data is not linearly separable with current features</a:t>
             </a:r>
@@ -10881,14 +11231,14 @@
   <p:clrMapOvr>
     <a:masterClrMapping/>
   </p:clrMapOvr>
-  <p:transition xmlns:p14="http://schemas.microsoft.com/office/powerpoint/2010/main" spd="med" advClick="1"/>
+  <p:transition spd="med"/>
   <p:timing>
     <p:tnLst>
       <p:par>
-        <p:cTn id="1" nodeType="tmRoot" restart="never" dur="indefinite" fill="hold">
+        <p:cTn id="1" dur="indefinite" restart="never" fill="hold" nodeType="tmRoot">
           <p:childTnLst>
             <p:seq concurrent="1" prevAc="none" nextAc="seek">
-              <p:cTn id="2" nodeType="mainSeq" dur="indefinite" fill="hold">
+              <p:cTn id="2" dur="indefinite" fill="hold" nodeType="mainSeq">
                 <p:childTnLst>
                   <p:par>
                     <p:cTn id="3" fill="hold">
@@ -10903,11 +11253,11 @@
                             </p:stCondLst>
                             <p:childTnLst>
                               <p:par>
-                                <p:cTn id="5" presetClass="entr" nodeType="clickEffect" presetSubtype="0" presetID="1" grpId="1" fill="hold">
+                                <p:cTn id="5" presetID="1" presetClass="entr" presetSubtype="0" fill="hold" grpId="1" nodeType="clickEffect">
                                   <p:stCondLst>
                                     <p:cond delay="0"/>
                                   </p:stCondLst>
-                                  <p:iterate type="el" backwards="0">
+                                  <p:iterate>
                                     <p:tmAbs val="0"/>
                                   </p:iterate>
                                   <p:childTnLst>
@@ -10931,11 +11281,11 @@
                                 </p:cTn>
                               </p:par>
                               <p:par>
-                                <p:cTn id="7" presetClass="entr" nodeType="withEffect" presetSubtype="0" presetID="1" grpId="1" fill="hold">
+                                <p:cTn id="7" presetID="1" presetClass="entr" presetSubtype="0" fill="hold" grpId="1" nodeType="withEffect">
                                   <p:stCondLst>
                                     <p:cond delay="0"/>
                                   </p:stCondLst>
-                                  <p:iterate type="el" backwards="0">
+                                  <p:iterate>
                                     <p:tmAbs val="0"/>
                                   </p:iterate>
                                   <p:childTnLst>
@@ -10970,11 +11320,11 @@
                             </p:stCondLst>
                             <p:childTnLst>
                               <p:par>
-                                <p:cTn id="10" presetClass="entr" nodeType="afterEffect" presetSubtype="0" presetID="1" grpId="2" fill="hold">
+                                <p:cTn id="10" presetID="1" presetClass="entr" presetSubtype="0" fill="hold" grpId="2" nodeType="afterEffect">
                                   <p:stCondLst>
                                     <p:cond delay="0"/>
                                   </p:stCondLst>
-                                  <p:iterate type="el" backwards="0">
+                                  <p:iterate>
                                     <p:tmAbs val="0"/>
                                   </p:iterate>
                                   <p:childTnLst>
@@ -11005,11 +11355,11 @@
                             </p:stCondLst>
                             <p:childTnLst>
                               <p:par>
-                                <p:cTn id="13" presetClass="entr" nodeType="afterEffect" presetSubtype="0" presetID="1" grpId="3" fill="hold">
+                                <p:cTn id="13" presetID="1" presetClass="entr" presetSubtype="0" fill="hold" grpId="3" nodeType="afterEffect">
                                   <p:stCondLst>
                                     <p:cond delay="0"/>
                                   </p:stCondLst>
-                                  <p:iterate type="el" backwards="0">
+                                  <p:iterate>
                                     <p:tmAbs val="0"/>
                                   </p:iterate>
                                   <p:childTnLst>
@@ -11049,11 +11399,11 @@
                             </p:stCondLst>
                             <p:childTnLst>
                               <p:par>
-                                <p:cTn id="17" presetClass="entr" nodeType="clickEffect" presetSubtype="0" presetID="1" grpId="1" fill="hold">
+                                <p:cTn id="17" presetID="1" presetClass="entr" presetSubtype="0" fill="hold" grpId="1" nodeType="clickEffect">
                                   <p:stCondLst>
                                     <p:cond delay="0"/>
                                   </p:stCondLst>
-                                  <p:iterate type="el" backwards="0">
+                                  <p:iterate>
                                     <p:tmAbs val="0"/>
                                   </p:iterate>
                                   <p:childTnLst>
@@ -11097,11 +11447,11 @@
                             </p:stCondLst>
                             <p:childTnLst>
                               <p:par>
-                                <p:cTn id="21" presetClass="entr" nodeType="clickEffect" presetSubtype="0" presetID="1" grpId="1" fill="hold">
+                                <p:cTn id="21" presetID="1" presetClass="entr" presetSubtype="0" fill="hold" grpId="1" nodeType="clickEffect">
                                   <p:stCondLst>
                                     <p:cond delay="0"/>
                                   </p:stCondLst>
-                                  <p:iterate type="el" backwards="0">
+                                  <p:iterate>
                                     <p:tmAbs val="0"/>
                                   </p:iterate>
                                   <p:childTnLst>
@@ -11145,11 +11495,11 @@
                             </p:stCondLst>
                             <p:childTnLst>
                               <p:par>
-                                <p:cTn id="25" presetClass="entr" nodeType="clickEffect" presetSubtype="0" presetID="1" grpId="1" fill="hold">
+                                <p:cTn id="25" presetID="1" presetClass="entr" presetSubtype="0" fill="hold" grpId="1" nodeType="clickEffect">
                                   <p:stCondLst>
                                     <p:cond delay="0"/>
                                   </p:stCondLst>
-                                  <p:iterate type="el" backwards="0">
+                                  <p:iterate>
                                     <p:tmAbs val="0"/>
                                   </p:iterate>
                                   <p:childTnLst>
@@ -11193,11 +11543,11 @@
                             </p:stCondLst>
                             <p:childTnLst>
                               <p:par>
-                                <p:cTn id="29" presetClass="entr" nodeType="clickEffect" presetSubtype="0" presetID="1" grpId="1" fill="hold">
+                                <p:cTn id="29" presetID="1" presetClass="entr" presetSubtype="0" fill="hold" grpId="1" nodeType="clickEffect">
                                   <p:stCondLst>
                                     <p:cond delay="0"/>
                                   </p:stCondLst>
-                                  <p:iterate type="el" backwards="0">
+                                  <p:iterate>
                                     <p:tmAbs val="0"/>
                                   </p:iterate>
                                   <p:childTnLst>
@@ -11231,14 +11581,14 @@
                 </p:childTnLst>
               </p:cTn>
               <p:prevCondLst>
-                <p:cond evt="onPrev">
+                <p:cond evt="onPrev" delay="0">
                   <p:tgtEl>
                     <p:sldTgt/>
                   </p:tgtEl>
                 </p:cond>
               </p:prevCondLst>
               <p:nextCondLst>
-                <p:cond evt="onNext">
+                <p:cond evt="onNext" delay="0">
                   <p:tgtEl>
                     <p:sldTgt/>
                   </p:tgtEl>
@@ -11250,16 +11600,16 @@
       </p:par>
     </p:tnLst>
     <p:bldLst>
-      <p:bldP build="whole" bldLvl="1" animBg="1" rev="0" advAuto="0" spid="150" grpId="2"/>
-      <p:bldP build="p" bldLvl="5" animBg="1" rev="0" advAuto="0" spid="149" grpId="1"/>
-      <p:bldP build="whole" bldLvl="1" animBg="1" rev="0" advAuto="0" spid="151" grpId="3"/>
+      <p:bldP spid="149" grpId="1" build="p" bldLvl="5" animBg="1" advAuto="0"/>
+      <p:bldP spid="150" grpId="2" animBg="1" advAuto="0"/>
+      <p:bldP spid="151" grpId="3" animBg="1" advAuto="0"/>
     </p:bldLst>
   </p:timing>
 </p:sld>
 </file>
 
 <file path=ppt/theme/theme1.xml><?xml version="1.0" encoding="utf-8"?>
-<a:theme xmlns:a="http://schemas.openxmlformats.org/drawingml/2006/main" xmlns:r="http://schemas.openxmlformats.org/officeDocument/2006/relationships" name="Black">
+<a:theme xmlns:a="http://schemas.openxmlformats.org/drawingml/2006/main" name="Black">
   <a:themeElements>
     <a:clrScheme name="Black">
       <a:dk1>
@@ -11460,7 +11810,7 @@
         <a:effectLst/>
         <a:sp3d/>
       </a:spPr>
-      <a:bodyPr rot="0" spcFirstLastPara="1" vertOverflow="overflow" horzOverflow="overflow" vert="horz" wrap="square" lIns="50800" tIns="50800" rIns="50800" bIns="50800" numCol="1" spcCol="38100" rtlCol="0" anchor="ctr" upright="0">
+      <a:bodyPr rot="0" spcFirstLastPara="1" vertOverflow="overflow" horzOverflow="overflow" vert="horz" wrap="square" lIns="50800" tIns="50800" rIns="50800" bIns="50800" numCol="1" spcCol="38100" rtlCol="0" anchor="ctr">
         <a:spAutoFit/>
       </a:bodyPr>
       <a:lstStyle>
@@ -11479,7 +11829,7 @@
           <a:buFontTx/>
           <a:buNone/>
           <a:tabLst/>
-          <a:defRPr b="0" baseline="0" cap="none" i="0" spc="0" strike="noStrike" sz="2200" u="none" kumimoji="0" normalizeH="0">
+          <a:defRPr kumimoji="0" sz="2200" b="0" i="0" u="none" strike="noStrike" cap="none" spc="0" normalizeH="0" baseline="0">
             <a:ln>
               <a:noFill/>
             </a:ln>
@@ -11509,7 +11859,7 @@
           <a:buFontTx/>
           <a:buNone/>
           <a:tabLst/>
-          <a:defRPr b="0" baseline="0" cap="none" i="0" spc="0" strike="noStrike" sz="1800" u="none" kumimoji="0" normalizeH="0">
+          <a:defRPr kumimoji="0" sz="1800" b="0" i="0" u="none" strike="noStrike" cap="none" spc="0" normalizeH="0" baseline="0">
             <a:ln>
               <a:noFill/>
             </a:ln>
@@ -11535,7 +11885,7 @@
           <a:buFontTx/>
           <a:buNone/>
           <a:tabLst/>
-          <a:defRPr b="0" baseline="0" cap="none" i="0" spc="0" strike="noStrike" sz="1800" u="none" kumimoji="0" normalizeH="0">
+          <a:defRPr kumimoji="0" sz="1800" b="0" i="0" u="none" strike="noStrike" cap="none" spc="0" normalizeH="0" baseline="0">
             <a:ln>
               <a:noFill/>
             </a:ln>
@@ -11561,7 +11911,7 @@
           <a:buFontTx/>
           <a:buNone/>
           <a:tabLst/>
-          <a:defRPr b="0" baseline="0" cap="none" i="0" spc="0" strike="noStrike" sz="1800" u="none" kumimoji="0" normalizeH="0">
+          <a:defRPr kumimoji="0" sz="1800" b="0" i="0" u="none" strike="noStrike" cap="none" spc="0" normalizeH="0" baseline="0">
             <a:ln>
               <a:noFill/>
             </a:ln>
@@ -11587,7 +11937,7 @@
           <a:buFontTx/>
           <a:buNone/>
           <a:tabLst/>
-          <a:defRPr b="0" baseline="0" cap="none" i="0" spc="0" strike="noStrike" sz="1800" u="none" kumimoji="0" normalizeH="0">
+          <a:defRPr kumimoji="0" sz="1800" b="0" i="0" u="none" strike="noStrike" cap="none" spc="0" normalizeH="0" baseline="0">
             <a:ln>
               <a:noFill/>
             </a:ln>
@@ -11613,7 +11963,7 @@
           <a:buFontTx/>
           <a:buNone/>
           <a:tabLst/>
-          <a:defRPr b="0" baseline="0" cap="none" i="0" spc="0" strike="noStrike" sz="1800" u="none" kumimoji="0" normalizeH="0">
+          <a:defRPr kumimoji="0" sz="1800" b="0" i="0" u="none" strike="noStrike" cap="none" spc="0" normalizeH="0" baseline="0">
             <a:ln>
               <a:noFill/>
             </a:ln>
@@ -11639,7 +11989,7 @@
           <a:buFontTx/>
           <a:buNone/>
           <a:tabLst/>
-          <a:defRPr b="0" baseline="0" cap="none" i="0" spc="0" strike="noStrike" sz="1800" u="none" kumimoji="0" normalizeH="0">
+          <a:defRPr kumimoji="0" sz="1800" b="0" i="0" u="none" strike="noStrike" cap="none" spc="0" normalizeH="0" baseline="0">
             <a:ln>
               <a:noFill/>
             </a:ln>
@@ -11665,7 +12015,7 @@
           <a:buFontTx/>
           <a:buNone/>
           <a:tabLst/>
-          <a:defRPr b="0" baseline="0" cap="none" i="0" spc="0" strike="noStrike" sz="1800" u="none" kumimoji="0" normalizeH="0">
+          <a:defRPr kumimoji="0" sz="1800" b="0" i="0" u="none" strike="noStrike" cap="none" spc="0" normalizeH="0" baseline="0">
             <a:ln>
               <a:noFill/>
             </a:ln>
@@ -11691,7 +12041,7 @@
           <a:buFontTx/>
           <a:buNone/>
           <a:tabLst/>
-          <a:defRPr b="0" baseline="0" cap="none" i="0" spc="0" strike="noStrike" sz="1800" u="none" kumimoji="0" normalizeH="0">
+          <a:defRPr kumimoji="0" sz="1800" b="0" i="0" u="none" strike="noStrike" cap="none" spc="0" normalizeH="0" baseline="0">
             <a:ln>
               <a:noFill/>
             </a:ln>
@@ -11717,7 +12067,7 @@
           <a:buFontTx/>
           <a:buNone/>
           <a:tabLst/>
-          <a:defRPr b="0" baseline="0" cap="none" i="0" spc="0" strike="noStrike" sz="1800" u="none" kumimoji="0" normalizeH="0">
+          <a:defRPr kumimoji="0" sz="1800" b="0" i="0" u="none" strike="noStrike" cap="none" spc="0" normalizeH="0" baseline="0">
             <a:ln>
               <a:noFill/>
             </a:ln>
@@ -11730,9 +12080,15 @@
         </a:lvl9pPr>
       </a:lstStyle>
       <a:style>
-        <a:lnRef idx="0"/>
-        <a:fillRef idx="0"/>
-        <a:effectRef idx="0"/>
+        <a:lnRef idx="0">
+          <a:scrgbClr r="0" g="0" b="0"/>
+        </a:lnRef>
+        <a:fillRef idx="0">
+          <a:scrgbClr r="0" g="0" b="0"/>
+        </a:fillRef>
+        <a:effectRef idx="0">
+          <a:scrgbClr r="0" g="0" b="0"/>
+        </a:effectRef>
         <a:fontRef idx="none"/>
       </a:style>
     </a:spDef>
@@ -11749,7 +12105,7 @@
         <a:effectLst/>
         <a:sp3d/>
       </a:spPr>
-      <a:bodyPr rot="0" spcFirstLastPara="1" vertOverflow="overflow" horzOverflow="overflow" vert="horz" wrap="square" lIns="91439" tIns="45719" rIns="91439" bIns="45719" numCol="1" spcCol="38100" rtlCol="0" anchor="t" upright="0">
+      <a:bodyPr rot="0" spcFirstLastPara="1" vertOverflow="overflow" horzOverflow="overflow" vert="horz" wrap="square" lIns="91439" tIns="45719" rIns="91439" bIns="45719" numCol="1" spcCol="38100" rtlCol="0" anchor="t">
         <a:noAutofit/>
       </a:bodyPr>
       <a:lstStyle>
@@ -11768,7 +12124,7 @@
           <a:buFontTx/>
           <a:buNone/>
           <a:tabLst/>
-          <a:defRPr b="0" baseline="0" cap="none" i="0" spc="0" strike="noStrike" sz="1800" u="none" kumimoji="0" normalizeH="0">
+          <a:defRPr kumimoji="0" sz="1800" b="0" i="0" u="none" strike="noStrike" cap="none" spc="0" normalizeH="0" baseline="0">
             <a:ln>
               <a:noFill/>
             </a:ln>
@@ -11794,7 +12150,7 @@
           <a:buFontTx/>
           <a:buNone/>
           <a:tabLst/>
-          <a:defRPr b="0" baseline="0" cap="none" i="0" spc="0" strike="noStrike" sz="1800" u="none" kumimoji="0" normalizeH="0">
+          <a:defRPr kumimoji="0" sz="1800" b="0" i="0" u="none" strike="noStrike" cap="none" spc="0" normalizeH="0" baseline="0">
             <a:ln>
               <a:noFill/>
             </a:ln>
@@ -11820,7 +12176,7 @@
           <a:buFontTx/>
           <a:buNone/>
           <a:tabLst/>
-          <a:defRPr b="0" baseline="0" cap="none" i="0" spc="0" strike="noStrike" sz="1800" u="none" kumimoji="0" normalizeH="0">
+          <a:defRPr kumimoji="0" sz="1800" b="0" i="0" u="none" strike="noStrike" cap="none" spc="0" normalizeH="0" baseline="0">
             <a:ln>
               <a:noFill/>
             </a:ln>
@@ -11846,7 +12202,7 @@
           <a:buFontTx/>
           <a:buNone/>
           <a:tabLst/>
-          <a:defRPr b="0" baseline="0" cap="none" i="0" spc="0" strike="noStrike" sz="1800" u="none" kumimoji="0" normalizeH="0">
+          <a:defRPr kumimoji="0" sz="1800" b="0" i="0" u="none" strike="noStrike" cap="none" spc="0" normalizeH="0" baseline="0">
             <a:ln>
               <a:noFill/>
             </a:ln>
@@ -11872,7 +12228,7 @@
           <a:buFontTx/>
           <a:buNone/>
           <a:tabLst/>
-          <a:defRPr b="0" baseline="0" cap="none" i="0" spc="0" strike="noStrike" sz="1800" u="none" kumimoji="0" normalizeH="0">
+          <a:defRPr kumimoji="0" sz="1800" b="0" i="0" u="none" strike="noStrike" cap="none" spc="0" normalizeH="0" baseline="0">
             <a:ln>
               <a:noFill/>
             </a:ln>
@@ -11898,7 +12254,7 @@
           <a:buFontTx/>
           <a:buNone/>
           <a:tabLst/>
-          <a:defRPr b="0" baseline="0" cap="none" i="0" spc="0" strike="noStrike" sz="1800" u="none" kumimoji="0" normalizeH="0">
+          <a:defRPr kumimoji="0" sz="1800" b="0" i="0" u="none" strike="noStrike" cap="none" spc="0" normalizeH="0" baseline="0">
             <a:ln>
               <a:noFill/>
             </a:ln>
@@ -11924,7 +12280,7 @@
           <a:buFontTx/>
           <a:buNone/>
           <a:tabLst/>
-          <a:defRPr b="0" baseline="0" cap="none" i="0" spc="0" strike="noStrike" sz="1800" u="none" kumimoji="0" normalizeH="0">
+          <a:defRPr kumimoji="0" sz="1800" b="0" i="0" u="none" strike="noStrike" cap="none" spc="0" normalizeH="0" baseline="0">
             <a:ln>
               <a:noFill/>
             </a:ln>
@@ -11950,7 +12306,7 @@
           <a:buFontTx/>
           <a:buNone/>
           <a:tabLst/>
-          <a:defRPr b="0" baseline="0" cap="none" i="0" spc="0" strike="noStrike" sz="1800" u="none" kumimoji="0" normalizeH="0">
+          <a:defRPr kumimoji="0" sz="1800" b="0" i="0" u="none" strike="noStrike" cap="none" spc="0" normalizeH="0" baseline="0">
             <a:ln>
               <a:noFill/>
             </a:ln>
@@ -11976,7 +12332,7 @@
           <a:buFontTx/>
           <a:buNone/>
           <a:tabLst/>
-          <a:defRPr b="0" baseline="0" cap="none" i="0" spc="0" strike="noStrike" sz="1800" u="none" kumimoji="0" normalizeH="0">
+          <a:defRPr kumimoji="0" sz="1800" b="0" i="0" u="none" strike="noStrike" cap="none" spc="0" normalizeH="0" baseline="0">
             <a:ln>
               <a:noFill/>
             </a:ln>
@@ -12002,7 +12358,7 @@
           <a:buFontTx/>
           <a:buNone/>
           <a:tabLst/>
-          <a:defRPr b="0" baseline="0" cap="none" i="0" spc="0" strike="noStrike" sz="1800" u="none" kumimoji="0" normalizeH="0">
+          <a:defRPr kumimoji="0" sz="1800" b="0" i="0" u="none" strike="noStrike" cap="none" spc="0" normalizeH="0" baseline="0">
             <a:ln>
               <a:noFill/>
             </a:ln>
@@ -12015,9 +12371,15 @@
         </a:lvl9pPr>
       </a:lstStyle>
       <a:style>
-        <a:lnRef idx="0"/>
-        <a:fillRef idx="0"/>
-        <a:effectRef idx="0"/>
+        <a:lnRef idx="0">
+          <a:scrgbClr r="0" g="0" b="0"/>
+        </a:lnRef>
+        <a:fillRef idx="0">
+          <a:scrgbClr r="0" g="0" b="0"/>
+        </a:fillRef>
+        <a:effectRef idx="0">
+          <a:scrgbClr r="0" g="0" b="0"/>
+        </a:effectRef>
         <a:fontRef idx="none"/>
       </a:style>
     </a:lnDef>
@@ -12031,7 +12393,7 @@
         <a:effectLst/>
         <a:sp3d/>
       </a:spPr>
-      <a:bodyPr rot="0" spcFirstLastPara="1" vertOverflow="overflow" horzOverflow="overflow" vert="horz" wrap="square" lIns="50800" tIns="50800" rIns="50800" bIns="50800" numCol="1" spcCol="38100" rtlCol="0" anchor="ctr" upright="0">
+      <a:bodyPr rot="0" spcFirstLastPara="1" vertOverflow="overflow" horzOverflow="overflow" vert="horz" wrap="square" lIns="50800" tIns="50800" rIns="50800" bIns="50800" numCol="1" spcCol="38100" rtlCol="0" anchor="ctr">
         <a:spAutoFit/>
       </a:bodyPr>
       <a:lstStyle>
@@ -12050,7 +12412,7 @@
           <a:buFontTx/>
           <a:buNone/>
           <a:tabLst/>
-          <a:defRPr b="1" baseline="0" cap="none" i="0" spc="0" strike="noStrike" sz="2400" u="none" kumimoji="0" normalizeH="0">
+          <a:defRPr kumimoji="0" sz="2400" b="1" i="0" u="none" strike="noStrike" cap="none" spc="0" normalizeH="0" baseline="0">
             <a:ln>
               <a:noFill/>
             </a:ln>
@@ -12080,7 +12442,7 @@
           <a:buFontTx/>
           <a:buNone/>
           <a:tabLst/>
-          <a:defRPr b="0" baseline="0" cap="none" i="0" spc="0" strike="noStrike" sz="1800" u="none" kumimoji="0" normalizeH="0">
+          <a:defRPr kumimoji="0" sz="1800" b="0" i="0" u="none" strike="noStrike" cap="none" spc="0" normalizeH="0" baseline="0">
             <a:ln>
               <a:noFill/>
             </a:ln>
@@ -12106,7 +12468,7 @@
           <a:buFontTx/>
           <a:buNone/>
           <a:tabLst/>
-          <a:defRPr b="0" baseline="0" cap="none" i="0" spc="0" strike="noStrike" sz="1800" u="none" kumimoji="0" normalizeH="0">
+          <a:defRPr kumimoji="0" sz="1800" b="0" i="0" u="none" strike="noStrike" cap="none" spc="0" normalizeH="0" baseline="0">
             <a:ln>
               <a:noFill/>
             </a:ln>
@@ -12132,7 +12494,7 @@
           <a:buFontTx/>
           <a:buNone/>
           <a:tabLst/>
-          <a:defRPr b="0" baseline="0" cap="none" i="0" spc="0" strike="noStrike" sz="1800" u="none" kumimoji="0" normalizeH="0">
+          <a:defRPr kumimoji="0" sz="1800" b="0" i="0" u="none" strike="noStrike" cap="none" spc="0" normalizeH="0" baseline="0">
             <a:ln>
               <a:noFill/>
             </a:ln>
@@ -12158,7 +12520,7 @@
           <a:buFontTx/>
           <a:buNone/>
           <a:tabLst/>
-          <a:defRPr b="0" baseline="0" cap="none" i="0" spc="0" strike="noStrike" sz="1800" u="none" kumimoji="0" normalizeH="0">
+          <a:defRPr kumimoji="0" sz="1800" b="0" i="0" u="none" strike="noStrike" cap="none" spc="0" normalizeH="0" baseline="0">
             <a:ln>
               <a:noFill/>
             </a:ln>
@@ -12184,7 +12546,7 @@
           <a:buFontTx/>
           <a:buNone/>
           <a:tabLst/>
-          <a:defRPr b="0" baseline="0" cap="none" i="0" spc="0" strike="noStrike" sz="1800" u="none" kumimoji="0" normalizeH="0">
+          <a:defRPr kumimoji="0" sz="1800" b="0" i="0" u="none" strike="noStrike" cap="none" spc="0" normalizeH="0" baseline="0">
             <a:ln>
               <a:noFill/>
             </a:ln>
@@ -12210,7 +12572,7 @@
           <a:buFontTx/>
           <a:buNone/>
           <a:tabLst/>
-          <a:defRPr b="0" baseline="0" cap="none" i="0" spc="0" strike="noStrike" sz="1800" u="none" kumimoji="0" normalizeH="0">
+          <a:defRPr kumimoji="0" sz="1800" b="0" i="0" u="none" strike="noStrike" cap="none" spc="0" normalizeH="0" baseline="0">
             <a:ln>
               <a:noFill/>
             </a:ln>
@@ -12236,7 +12598,7 @@
           <a:buFontTx/>
           <a:buNone/>
           <a:tabLst/>
-          <a:defRPr b="0" baseline="0" cap="none" i="0" spc="0" strike="noStrike" sz="1800" u="none" kumimoji="0" normalizeH="0">
+          <a:defRPr kumimoji="0" sz="1800" b="0" i="0" u="none" strike="noStrike" cap="none" spc="0" normalizeH="0" baseline="0">
             <a:ln>
               <a:noFill/>
             </a:ln>
@@ -12262,7 +12624,7 @@
           <a:buFontTx/>
           <a:buNone/>
           <a:tabLst/>
-          <a:defRPr b="0" baseline="0" cap="none" i="0" spc="0" strike="noStrike" sz="1800" u="none" kumimoji="0" normalizeH="0">
+          <a:defRPr kumimoji="0" sz="1800" b="0" i="0" u="none" strike="noStrike" cap="none" spc="0" normalizeH="0" baseline="0">
             <a:ln>
               <a:noFill/>
             </a:ln>
@@ -12288,7 +12650,7 @@
           <a:buFontTx/>
           <a:buNone/>
           <a:tabLst/>
-          <a:defRPr b="0" baseline="0" cap="none" i="0" spc="0" strike="noStrike" sz="1800" u="none" kumimoji="0" normalizeH="0">
+          <a:defRPr kumimoji="0" sz="1800" b="0" i="0" u="none" strike="noStrike" cap="none" spc="0" normalizeH="0" baseline="0">
             <a:ln>
               <a:noFill/>
             </a:ln>
@@ -12301,18 +12663,25 @@
         </a:lvl9pPr>
       </a:lstStyle>
       <a:style>
-        <a:lnRef idx="0"/>
-        <a:fillRef idx="0"/>
-        <a:effectRef idx="0"/>
+        <a:lnRef idx="0">
+          <a:scrgbClr r="0" g="0" b="0"/>
+        </a:lnRef>
+        <a:fillRef idx="0">
+          <a:scrgbClr r="0" g="0" b="0"/>
+        </a:fillRef>
+        <a:effectRef idx="0">
+          <a:scrgbClr r="0" g="0" b="0"/>
+        </a:effectRef>
         <a:fontRef idx="none"/>
       </a:style>
     </a:txDef>
   </a:objectDefaults>
+  <a:extraClrSchemeLst/>
 </a:theme>
 </file>
 
 <file path=ppt/theme/theme2.xml><?xml version="1.0" encoding="utf-8"?>
-<a:theme xmlns:a="http://schemas.openxmlformats.org/drawingml/2006/main" xmlns:r="http://schemas.openxmlformats.org/officeDocument/2006/relationships" name="Black">
+<a:theme xmlns:a="http://schemas.openxmlformats.org/drawingml/2006/main" name="Black">
   <a:themeElements>
     <a:clrScheme name="Black">
       <a:dk1>
@@ -12513,7 +12882,7 @@
         <a:effectLst/>
         <a:sp3d/>
       </a:spPr>
-      <a:bodyPr rot="0" spcFirstLastPara="1" vertOverflow="overflow" horzOverflow="overflow" vert="horz" wrap="square" lIns="50800" tIns="50800" rIns="50800" bIns="50800" numCol="1" spcCol="38100" rtlCol="0" anchor="ctr" upright="0">
+      <a:bodyPr rot="0" spcFirstLastPara="1" vertOverflow="overflow" horzOverflow="overflow" vert="horz" wrap="square" lIns="50800" tIns="50800" rIns="50800" bIns="50800" numCol="1" spcCol="38100" rtlCol="0" anchor="ctr">
         <a:spAutoFit/>
       </a:bodyPr>
       <a:lstStyle>
@@ -12532,7 +12901,7 @@
           <a:buFontTx/>
           <a:buNone/>
           <a:tabLst/>
-          <a:defRPr b="0" baseline="0" cap="none" i="0" spc="0" strike="noStrike" sz="2200" u="none" kumimoji="0" normalizeH="0">
+          <a:defRPr kumimoji="0" sz="2200" b="0" i="0" u="none" strike="noStrike" cap="none" spc="0" normalizeH="0" baseline="0">
             <a:ln>
               <a:noFill/>
             </a:ln>
@@ -12562,7 +12931,7 @@
           <a:buFontTx/>
           <a:buNone/>
           <a:tabLst/>
-          <a:defRPr b="0" baseline="0" cap="none" i="0" spc="0" strike="noStrike" sz="1800" u="none" kumimoji="0" normalizeH="0">
+          <a:defRPr kumimoji="0" sz="1800" b="0" i="0" u="none" strike="noStrike" cap="none" spc="0" normalizeH="0" baseline="0">
             <a:ln>
               <a:noFill/>
             </a:ln>
@@ -12588,7 +12957,7 @@
           <a:buFontTx/>
           <a:buNone/>
           <a:tabLst/>
-          <a:defRPr b="0" baseline="0" cap="none" i="0" spc="0" strike="noStrike" sz="1800" u="none" kumimoji="0" normalizeH="0">
+          <a:defRPr kumimoji="0" sz="1800" b="0" i="0" u="none" strike="noStrike" cap="none" spc="0" normalizeH="0" baseline="0">
             <a:ln>
               <a:noFill/>
             </a:ln>
@@ -12614,7 +12983,7 @@
           <a:buFontTx/>
           <a:buNone/>
           <a:tabLst/>
-          <a:defRPr b="0" baseline="0" cap="none" i="0" spc="0" strike="noStrike" sz="1800" u="none" kumimoji="0" normalizeH="0">
+          <a:defRPr kumimoji="0" sz="1800" b="0" i="0" u="none" strike="noStrike" cap="none" spc="0" normalizeH="0" baseline="0">
             <a:ln>
               <a:noFill/>
             </a:ln>
@@ -12640,7 +13009,7 @@
           <a:buFontTx/>
           <a:buNone/>
           <a:tabLst/>
-          <a:defRPr b="0" baseline="0" cap="none" i="0" spc="0" strike="noStrike" sz="1800" u="none" kumimoji="0" normalizeH="0">
+          <a:defRPr kumimoji="0" sz="1800" b="0" i="0" u="none" strike="noStrike" cap="none" spc="0" normalizeH="0" baseline="0">
             <a:ln>
               <a:noFill/>
             </a:ln>
@@ -12666,7 +13035,7 @@
           <a:buFontTx/>
           <a:buNone/>
           <a:tabLst/>
-          <a:defRPr b="0" baseline="0" cap="none" i="0" spc="0" strike="noStrike" sz="1800" u="none" kumimoji="0" normalizeH="0">
+          <a:defRPr kumimoji="0" sz="1800" b="0" i="0" u="none" strike="noStrike" cap="none" spc="0" normalizeH="0" baseline="0">
             <a:ln>
               <a:noFill/>
             </a:ln>
@@ -12692,7 +13061,7 @@
           <a:buFontTx/>
           <a:buNone/>
           <a:tabLst/>
-          <a:defRPr b="0" baseline="0" cap="none" i="0" spc="0" strike="noStrike" sz="1800" u="none" kumimoji="0" normalizeH="0">
+          <a:defRPr kumimoji="0" sz="1800" b="0" i="0" u="none" strike="noStrike" cap="none" spc="0" normalizeH="0" baseline="0">
             <a:ln>
               <a:noFill/>
             </a:ln>
@@ -12718,7 +13087,7 @@
           <a:buFontTx/>
           <a:buNone/>
           <a:tabLst/>
-          <a:defRPr b="0" baseline="0" cap="none" i="0" spc="0" strike="noStrike" sz="1800" u="none" kumimoji="0" normalizeH="0">
+          <a:defRPr kumimoji="0" sz="1800" b="0" i="0" u="none" strike="noStrike" cap="none" spc="0" normalizeH="0" baseline="0">
             <a:ln>
               <a:noFill/>
             </a:ln>
@@ -12744,7 +13113,7 @@
           <a:buFontTx/>
           <a:buNone/>
           <a:tabLst/>
-          <a:defRPr b="0" baseline="0" cap="none" i="0" spc="0" strike="noStrike" sz="1800" u="none" kumimoji="0" normalizeH="0">
+          <a:defRPr kumimoji="0" sz="1800" b="0" i="0" u="none" strike="noStrike" cap="none" spc="0" normalizeH="0" baseline="0">
             <a:ln>
               <a:noFill/>
             </a:ln>
@@ -12770,7 +13139,7 @@
           <a:buFontTx/>
           <a:buNone/>
           <a:tabLst/>
-          <a:defRPr b="0" baseline="0" cap="none" i="0" spc="0" strike="noStrike" sz="1800" u="none" kumimoji="0" normalizeH="0">
+          <a:defRPr kumimoji="0" sz="1800" b="0" i="0" u="none" strike="noStrike" cap="none" spc="0" normalizeH="0" baseline="0">
             <a:ln>
               <a:noFill/>
             </a:ln>
@@ -12783,9 +13152,15 @@
         </a:lvl9pPr>
       </a:lstStyle>
       <a:style>
-        <a:lnRef idx="0"/>
-        <a:fillRef idx="0"/>
-        <a:effectRef idx="0"/>
+        <a:lnRef idx="0">
+          <a:scrgbClr r="0" g="0" b="0"/>
+        </a:lnRef>
+        <a:fillRef idx="0">
+          <a:scrgbClr r="0" g="0" b="0"/>
+        </a:fillRef>
+        <a:effectRef idx="0">
+          <a:scrgbClr r="0" g="0" b="0"/>
+        </a:effectRef>
         <a:fontRef idx="none"/>
       </a:style>
     </a:spDef>
@@ -12802,7 +13177,7 @@
         <a:effectLst/>
         <a:sp3d/>
       </a:spPr>
-      <a:bodyPr rot="0" spcFirstLastPara="1" vertOverflow="overflow" horzOverflow="overflow" vert="horz" wrap="square" lIns="91439" tIns="45719" rIns="91439" bIns="45719" numCol="1" spcCol="38100" rtlCol="0" anchor="t" upright="0">
+      <a:bodyPr rot="0" spcFirstLastPara="1" vertOverflow="overflow" horzOverflow="overflow" vert="horz" wrap="square" lIns="91439" tIns="45719" rIns="91439" bIns="45719" numCol="1" spcCol="38100" rtlCol="0" anchor="t">
         <a:noAutofit/>
       </a:bodyPr>
       <a:lstStyle>
@@ -12821,7 +13196,7 @@
           <a:buFontTx/>
           <a:buNone/>
           <a:tabLst/>
-          <a:defRPr b="0" baseline="0" cap="none" i="0" spc="0" strike="noStrike" sz="1800" u="none" kumimoji="0" normalizeH="0">
+          <a:defRPr kumimoji="0" sz="1800" b="0" i="0" u="none" strike="noStrike" cap="none" spc="0" normalizeH="0" baseline="0">
             <a:ln>
               <a:noFill/>
             </a:ln>
@@ -12847,7 +13222,7 @@
           <a:buFontTx/>
           <a:buNone/>
           <a:tabLst/>
-          <a:defRPr b="0" baseline="0" cap="none" i="0" spc="0" strike="noStrike" sz="1800" u="none" kumimoji="0" normalizeH="0">
+          <a:defRPr kumimoji="0" sz="1800" b="0" i="0" u="none" strike="noStrike" cap="none" spc="0" normalizeH="0" baseline="0">
             <a:ln>
               <a:noFill/>
             </a:ln>
@@ -12873,7 +13248,7 @@
           <a:buFontTx/>
           <a:buNone/>
           <a:tabLst/>
-          <a:defRPr b="0" baseline="0" cap="none" i="0" spc="0" strike="noStrike" sz="1800" u="none" kumimoji="0" normalizeH="0">
+          <a:defRPr kumimoji="0" sz="1800" b="0" i="0" u="none" strike="noStrike" cap="none" spc="0" normalizeH="0" baseline="0">
             <a:ln>
               <a:noFill/>
             </a:ln>
@@ -12899,7 +13274,7 @@
           <a:buFontTx/>
           <a:buNone/>
           <a:tabLst/>
-          <a:defRPr b="0" baseline="0" cap="none" i="0" spc="0" strike="noStrike" sz="1800" u="none" kumimoji="0" normalizeH="0">
+          <a:defRPr kumimoji="0" sz="1800" b="0" i="0" u="none" strike="noStrike" cap="none" spc="0" normalizeH="0" baseline="0">
             <a:ln>
               <a:noFill/>
             </a:ln>
@@ -12925,7 +13300,7 @@
           <a:buFontTx/>
           <a:buNone/>
           <a:tabLst/>
-          <a:defRPr b="0" baseline="0" cap="none" i="0" spc="0" strike="noStrike" sz="1800" u="none" kumimoji="0" normalizeH="0">
+          <a:defRPr kumimoji="0" sz="1800" b="0" i="0" u="none" strike="noStrike" cap="none" spc="0" normalizeH="0" baseline="0">
             <a:ln>
               <a:noFill/>
             </a:ln>
@@ -12951,7 +13326,7 @@
           <a:buFontTx/>
           <a:buNone/>
           <a:tabLst/>
-          <a:defRPr b="0" baseline="0" cap="none" i="0" spc="0" strike="noStrike" sz="1800" u="none" kumimoji="0" normalizeH="0">
+          <a:defRPr kumimoji="0" sz="1800" b="0" i="0" u="none" strike="noStrike" cap="none" spc="0" normalizeH="0" baseline="0">
             <a:ln>
               <a:noFill/>
             </a:ln>
@@ -12977,7 +13352,7 @@
           <a:buFontTx/>
           <a:buNone/>
           <a:tabLst/>
-          <a:defRPr b="0" baseline="0" cap="none" i="0" spc="0" strike="noStrike" sz="1800" u="none" kumimoji="0" normalizeH="0">
+          <a:defRPr kumimoji="0" sz="1800" b="0" i="0" u="none" strike="noStrike" cap="none" spc="0" normalizeH="0" baseline="0">
             <a:ln>
               <a:noFill/>
             </a:ln>
@@ -13003,7 +13378,7 @@
           <a:buFontTx/>
           <a:buNone/>
           <a:tabLst/>
-          <a:defRPr b="0" baseline="0" cap="none" i="0" spc="0" strike="noStrike" sz="1800" u="none" kumimoji="0" normalizeH="0">
+          <a:defRPr kumimoji="0" sz="1800" b="0" i="0" u="none" strike="noStrike" cap="none" spc="0" normalizeH="0" baseline="0">
             <a:ln>
               <a:noFill/>
             </a:ln>
@@ -13029,7 +13404,7 @@
           <a:buFontTx/>
           <a:buNone/>
           <a:tabLst/>
-          <a:defRPr b="0" baseline="0" cap="none" i="0" spc="0" strike="noStrike" sz="1800" u="none" kumimoji="0" normalizeH="0">
+          <a:defRPr kumimoji="0" sz="1800" b="0" i="0" u="none" strike="noStrike" cap="none" spc="0" normalizeH="0" baseline="0">
             <a:ln>
               <a:noFill/>
             </a:ln>
@@ -13055,7 +13430,7 @@
           <a:buFontTx/>
           <a:buNone/>
           <a:tabLst/>
-          <a:defRPr b="0" baseline="0" cap="none" i="0" spc="0" strike="noStrike" sz="1800" u="none" kumimoji="0" normalizeH="0">
+          <a:defRPr kumimoji="0" sz="1800" b="0" i="0" u="none" strike="noStrike" cap="none" spc="0" normalizeH="0" baseline="0">
             <a:ln>
               <a:noFill/>
             </a:ln>
@@ -13068,9 +13443,15 @@
         </a:lvl9pPr>
       </a:lstStyle>
       <a:style>
-        <a:lnRef idx="0"/>
-        <a:fillRef idx="0"/>
-        <a:effectRef idx="0"/>
+        <a:lnRef idx="0">
+          <a:scrgbClr r="0" g="0" b="0"/>
+        </a:lnRef>
+        <a:fillRef idx="0">
+          <a:scrgbClr r="0" g="0" b="0"/>
+        </a:fillRef>
+        <a:effectRef idx="0">
+          <a:scrgbClr r="0" g="0" b="0"/>
+        </a:effectRef>
         <a:fontRef idx="none"/>
       </a:style>
     </a:lnDef>
@@ -13084,7 +13465,7 @@
         <a:effectLst/>
         <a:sp3d/>
       </a:spPr>
-      <a:bodyPr rot="0" spcFirstLastPara="1" vertOverflow="overflow" horzOverflow="overflow" vert="horz" wrap="square" lIns="50800" tIns="50800" rIns="50800" bIns="50800" numCol="1" spcCol="38100" rtlCol="0" anchor="ctr" upright="0">
+      <a:bodyPr rot="0" spcFirstLastPara="1" vertOverflow="overflow" horzOverflow="overflow" vert="horz" wrap="square" lIns="50800" tIns="50800" rIns="50800" bIns="50800" numCol="1" spcCol="38100" rtlCol="0" anchor="ctr">
         <a:spAutoFit/>
       </a:bodyPr>
       <a:lstStyle>
@@ -13103,7 +13484,7 @@
           <a:buFontTx/>
           <a:buNone/>
           <a:tabLst/>
-          <a:defRPr b="1" baseline="0" cap="none" i="0" spc="0" strike="noStrike" sz="2400" u="none" kumimoji="0" normalizeH="0">
+          <a:defRPr kumimoji="0" sz="2400" b="1" i="0" u="none" strike="noStrike" cap="none" spc="0" normalizeH="0" baseline="0">
             <a:ln>
               <a:noFill/>
             </a:ln>
@@ -13133,7 +13514,7 @@
           <a:buFontTx/>
           <a:buNone/>
           <a:tabLst/>
-          <a:defRPr b="0" baseline="0" cap="none" i="0" spc="0" strike="noStrike" sz="1800" u="none" kumimoji="0" normalizeH="0">
+          <a:defRPr kumimoji="0" sz="1800" b="0" i="0" u="none" strike="noStrike" cap="none" spc="0" normalizeH="0" baseline="0">
             <a:ln>
               <a:noFill/>
             </a:ln>
@@ -13159,7 +13540,7 @@
           <a:buFontTx/>
           <a:buNone/>
           <a:tabLst/>
-          <a:defRPr b="0" baseline="0" cap="none" i="0" spc="0" strike="noStrike" sz="1800" u="none" kumimoji="0" normalizeH="0">
+          <a:defRPr kumimoji="0" sz="1800" b="0" i="0" u="none" strike="noStrike" cap="none" spc="0" normalizeH="0" baseline="0">
             <a:ln>
               <a:noFill/>
             </a:ln>
@@ -13185,7 +13566,7 @@
           <a:buFontTx/>
           <a:buNone/>
           <a:tabLst/>
-          <a:defRPr b="0" baseline="0" cap="none" i="0" spc="0" strike="noStrike" sz="1800" u="none" kumimoji="0" normalizeH="0">
+          <a:defRPr kumimoji="0" sz="1800" b="0" i="0" u="none" strike="noStrike" cap="none" spc="0" normalizeH="0" baseline="0">
             <a:ln>
               <a:noFill/>
             </a:ln>
@@ -13211,7 +13592,7 @@
           <a:buFontTx/>
           <a:buNone/>
           <a:tabLst/>
-          <a:defRPr b="0" baseline="0" cap="none" i="0" spc="0" strike="noStrike" sz="1800" u="none" kumimoji="0" normalizeH="0">
+          <a:defRPr kumimoji="0" sz="1800" b="0" i="0" u="none" strike="noStrike" cap="none" spc="0" normalizeH="0" baseline="0">
             <a:ln>
               <a:noFill/>
             </a:ln>
@@ -13237,7 +13618,7 @@
           <a:buFontTx/>
           <a:buNone/>
           <a:tabLst/>
-          <a:defRPr b="0" baseline="0" cap="none" i="0" spc="0" strike="noStrike" sz="1800" u="none" kumimoji="0" normalizeH="0">
+          <a:defRPr kumimoji="0" sz="1800" b="0" i="0" u="none" strike="noStrike" cap="none" spc="0" normalizeH="0" baseline="0">
             <a:ln>
               <a:noFill/>
             </a:ln>
@@ -13263,7 +13644,7 @@
           <a:buFontTx/>
           <a:buNone/>
           <a:tabLst/>
-          <a:defRPr b="0" baseline="0" cap="none" i="0" spc="0" strike="noStrike" sz="1800" u="none" kumimoji="0" normalizeH="0">
+          <a:defRPr kumimoji="0" sz="1800" b="0" i="0" u="none" strike="noStrike" cap="none" spc="0" normalizeH="0" baseline="0">
             <a:ln>
               <a:noFill/>
             </a:ln>
@@ -13289,7 +13670,7 @@
           <a:buFontTx/>
           <a:buNone/>
           <a:tabLst/>
-          <a:defRPr b="0" baseline="0" cap="none" i="0" spc="0" strike="noStrike" sz="1800" u="none" kumimoji="0" normalizeH="0">
+          <a:defRPr kumimoji="0" sz="1800" b="0" i="0" u="none" strike="noStrike" cap="none" spc="0" normalizeH="0" baseline="0">
             <a:ln>
               <a:noFill/>
             </a:ln>
@@ -13315,7 +13696,7 @@
           <a:buFontTx/>
           <a:buNone/>
           <a:tabLst/>
-          <a:defRPr b="0" baseline="0" cap="none" i="0" spc="0" strike="noStrike" sz="1800" u="none" kumimoji="0" normalizeH="0">
+          <a:defRPr kumimoji="0" sz="1800" b="0" i="0" u="none" strike="noStrike" cap="none" spc="0" normalizeH="0" baseline="0">
             <a:ln>
               <a:noFill/>
             </a:ln>
@@ -13341,7 +13722,7 @@
           <a:buFontTx/>
           <a:buNone/>
           <a:tabLst/>
-          <a:defRPr b="0" baseline="0" cap="none" i="0" spc="0" strike="noStrike" sz="1800" u="none" kumimoji="0" normalizeH="0">
+          <a:defRPr kumimoji="0" sz="1800" b="0" i="0" u="none" strike="noStrike" cap="none" spc="0" normalizeH="0" baseline="0">
             <a:ln>
               <a:noFill/>
             </a:ln>
@@ -13354,12 +13735,19 @@
         </a:lvl9pPr>
       </a:lstStyle>
       <a:style>
-        <a:lnRef idx="0"/>
-        <a:fillRef idx="0"/>
-        <a:effectRef idx="0"/>
+        <a:lnRef idx="0">
+          <a:scrgbClr r="0" g="0" b="0"/>
+        </a:lnRef>
+        <a:fillRef idx="0">
+          <a:scrgbClr r="0" g="0" b="0"/>
+        </a:fillRef>
+        <a:effectRef idx="0">
+          <a:scrgbClr r="0" g="0" b="0"/>
+        </a:effectRef>
         <a:fontRef idx="none"/>
       </a:style>
     </a:txDef>
   </a:objectDefaults>
+  <a:extraClrSchemeLst/>
 </a:theme>
 </file>